--- a/Lec_04/第四讲：相机模型与非线性优化.pptx
+++ b/Lec_04/第四讲：相机模型与非线性优化.pptx
@@ -1,60 +1,60 @@
 
 <file path=ppt/presentation.xml><?xml version="1.0" encoding="utf-8"?>
-<p:presentation xmlns:a="http://schemas.openxmlformats.org/drawingml/2006/main" xmlns:r="http://schemas.openxmlformats.org/officeDocument/2006/relationships" xmlns:p="http://schemas.openxmlformats.org/presentationml/2006/main" saveSubsetFonts="1">
+<p:presentation xmlns:a="http://schemas.openxmlformats.org/drawingml/2006/main" xmlns:r="http://schemas.openxmlformats.org/officeDocument/2006/relationships" xmlns:p="http://schemas.openxmlformats.org/presentationml/2006/main">
   <p:sldMasterIdLst>
     <p:sldMasterId id="2147483648" r:id="rId1"/>
   </p:sldMasterIdLst>
   <p:notesMasterIdLst>
-    <p:notesMasterId r:id="rId46"/>
+    <p:notesMasterId r:id="rId4"/>
   </p:notesMasterIdLst>
   <p:sldIdLst>
-    <p:sldId id="256" r:id="rId2"/>
-    <p:sldId id="330" r:id="rId3"/>
-    <p:sldId id="332" r:id="rId4"/>
-    <p:sldId id="331" r:id="rId5"/>
-    <p:sldId id="333" r:id="rId6"/>
-    <p:sldId id="336" r:id="rId7"/>
-    <p:sldId id="337" r:id="rId8"/>
-    <p:sldId id="338" r:id="rId9"/>
-    <p:sldId id="339" r:id="rId10"/>
-    <p:sldId id="340" r:id="rId11"/>
-    <p:sldId id="343" r:id="rId12"/>
-    <p:sldId id="344" r:id="rId13"/>
-    <p:sldId id="345" r:id="rId14"/>
-    <p:sldId id="342" r:id="rId15"/>
-    <p:sldId id="341" r:id="rId16"/>
-    <p:sldId id="347" r:id="rId17"/>
-    <p:sldId id="346" r:id="rId18"/>
-    <p:sldId id="348" r:id="rId19"/>
-    <p:sldId id="350" r:id="rId20"/>
-    <p:sldId id="351" r:id="rId21"/>
-    <p:sldId id="349" r:id="rId22"/>
-    <p:sldId id="352" r:id="rId23"/>
-    <p:sldId id="353" r:id="rId24"/>
-    <p:sldId id="354" r:id="rId25"/>
-    <p:sldId id="355" r:id="rId26"/>
-    <p:sldId id="356" r:id="rId27"/>
-    <p:sldId id="357" r:id="rId28"/>
-    <p:sldId id="359" r:id="rId29"/>
-    <p:sldId id="358" r:id="rId30"/>
-    <p:sldId id="360" r:id="rId31"/>
-    <p:sldId id="361" r:id="rId32"/>
-    <p:sldId id="364" r:id="rId33"/>
-    <p:sldId id="362" r:id="rId34"/>
-    <p:sldId id="363" r:id="rId35"/>
-    <p:sldId id="365" r:id="rId36"/>
-    <p:sldId id="366" r:id="rId37"/>
-    <p:sldId id="367" r:id="rId38"/>
-    <p:sldId id="371" r:id="rId39"/>
-    <p:sldId id="372" r:id="rId40"/>
-    <p:sldId id="369" r:id="rId41"/>
-    <p:sldId id="373" r:id="rId42"/>
-    <p:sldId id="368" r:id="rId43"/>
-    <p:sldId id="370" r:id="rId44"/>
-    <p:sldId id="374" r:id="rId45"/>
+    <p:sldId id="256" r:id="rId3"/>
+    <p:sldId id="330" r:id="rId5"/>
+    <p:sldId id="332" r:id="rId6"/>
+    <p:sldId id="331" r:id="rId7"/>
+    <p:sldId id="333" r:id="rId8"/>
+    <p:sldId id="336" r:id="rId9"/>
+    <p:sldId id="337" r:id="rId10"/>
+    <p:sldId id="338" r:id="rId11"/>
+    <p:sldId id="339" r:id="rId12"/>
+    <p:sldId id="340" r:id="rId13"/>
+    <p:sldId id="343" r:id="rId14"/>
+    <p:sldId id="344" r:id="rId15"/>
+    <p:sldId id="345" r:id="rId16"/>
+    <p:sldId id="342" r:id="rId17"/>
+    <p:sldId id="341" r:id="rId18"/>
+    <p:sldId id="347" r:id="rId19"/>
+    <p:sldId id="346" r:id="rId20"/>
+    <p:sldId id="348" r:id="rId21"/>
+    <p:sldId id="350" r:id="rId22"/>
+    <p:sldId id="351" r:id="rId23"/>
+    <p:sldId id="349" r:id="rId24"/>
+    <p:sldId id="352" r:id="rId25"/>
+    <p:sldId id="353" r:id="rId26"/>
+    <p:sldId id="354" r:id="rId27"/>
+    <p:sldId id="355" r:id="rId28"/>
+    <p:sldId id="356" r:id="rId29"/>
+    <p:sldId id="357" r:id="rId30"/>
+    <p:sldId id="359" r:id="rId31"/>
+    <p:sldId id="358" r:id="rId32"/>
+    <p:sldId id="360" r:id="rId33"/>
+    <p:sldId id="361" r:id="rId34"/>
+    <p:sldId id="364" r:id="rId35"/>
+    <p:sldId id="362" r:id="rId36"/>
+    <p:sldId id="363" r:id="rId37"/>
+    <p:sldId id="365" r:id="rId38"/>
+    <p:sldId id="366" r:id="rId39"/>
+    <p:sldId id="367" r:id="rId40"/>
+    <p:sldId id="371" r:id="rId41"/>
+    <p:sldId id="372" r:id="rId42"/>
+    <p:sldId id="369" r:id="rId43"/>
+    <p:sldId id="373" r:id="rId44"/>
+    <p:sldId id="368" r:id="rId45"/>
+    <p:sldId id="370" r:id="rId46"/>
+    <p:sldId id="374" r:id="rId47"/>
   </p:sldIdLst>
   <p:sldSz cx="9144000" cy="5143500" type="screen16x9"/>
-  <p:notesSz cx="7104063" cy="10234613"/>
+  <p:notesSz cx="7103745" cy="10234295"/>
   <p:defaultTextStyle>
     <a:defPPr>
       <a:defRPr lang="zh-CN"/>
@@ -150,769 +150,7 @@
       </a:defRPr>
     </a:lvl9pPr>
   </p:defaultTextStyle>
-  <p:extLst>
-    <p:ext uri="{EFAFB233-063F-42B5-8137-9DF3F51BA10A}">
-      <p15:sldGuideLst xmlns:p15="http://schemas.microsoft.com/office/powerpoint/2012/main">
-        <p15:guide id="1" orient="horz" pos="1620">
-          <p15:clr>
-            <a:srgbClr val="A4A3A4"/>
-          </p15:clr>
-        </p15:guide>
-        <p15:guide id="2" pos="2880">
-          <p15:clr>
-            <a:srgbClr val="A4A3A4"/>
-          </p15:clr>
-        </p15:guide>
-      </p15:sldGuideLst>
-    </p:ext>
-    <p:ext uri="{2D200454-40CA-4A62-9FC3-DE9A4176ACB9}">
-      <p15:notesGuideLst xmlns:p15="http://schemas.microsoft.com/office/powerpoint/2012/main"/>
-    </p:ext>
-  </p:extLst>
 </p:presentation>
-</file>
-
-<file path=ppt/changesInfos/changesInfo1.xml><?xml version="1.0" encoding="utf-8"?>
-<pc:chgInfo xmlns:a="http://schemas.openxmlformats.org/drawingml/2006/main" xmlns:r="http://schemas.openxmlformats.org/officeDocument/2006/relationships" xmlns:ac="http://schemas.microsoft.com/office/drawing/2013/main/command" xmlns:pc="http://schemas.microsoft.com/office/powerpoint/2013/main/command">
-  <pc:docChgLst>
-    <pc:chgData name="高翔" userId="1a7361d22c554503" providerId="LiveId" clId="{F9131DA9-4CE7-4C1D-8567-91ABCEF92290}"/>
-    <pc:docChg chg="modSld">
-      <pc:chgData name="高翔" userId="1a7361d22c554503" providerId="LiveId" clId="{F9131DA9-4CE7-4C1D-8567-91ABCEF92290}" dt="2017-12-02T17:12:13.099" v="0"/>
-      <pc:docMkLst>
-        <pc:docMk/>
-      </pc:docMkLst>
-      <pc:sldChg chg="addSp">
-        <pc:chgData name="高翔" userId="1a7361d22c554503" providerId="LiveId" clId="{F9131DA9-4CE7-4C1D-8567-91ABCEF92290}" dt="2017-12-02T17:12:13.099" v="0"/>
-        <pc:sldMkLst>
-          <pc:docMk/>
-          <pc:sldMk cId="0" sldId="330"/>
-        </pc:sldMkLst>
-        <pc:inkChg chg="add">
-          <ac:chgData name="高翔" userId="1a7361d22c554503" providerId="LiveId" clId="{F9131DA9-4CE7-4C1D-8567-91ABCEF92290}" dt="2017-12-02T17:12:13.099" v="0"/>
-          <ac:inkMkLst>
-            <pc:docMk/>
-            <pc:sldMk cId="0" sldId="330"/>
-            <ac:inkMk id="3" creationId="{08EA1CD1-D766-4705-8DAB-221141368E57}"/>
-          </ac:inkMkLst>
-        </pc:inkChg>
-      </pc:sldChg>
-      <pc:sldChg chg="addSp">
-        <pc:chgData name="高翔" userId="1a7361d22c554503" providerId="LiveId" clId="{F9131DA9-4CE7-4C1D-8567-91ABCEF92290}" dt="2017-12-02T17:12:13.099" v="0"/>
-        <pc:sldMkLst>
-          <pc:docMk/>
-          <pc:sldMk cId="1311630456" sldId="332"/>
-        </pc:sldMkLst>
-        <pc:inkChg chg="add">
-          <ac:chgData name="高翔" userId="1a7361d22c554503" providerId="LiveId" clId="{F9131DA9-4CE7-4C1D-8567-91ABCEF92290}" dt="2017-12-02T17:12:13.099" v="0"/>
-          <ac:inkMkLst>
-            <pc:docMk/>
-            <pc:sldMk cId="1311630456" sldId="332"/>
-            <ac:inkMk id="3" creationId="{BF929BF1-EC54-404D-B80E-4375BD60EAD7}"/>
-          </ac:inkMkLst>
-        </pc:inkChg>
-      </pc:sldChg>
-      <pc:sldChg chg="addSp">
-        <pc:chgData name="高翔" userId="1a7361d22c554503" providerId="LiveId" clId="{F9131DA9-4CE7-4C1D-8567-91ABCEF92290}" dt="2017-12-02T17:12:13.099" v="0"/>
-        <pc:sldMkLst>
-          <pc:docMk/>
-          <pc:sldMk cId="1511390209" sldId="356"/>
-        </pc:sldMkLst>
-        <pc:inkChg chg="add">
-          <ac:chgData name="高翔" userId="1a7361d22c554503" providerId="LiveId" clId="{F9131DA9-4CE7-4C1D-8567-91ABCEF92290}" dt="2017-12-02T17:12:13.099" v="0"/>
-          <ac:inkMkLst>
-            <pc:docMk/>
-            <pc:sldMk cId="1511390209" sldId="356"/>
-            <ac:inkMk id="3" creationId="{0E0B1AD3-49BF-4FA3-A5E2-8E50C130954A}"/>
-          </ac:inkMkLst>
-        </pc:inkChg>
-      </pc:sldChg>
-      <pc:sldChg chg="addSp">
-        <pc:chgData name="高翔" userId="1a7361d22c554503" providerId="LiveId" clId="{F9131DA9-4CE7-4C1D-8567-91ABCEF92290}" dt="2017-12-02T17:12:13.099" v="0"/>
-        <pc:sldMkLst>
-          <pc:docMk/>
-          <pc:sldMk cId="1732959365" sldId="357"/>
-        </pc:sldMkLst>
-        <pc:inkChg chg="add">
-          <ac:chgData name="高翔" userId="1a7361d22c554503" providerId="LiveId" clId="{F9131DA9-4CE7-4C1D-8567-91ABCEF92290}" dt="2017-12-02T17:12:13.099" v="0"/>
-          <ac:inkMkLst>
-            <pc:docMk/>
-            <pc:sldMk cId="1732959365" sldId="357"/>
-            <ac:inkMk id="3" creationId="{B47BF710-0EE7-4782-BF40-13B127E98CBC}"/>
-          </ac:inkMkLst>
-        </pc:inkChg>
-      </pc:sldChg>
-      <pc:sldChg chg="addSp">
-        <pc:chgData name="高翔" userId="1a7361d22c554503" providerId="LiveId" clId="{F9131DA9-4CE7-4C1D-8567-91ABCEF92290}" dt="2017-12-02T17:12:13.099" v="0"/>
-        <pc:sldMkLst>
-          <pc:docMk/>
-          <pc:sldMk cId="387380533" sldId="358"/>
-        </pc:sldMkLst>
-        <pc:inkChg chg="add">
-          <ac:chgData name="高翔" userId="1a7361d22c554503" providerId="LiveId" clId="{F9131DA9-4CE7-4C1D-8567-91ABCEF92290}" dt="2017-12-02T17:12:13.099" v="0"/>
-          <ac:inkMkLst>
-            <pc:docMk/>
-            <pc:sldMk cId="387380533" sldId="358"/>
-            <ac:inkMk id="3" creationId="{3A3A4EF6-532D-46FC-AEF7-1C450F13BCA6}"/>
-          </ac:inkMkLst>
-        </pc:inkChg>
-      </pc:sldChg>
-      <pc:sldChg chg="addSp">
-        <pc:chgData name="高翔" userId="1a7361d22c554503" providerId="LiveId" clId="{F9131DA9-4CE7-4C1D-8567-91ABCEF92290}" dt="2017-12-02T17:12:13.099" v="0"/>
-        <pc:sldMkLst>
-          <pc:docMk/>
-          <pc:sldMk cId="1761271275" sldId="360"/>
-        </pc:sldMkLst>
-        <pc:inkChg chg="add">
-          <ac:chgData name="高翔" userId="1a7361d22c554503" providerId="LiveId" clId="{F9131DA9-4CE7-4C1D-8567-91ABCEF92290}" dt="2017-12-02T17:12:13.099" v="0"/>
-          <ac:inkMkLst>
-            <pc:docMk/>
-            <pc:sldMk cId="1761271275" sldId="360"/>
-            <ac:inkMk id="4" creationId="{B6E57B69-9B91-421C-82E1-A9F51FBF7F64}"/>
-          </ac:inkMkLst>
-        </pc:inkChg>
-      </pc:sldChg>
-      <pc:sldChg chg="addSp">
-        <pc:chgData name="高翔" userId="1a7361d22c554503" providerId="LiveId" clId="{F9131DA9-4CE7-4C1D-8567-91ABCEF92290}" dt="2017-12-02T17:12:13.099" v="0"/>
-        <pc:sldMkLst>
-          <pc:docMk/>
-          <pc:sldMk cId="971230739" sldId="361"/>
-        </pc:sldMkLst>
-        <pc:inkChg chg="add">
-          <ac:chgData name="高翔" userId="1a7361d22c554503" providerId="LiveId" clId="{F9131DA9-4CE7-4C1D-8567-91ABCEF92290}" dt="2017-12-02T17:12:13.099" v="0"/>
-          <ac:inkMkLst>
-            <pc:docMk/>
-            <pc:sldMk cId="971230739" sldId="361"/>
-            <ac:inkMk id="3" creationId="{1CE85EE5-E824-46D2-B75A-1FB86BDC2F4A}"/>
-          </ac:inkMkLst>
-        </pc:inkChg>
-      </pc:sldChg>
-      <pc:sldChg chg="addSp">
-        <pc:chgData name="高翔" userId="1a7361d22c554503" providerId="LiveId" clId="{F9131DA9-4CE7-4C1D-8567-91ABCEF92290}" dt="2017-12-02T17:12:13.099" v="0"/>
-        <pc:sldMkLst>
-          <pc:docMk/>
-          <pc:sldMk cId="427923575" sldId="362"/>
-        </pc:sldMkLst>
-        <pc:inkChg chg="add">
-          <ac:chgData name="高翔" userId="1a7361d22c554503" providerId="LiveId" clId="{F9131DA9-4CE7-4C1D-8567-91ABCEF92290}" dt="2017-12-02T17:12:13.099" v="0"/>
-          <ac:inkMkLst>
-            <pc:docMk/>
-            <pc:sldMk cId="427923575" sldId="362"/>
-            <ac:inkMk id="3" creationId="{16491B24-B191-4E1E-AD05-57EE4A6C679E}"/>
-          </ac:inkMkLst>
-        </pc:inkChg>
-      </pc:sldChg>
-      <pc:sldChg chg="addSp">
-        <pc:chgData name="高翔" userId="1a7361d22c554503" providerId="LiveId" clId="{F9131DA9-4CE7-4C1D-8567-91ABCEF92290}" dt="2017-12-02T17:12:13.099" v="0"/>
-        <pc:sldMkLst>
-          <pc:docMk/>
-          <pc:sldMk cId="360156541" sldId="363"/>
-        </pc:sldMkLst>
-        <pc:inkChg chg="add">
-          <ac:chgData name="高翔" userId="1a7361d22c554503" providerId="LiveId" clId="{F9131DA9-4CE7-4C1D-8567-91ABCEF92290}" dt="2017-12-02T17:12:13.099" v="0"/>
-          <ac:inkMkLst>
-            <pc:docMk/>
-            <pc:sldMk cId="360156541" sldId="363"/>
-            <ac:inkMk id="5" creationId="{39489BCA-3B34-4703-BBC2-86D8DE945D3A}"/>
-          </ac:inkMkLst>
-        </pc:inkChg>
-      </pc:sldChg>
-      <pc:sldChg chg="addSp">
-        <pc:chgData name="高翔" userId="1a7361d22c554503" providerId="LiveId" clId="{F9131DA9-4CE7-4C1D-8567-91ABCEF92290}" dt="2017-12-02T17:12:13.099" v="0"/>
-        <pc:sldMkLst>
-          <pc:docMk/>
-          <pc:sldMk cId="968179389" sldId="364"/>
-        </pc:sldMkLst>
-        <pc:inkChg chg="add">
-          <ac:chgData name="高翔" userId="1a7361d22c554503" providerId="LiveId" clId="{F9131DA9-4CE7-4C1D-8567-91ABCEF92290}" dt="2017-12-02T17:12:13.099" v="0"/>
-          <ac:inkMkLst>
-            <pc:docMk/>
-            <pc:sldMk cId="968179389" sldId="364"/>
-            <ac:inkMk id="3" creationId="{B293F023-BC9C-45F7-8042-456257C6846D}"/>
-          </ac:inkMkLst>
-        </pc:inkChg>
-      </pc:sldChg>
-      <pc:sldChg chg="addSp">
-        <pc:chgData name="高翔" userId="1a7361d22c554503" providerId="LiveId" clId="{F9131DA9-4CE7-4C1D-8567-91ABCEF92290}" dt="2017-12-02T17:12:13.099" v="0"/>
-        <pc:sldMkLst>
-          <pc:docMk/>
-          <pc:sldMk cId="619044067" sldId="366"/>
-        </pc:sldMkLst>
-        <pc:inkChg chg="add">
-          <ac:chgData name="高翔" userId="1a7361d22c554503" providerId="LiveId" clId="{F9131DA9-4CE7-4C1D-8567-91ABCEF92290}" dt="2017-12-02T17:12:13.099" v="0"/>
-          <ac:inkMkLst>
-            <pc:docMk/>
-            <pc:sldMk cId="619044067" sldId="366"/>
-            <ac:inkMk id="3" creationId="{8F32EF13-3FE0-4068-A93C-11540359FF18}"/>
-          </ac:inkMkLst>
-        </pc:inkChg>
-      </pc:sldChg>
-      <pc:sldChg chg="addSp">
-        <pc:chgData name="高翔" userId="1a7361d22c554503" providerId="LiveId" clId="{F9131DA9-4CE7-4C1D-8567-91ABCEF92290}" dt="2017-12-02T17:12:13.099" v="0"/>
-        <pc:sldMkLst>
-          <pc:docMk/>
-          <pc:sldMk cId="1846139741" sldId="367"/>
-        </pc:sldMkLst>
-        <pc:inkChg chg="add">
-          <ac:chgData name="高翔" userId="1a7361d22c554503" providerId="LiveId" clId="{F9131DA9-4CE7-4C1D-8567-91ABCEF92290}" dt="2017-12-02T17:12:13.099" v="0"/>
-          <ac:inkMkLst>
-            <pc:docMk/>
-            <pc:sldMk cId="1846139741" sldId="367"/>
-            <ac:inkMk id="4" creationId="{0D1B10D3-1460-4DEB-B4E1-CAB161D2464F}"/>
-          </ac:inkMkLst>
-        </pc:inkChg>
-      </pc:sldChg>
-      <pc:sldChg chg="addSp">
-        <pc:chgData name="高翔" userId="1a7361d22c554503" providerId="LiveId" clId="{F9131DA9-4CE7-4C1D-8567-91ABCEF92290}" dt="2017-12-02T17:12:13.099" v="0"/>
-        <pc:sldMkLst>
-          <pc:docMk/>
-          <pc:sldMk cId="1825974558" sldId="368"/>
-        </pc:sldMkLst>
-        <pc:inkChg chg="add">
-          <ac:chgData name="高翔" userId="1a7361d22c554503" providerId="LiveId" clId="{F9131DA9-4CE7-4C1D-8567-91ABCEF92290}" dt="2017-12-02T17:12:13.099" v="0"/>
-          <ac:inkMkLst>
-            <pc:docMk/>
-            <pc:sldMk cId="1825974558" sldId="368"/>
-            <ac:inkMk id="4" creationId="{07D5216A-BEA7-4ADA-94D9-3C1AC1BC9562}"/>
-          </ac:inkMkLst>
-        </pc:inkChg>
-      </pc:sldChg>
-      <pc:sldChg chg="addSp">
-        <pc:chgData name="高翔" userId="1a7361d22c554503" providerId="LiveId" clId="{F9131DA9-4CE7-4C1D-8567-91ABCEF92290}" dt="2017-12-02T17:12:13.099" v="0"/>
-        <pc:sldMkLst>
-          <pc:docMk/>
-          <pc:sldMk cId="395717848" sldId="369"/>
-        </pc:sldMkLst>
-        <pc:inkChg chg="add">
-          <ac:chgData name="高翔" userId="1a7361d22c554503" providerId="LiveId" clId="{F9131DA9-4CE7-4C1D-8567-91ABCEF92290}" dt="2017-12-02T17:12:13.099" v="0"/>
-          <ac:inkMkLst>
-            <pc:docMk/>
-            <pc:sldMk cId="395717848" sldId="369"/>
-            <ac:inkMk id="3" creationId="{BC10B758-ED3F-4706-A8D2-71ED950ECB4C}"/>
-          </ac:inkMkLst>
-        </pc:inkChg>
-      </pc:sldChg>
-      <pc:sldChg chg="addSp">
-        <pc:chgData name="高翔" userId="1a7361d22c554503" providerId="LiveId" clId="{F9131DA9-4CE7-4C1D-8567-91ABCEF92290}" dt="2017-12-02T17:12:13.099" v="0"/>
-        <pc:sldMkLst>
-          <pc:docMk/>
-          <pc:sldMk cId="1205332226" sldId="370"/>
-        </pc:sldMkLst>
-        <pc:inkChg chg="add">
-          <ac:chgData name="高翔" userId="1a7361d22c554503" providerId="LiveId" clId="{F9131DA9-4CE7-4C1D-8567-91ABCEF92290}" dt="2017-12-02T17:12:13.099" v="0"/>
-          <ac:inkMkLst>
-            <pc:docMk/>
-            <pc:sldMk cId="1205332226" sldId="370"/>
-            <ac:inkMk id="3" creationId="{3120E238-C71C-4839-B6A2-F27D04D142F1}"/>
-          </ac:inkMkLst>
-        </pc:inkChg>
-      </pc:sldChg>
-      <pc:sldChg chg="addSp">
-        <pc:chgData name="高翔" userId="1a7361d22c554503" providerId="LiveId" clId="{F9131DA9-4CE7-4C1D-8567-91ABCEF92290}" dt="2017-12-02T17:12:13.099" v="0"/>
-        <pc:sldMkLst>
-          <pc:docMk/>
-          <pc:sldMk cId="1698925422" sldId="372"/>
-        </pc:sldMkLst>
-        <pc:inkChg chg="add">
-          <ac:chgData name="高翔" userId="1a7361d22c554503" providerId="LiveId" clId="{F9131DA9-4CE7-4C1D-8567-91ABCEF92290}" dt="2017-12-02T17:12:13.099" v="0"/>
-          <ac:inkMkLst>
-            <pc:docMk/>
-            <pc:sldMk cId="1698925422" sldId="372"/>
-            <ac:inkMk id="6" creationId="{0497522D-9744-42DA-90A6-1293F36F7023}"/>
-          </ac:inkMkLst>
-        </pc:inkChg>
-      </pc:sldChg>
-      <pc:sldChg chg="addSp">
-        <pc:chgData name="高翔" userId="1a7361d22c554503" providerId="LiveId" clId="{F9131DA9-4CE7-4C1D-8567-91ABCEF92290}" dt="2017-12-02T17:12:13.099" v="0"/>
-        <pc:sldMkLst>
-          <pc:docMk/>
-          <pc:sldMk cId="1298387149" sldId="373"/>
-        </pc:sldMkLst>
-        <pc:inkChg chg="add">
-          <ac:chgData name="高翔" userId="1a7361d22c554503" providerId="LiveId" clId="{F9131DA9-4CE7-4C1D-8567-91ABCEF92290}" dt="2017-12-02T17:12:13.099" v="0"/>
-          <ac:inkMkLst>
-            <pc:docMk/>
-            <pc:sldMk cId="1298387149" sldId="373"/>
-            <ac:inkMk id="3" creationId="{903A6B24-0600-4565-84CE-99C686DBA3A6}"/>
-          </ac:inkMkLst>
-        </pc:inkChg>
-      </pc:sldChg>
-      <pc:sldChg chg="addSp">
-        <pc:chgData name="高翔" userId="1a7361d22c554503" providerId="LiveId" clId="{F9131DA9-4CE7-4C1D-8567-91ABCEF92290}" dt="2017-12-02T17:12:13.099" v="0"/>
-        <pc:sldMkLst>
-          <pc:docMk/>
-          <pc:sldMk cId="348047073" sldId="374"/>
-        </pc:sldMkLst>
-        <pc:inkChg chg="add">
-          <ac:chgData name="高翔" userId="1a7361d22c554503" providerId="LiveId" clId="{F9131DA9-4CE7-4C1D-8567-91ABCEF92290}" dt="2017-12-02T17:12:13.099" v="0"/>
-          <ac:inkMkLst>
-            <pc:docMk/>
-            <pc:sldMk cId="348047073" sldId="374"/>
-            <ac:inkMk id="16" creationId="{FEEC5DDC-80D8-4CF6-A1BC-0218D1D7E765}"/>
-          </ac:inkMkLst>
-        </pc:inkChg>
-      </pc:sldChg>
-      <pc:sldChg chg="addSp">
-        <pc:chgData name="高翔" userId="1a7361d22c554503" providerId="LiveId" clId="{F9131DA9-4CE7-4C1D-8567-91ABCEF92290}" dt="2017-12-02T17:12:13.099" v="0"/>
-        <pc:sldMkLst>
-          <pc:docMk/>
-          <pc:sldMk cId="1218816262" sldId="375"/>
-        </pc:sldMkLst>
-        <pc:inkChg chg="add">
-          <ac:chgData name="高翔" userId="1a7361d22c554503" providerId="LiveId" clId="{F9131DA9-4CE7-4C1D-8567-91ABCEF92290}" dt="2017-12-02T17:12:13.099" v="0"/>
-          <ac:inkMkLst>
-            <pc:docMk/>
-            <pc:sldMk cId="1218816262" sldId="375"/>
-            <ac:inkMk id="3" creationId="{954978DE-B1AB-4CF2-AD20-AEA4D68F7712}"/>
-          </ac:inkMkLst>
-        </pc:inkChg>
-      </pc:sldChg>
-      <pc:sldChg chg="addSp">
-        <pc:chgData name="高翔" userId="1a7361d22c554503" providerId="LiveId" clId="{F9131DA9-4CE7-4C1D-8567-91ABCEF92290}" dt="2017-12-02T17:12:13.099" v="0"/>
-        <pc:sldMkLst>
-          <pc:docMk/>
-          <pc:sldMk cId="1849733565" sldId="376"/>
-        </pc:sldMkLst>
-        <pc:inkChg chg="add">
-          <ac:chgData name="高翔" userId="1a7361d22c554503" providerId="LiveId" clId="{F9131DA9-4CE7-4C1D-8567-91ABCEF92290}" dt="2017-12-02T17:12:13.099" v="0"/>
-          <ac:inkMkLst>
-            <pc:docMk/>
-            <pc:sldMk cId="1849733565" sldId="376"/>
-            <ac:inkMk id="3" creationId="{40A2BF5F-75E1-48E6-9755-0E2C54AA4532}"/>
-          </ac:inkMkLst>
-        </pc:inkChg>
-      </pc:sldChg>
-      <pc:sldChg chg="addSp">
-        <pc:chgData name="高翔" userId="1a7361d22c554503" providerId="LiveId" clId="{F9131DA9-4CE7-4C1D-8567-91ABCEF92290}" dt="2017-12-02T17:12:13.099" v="0"/>
-        <pc:sldMkLst>
-          <pc:docMk/>
-          <pc:sldMk cId="1733529098" sldId="378"/>
-        </pc:sldMkLst>
-        <pc:inkChg chg="add">
-          <ac:chgData name="高翔" userId="1a7361d22c554503" providerId="LiveId" clId="{F9131DA9-4CE7-4C1D-8567-91ABCEF92290}" dt="2017-12-02T17:12:13.099" v="0"/>
-          <ac:inkMkLst>
-            <pc:docMk/>
-            <pc:sldMk cId="1733529098" sldId="378"/>
-            <ac:inkMk id="3" creationId="{3FCF5DB2-4085-464B-BF35-BF6902D5FACE}"/>
-          </ac:inkMkLst>
-        </pc:inkChg>
-      </pc:sldChg>
-    </pc:docChg>
-  </pc:docChgLst>
-  <pc:docChgLst>
-    <pc:chgData name="高翔" userId="1a7361d22c554503" providerId="LiveId" clId="{01848C4F-A8C3-4166-A843-C8858282F8FF}"/>
-    <pc:docChg chg="modSld">
-      <pc:chgData name="高翔" userId="1a7361d22c554503" providerId="LiveId" clId="{01848C4F-A8C3-4166-A843-C8858282F8FF}" dt="2017-12-09T15:42:15.637" v="0"/>
-      <pc:docMkLst>
-        <pc:docMk/>
-      </pc:docMkLst>
-      <pc:sldChg chg="addSp">
-        <pc:chgData name="高翔" userId="1a7361d22c554503" providerId="LiveId" clId="{01848C4F-A8C3-4166-A843-C8858282F8FF}" dt="2017-12-09T15:42:15.637" v="0"/>
-        <pc:sldMkLst>
-          <pc:docMk/>
-          <pc:sldMk cId="1733529098" sldId="378"/>
-        </pc:sldMkLst>
-        <pc:inkChg chg="add">
-          <ac:chgData name="高翔" userId="1a7361d22c554503" providerId="LiveId" clId="{01848C4F-A8C3-4166-A843-C8858282F8FF}" dt="2017-12-09T15:42:15.637" v="0"/>
-          <ac:inkMkLst>
-            <pc:docMk/>
-            <pc:sldMk cId="1733529098" sldId="378"/>
-            <ac:inkMk id="3" creationId="{71105FBB-D720-456A-B3C6-58C56E46CAA3}"/>
-          </ac:inkMkLst>
-        </pc:inkChg>
-      </pc:sldChg>
-      <pc:sldChg chg="addSp">
-        <pc:chgData name="高翔" userId="1a7361d22c554503" providerId="LiveId" clId="{01848C4F-A8C3-4166-A843-C8858282F8FF}" dt="2017-12-09T15:42:15.637" v="0"/>
-        <pc:sldMkLst>
-          <pc:docMk/>
-          <pc:sldMk cId="1323614740" sldId="379"/>
-        </pc:sldMkLst>
-        <pc:inkChg chg="add">
-          <ac:chgData name="高翔" userId="1a7361d22c554503" providerId="LiveId" clId="{01848C4F-A8C3-4166-A843-C8858282F8FF}" dt="2017-12-09T15:42:15.637" v="0"/>
-          <ac:inkMkLst>
-            <pc:docMk/>
-            <pc:sldMk cId="1323614740" sldId="379"/>
-            <ac:inkMk id="3" creationId="{054F70C2-F32D-4890-8366-611BEE987777}"/>
-          </ac:inkMkLst>
-        </pc:inkChg>
-      </pc:sldChg>
-      <pc:sldChg chg="addSp">
-        <pc:chgData name="高翔" userId="1a7361d22c554503" providerId="LiveId" clId="{01848C4F-A8C3-4166-A843-C8858282F8FF}" dt="2017-12-09T15:42:15.637" v="0"/>
-        <pc:sldMkLst>
-          <pc:docMk/>
-          <pc:sldMk cId="501097165" sldId="380"/>
-        </pc:sldMkLst>
-        <pc:inkChg chg="add">
-          <ac:chgData name="高翔" userId="1a7361d22c554503" providerId="LiveId" clId="{01848C4F-A8C3-4166-A843-C8858282F8FF}" dt="2017-12-09T15:42:15.637" v="0"/>
-          <ac:inkMkLst>
-            <pc:docMk/>
-            <pc:sldMk cId="501097165" sldId="380"/>
-            <ac:inkMk id="3" creationId="{6F8B40FB-3EA3-439D-A9D3-29BC414FCFA1}"/>
-          </ac:inkMkLst>
-        </pc:inkChg>
-      </pc:sldChg>
-      <pc:sldChg chg="addSp">
-        <pc:chgData name="高翔" userId="1a7361d22c554503" providerId="LiveId" clId="{01848C4F-A8C3-4166-A843-C8858282F8FF}" dt="2017-12-09T15:42:15.637" v="0"/>
-        <pc:sldMkLst>
-          <pc:docMk/>
-          <pc:sldMk cId="2012889375" sldId="382"/>
-        </pc:sldMkLst>
-        <pc:inkChg chg="add">
-          <ac:chgData name="高翔" userId="1a7361d22c554503" providerId="LiveId" clId="{01848C4F-A8C3-4166-A843-C8858282F8FF}" dt="2017-12-09T15:42:15.637" v="0"/>
-          <ac:inkMkLst>
-            <pc:docMk/>
-            <pc:sldMk cId="2012889375" sldId="382"/>
-            <ac:inkMk id="4" creationId="{E30BA57C-B8DE-4BBF-9516-0FF235169E7B}"/>
-          </ac:inkMkLst>
-        </pc:inkChg>
-      </pc:sldChg>
-      <pc:sldChg chg="addSp">
-        <pc:chgData name="高翔" userId="1a7361d22c554503" providerId="LiveId" clId="{01848C4F-A8C3-4166-A843-C8858282F8FF}" dt="2017-12-09T15:42:15.637" v="0"/>
-        <pc:sldMkLst>
-          <pc:docMk/>
-          <pc:sldMk cId="960060420" sldId="383"/>
-        </pc:sldMkLst>
-        <pc:inkChg chg="add">
-          <ac:chgData name="高翔" userId="1a7361d22c554503" providerId="LiveId" clId="{01848C4F-A8C3-4166-A843-C8858282F8FF}" dt="2017-12-09T15:42:15.637" v="0"/>
-          <ac:inkMkLst>
-            <pc:docMk/>
-            <pc:sldMk cId="960060420" sldId="383"/>
-            <ac:inkMk id="3" creationId="{D0A24903-9DA8-44C5-827D-394AE4D752B1}"/>
-          </ac:inkMkLst>
-        </pc:inkChg>
-      </pc:sldChg>
-      <pc:sldChg chg="addSp">
-        <pc:chgData name="高翔" userId="1a7361d22c554503" providerId="LiveId" clId="{01848C4F-A8C3-4166-A843-C8858282F8FF}" dt="2017-12-09T15:42:15.637" v="0"/>
-        <pc:sldMkLst>
-          <pc:docMk/>
-          <pc:sldMk cId="3475402" sldId="384"/>
-        </pc:sldMkLst>
-        <pc:inkChg chg="add">
-          <ac:chgData name="高翔" userId="1a7361d22c554503" providerId="LiveId" clId="{01848C4F-A8C3-4166-A843-C8858282F8FF}" dt="2017-12-09T15:42:15.637" v="0"/>
-          <ac:inkMkLst>
-            <pc:docMk/>
-            <pc:sldMk cId="3475402" sldId="384"/>
-            <ac:inkMk id="3" creationId="{FD150382-1ABF-4978-9F71-F6EE602D8799}"/>
-          </ac:inkMkLst>
-        </pc:inkChg>
-      </pc:sldChg>
-      <pc:sldChg chg="addSp">
-        <pc:chgData name="高翔" userId="1a7361d22c554503" providerId="LiveId" clId="{01848C4F-A8C3-4166-A843-C8858282F8FF}" dt="2017-12-09T15:42:15.637" v="0"/>
-        <pc:sldMkLst>
-          <pc:docMk/>
-          <pc:sldMk cId="1640488916" sldId="386"/>
-        </pc:sldMkLst>
-        <pc:inkChg chg="add">
-          <ac:chgData name="高翔" userId="1a7361d22c554503" providerId="LiveId" clId="{01848C4F-A8C3-4166-A843-C8858282F8FF}" dt="2017-12-09T15:42:15.637" v="0"/>
-          <ac:inkMkLst>
-            <pc:docMk/>
-            <pc:sldMk cId="1640488916" sldId="386"/>
-            <ac:inkMk id="3" creationId="{2688B83E-B9CE-4380-BC91-DC8E99961053}"/>
-          </ac:inkMkLst>
-        </pc:inkChg>
-      </pc:sldChg>
-      <pc:sldChg chg="addSp">
-        <pc:chgData name="高翔" userId="1a7361d22c554503" providerId="LiveId" clId="{01848C4F-A8C3-4166-A843-C8858282F8FF}" dt="2017-12-09T15:42:15.637" v="0"/>
-        <pc:sldMkLst>
-          <pc:docMk/>
-          <pc:sldMk cId="425078226" sldId="387"/>
-        </pc:sldMkLst>
-        <pc:inkChg chg="add">
-          <ac:chgData name="高翔" userId="1a7361d22c554503" providerId="LiveId" clId="{01848C4F-A8C3-4166-A843-C8858282F8FF}" dt="2017-12-09T15:42:15.637" v="0"/>
-          <ac:inkMkLst>
-            <pc:docMk/>
-            <pc:sldMk cId="425078226" sldId="387"/>
-            <ac:inkMk id="4" creationId="{777D7590-CC65-4EDB-BACF-022CED82A4C3}"/>
-          </ac:inkMkLst>
-        </pc:inkChg>
-      </pc:sldChg>
-      <pc:sldChg chg="addSp">
-        <pc:chgData name="高翔" userId="1a7361d22c554503" providerId="LiveId" clId="{01848C4F-A8C3-4166-A843-C8858282F8FF}" dt="2017-12-09T15:42:15.637" v="0"/>
-        <pc:sldMkLst>
-          <pc:docMk/>
-          <pc:sldMk cId="340627257" sldId="388"/>
-        </pc:sldMkLst>
-        <pc:inkChg chg="add">
-          <ac:chgData name="高翔" userId="1a7361d22c554503" providerId="LiveId" clId="{01848C4F-A8C3-4166-A843-C8858282F8FF}" dt="2017-12-09T15:42:15.637" v="0"/>
-          <ac:inkMkLst>
-            <pc:docMk/>
-            <pc:sldMk cId="340627257" sldId="388"/>
-            <ac:inkMk id="3" creationId="{8ADABB6F-0881-4947-A751-36638BAE84B8}"/>
-          </ac:inkMkLst>
-        </pc:inkChg>
-      </pc:sldChg>
-      <pc:sldChg chg="addSp">
-        <pc:chgData name="高翔" userId="1a7361d22c554503" providerId="LiveId" clId="{01848C4F-A8C3-4166-A843-C8858282F8FF}" dt="2017-12-09T15:42:15.637" v="0"/>
-        <pc:sldMkLst>
-          <pc:docMk/>
-          <pc:sldMk cId="2130968814" sldId="389"/>
-        </pc:sldMkLst>
-        <pc:inkChg chg="add">
-          <ac:chgData name="高翔" userId="1a7361d22c554503" providerId="LiveId" clId="{01848C4F-A8C3-4166-A843-C8858282F8FF}" dt="2017-12-09T15:42:15.637" v="0"/>
-          <ac:inkMkLst>
-            <pc:docMk/>
-            <pc:sldMk cId="2130968814" sldId="389"/>
-            <ac:inkMk id="3" creationId="{BD204585-03A5-4528-9387-A4FA2024C964}"/>
-          </ac:inkMkLst>
-        </pc:inkChg>
-      </pc:sldChg>
-      <pc:sldChg chg="addSp">
-        <pc:chgData name="高翔" userId="1a7361d22c554503" providerId="LiveId" clId="{01848C4F-A8C3-4166-A843-C8858282F8FF}" dt="2017-12-09T15:42:15.637" v="0"/>
-        <pc:sldMkLst>
-          <pc:docMk/>
-          <pc:sldMk cId="1322930496" sldId="390"/>
-        </pc:sldMkLst>
-        <pc:inkChg chg="add">
-          <ac:chgData name="高翔" userId="1a7361d22c554503" providerId="LiveId" clId="{01848C4F-A8C3-4166-A843-C8858282F8FF}" dt="2017-12-09T15:42:15.637" v="0"/>
-          <ac:inkMkLst>
-            <pc:docMk/>
-            <pc:sldMk cId="1322930496" sldId="390"/>
-            <ac:inkMk id="3" creationId="{66FEAEF8-B8A6-4CAD-A62F-11F7A8CEEA9D}"/>
-          </ac:inkMkLst>
-        </pc:inkChg>
-      </pc:sldChg>
-      <pc:sldChg chg="addSp">
-        <pc:chgData name="高翔" userId="1a7361d22c554503" providerId="LiveId" clId="{01848C4F-A8C3-4166-A843-C8858282F8FF}" dt="2017-12-09T15:42:15.637" v="0"/>
-        <pc:sldMkLst>
-          <pc:docMk/>
-          <pc:sldMk cId="1062037691" sldId="391"/>
-        </pc:sldMkLst>
-        <pc:inkChg chg="add">
-          <ac:chgData name="高翔" userId="1a7361d22c554503" providerId="LiveId" clId="{01848C4F-A8C3-4166-A843-C8858282F8FF}" dt="2017-12-09T15:42:15.637" v="0"/>
-          <ac:inkMkLst>
-            <pc:docMk/>
-            <pc:sldMk cId="1062037691" sldId="391"/>
-            <ac:inkMk id="4" creationId="{146E1FFB-9E0E-47AA-84D6-6E952DBAE85F}"/>
-          </ac:inkMkLst>
-        </pc:inkChg>
-      </pc:sldChg>
-      <pc:sldChg chg="addSp">
-        <pc:chgData name="高翔" userId="1a7361d22c554503" providerId="LiveId" clId="{01848C4F-A8C3-4166-A843-C8858282F8FF}" dt="2017-12-09T15:42:15.637" v="0"/>
-        <pc:sldMkLst>
-          <pc:docMk/>
-          <pc:sldMk cId="944403680" sldId="392"/>
-        </pc:sldMkLst>
-        <pc:inkChg chg="add">
-          <ac:chgData name="高翔" userId="1a7361d22c554503" providerId="LiveId" clId="{01848C4F-A8C3-4166-A843-C8858282F8FF}" dt="2017-12-09T15:42:15.637" v="0"/>
-          <ac:inkMkLst>
-            <pc:docMk/>
-            <pc:sldMk cId="944403680" sldId="392"/>
-            <ac:inkMk id="4" creationId="{C2466C30-B214-4791-8FB8-81BB528AF1D6}"/>
-          </ac:inkMkLst>
-        </pc:inkChg>
-      </pc:sldChg>
-      <pc:sldChg chg="addSp">
-        <pc:chgData name="高翔" userId="1a7361d22c554503" providerId="LiveId" clId="{01848C4F-A8C3-4166-A843-C8858282F8FF}" dt="2017-12-09T15:42:15.637" v="0"/>
-        <pc:sldMkLst>
-          <pc:docMk/>
-          <pc:sldMk cId="2035890044" sldId="393"/>
-        </pc:sldMkLst>
-        <pc:inkChg chg="add">
-          <ac:chgData name="高翔" userId="1a7361d22c554503" providerId="LiveId" clId="{01848C4F-A8C3-4166-A843-C8858282F8FF}" dt="2017-12-09T15:42:15.637" v="0"/>
-          <ac:inkMkLst>
-            <pc:docMk/>
-            <pc:sldMk cId="2035890044" sldId="393"/>
-            <ac:inkMk id="3" creationId="{B43EF7AB-F541-4087-958C-F4DAAA3F87CC}"/>
-          </ac:inkMkLst>
-        </pc:inkChg>
-      </pc:sldChg>
-      <pc:sldChg chg="addSp">
-        <pc:chgData name="高翔" userId="1a7361d22c554503" providerId="LiveId" clId="{01848C4F-A8C3-4166-A843-C8858282F8FF}" dt="2017-12-09T15:42:15.637" v="0"/>
-        <pc:sldMkLst>
-          <pc:docMk/>
-          <pc:sldMk cId="1247045540" sldId="394"/>
-        </pc:sldMkLst>
-        <pc:inkChg chg="add">
-          <ac:chgData name="高翔" userId="1a7361d22c554503" providerId="LiveId" clId="{01848C4F-A8C3-4166-A843-C8858282F8FF}" dt="2017-12-09T15:42:15.637" v="0"/>
-          <ac:inkMkLst>
-            <pc:docMk/>
-            <pc:sldMk cId="1247045540" sldId="394"/>
-            <ac:inkMk id="3" creationId="{6D9B9EB1-9816-4A48-875A-AE22FF73CE5F}"/>
-          </ac:inkMkLst>
-        </pc:inkChg>
-      </pc:sldChg>
-      <pc:sldChg chg="addSp">
-        <pc:chgData name="高翔" userId="1a7361d22c554503" providerId="LiveId" clId="{01848C4F-A8C3-4166-A843-C8858282F8FF}" dt="2017-12-09T15:42:15.637" v="0"/>
-        <pc:sldMkLst>
-          <pc:docMk/>
-          <pc:sldMk cId="384934190" sldId="396"/>
-        </pc:sldMkLst>
-        <pc:inkChg chg="add">
-          <ac:chgData name="高翔" userId="1a7361d22c554503" providerId="LiveId" clId="{01848C4F-A8C3-4166-A843-C8858282F8FF}" dt="2017-12-09T15:42:15.637" v="0"/>
-          <ac:inkMkLst>
-            <pc:docMk/>
-            <pc:sldMk cId="384934190" sldId="396"/>
-            <ac:inkMk id="3" creationId="{E76F58FF-D6F0-44D7-B5D0-7D95BACB3B3D}"/>
-          </ac:inkMkLst>
-        </pc:inkChg>
-      </pc:sldChg>
-      <pc:sldChg chg="addSp">
-        <pc:chgData name="高翔" userId="1a7361d22c554503" providerId="LiveId" clId="{01848C4F-A8C3-4166-A843-C8858282F8FF}" dt="2017-12-09T15:42:15.637" v="0"/>
-        <pc:sldMkLst>
-          <pc:docMk/>
-          <pc:sldMk cId="1414835536" sldId="397"/>
-        </pc:sldMkLst>
-        <pc:inkChg chg="add">
-          <ac:chgData name="高翔" userId="1a7361d22c554503" providerId="LiveId" clId="{01848C4F-A8C3-4166-A843-C8858282F8FF}" dt="2017-12-09T15:42:15.637" v="0"/>
-          <ac:inkMkLst>
-            <pc:docMk/>
-            <pc:sldMk cId="1414835536" sldId="397"/>
-            <ac:inkMk id="4" creationId="{9E69E241-8FDD-4306-9E21-6B171DA04B9B}"/>
-          </ac:inkMkLst>
-        </pc:inkChg>
-      </pc:sldChg>
-      <pc:sldChg chg="addSp">
-        <pc:chgData name="高翔" userId="1a7361d22c554503" providerId="LiveId" clId="{01848C4F-A8C3-4166-A843-C8858282F8FF}" dt="2017-12-09T15:42:15.637" v="0"/>
-        <pc:sldMkLst>
-          <pc:docMk/>
-          <pc:sldMk cId="1727917589" sldId="398"/>
-        </pc:sldMkLst>
-        <pc:inkChg chg="add">
-          <ac:chgData name="高翔" userId="1a7361d22c554503" providerId="LiveId" clId="{01848C4F-A8C3-4166-A843-C8858282F8FF}" dt="2017-12-09T15:42:15.637" v="0"/>
-          <ac:inkMkLst>
-            <pc:docMk/>
-            <pc:sldMk cId="1727917589" sldId="398"/>
-            <ac:inkMk id="4" creationId="{09FFE40A-5352-4B1D-9676-E7EF22403EBC}"/>
-          </ac:inkMkLst>
-        </pc:inkChg>
-      </pc:sldChg>
-      <pc:sldChg chg="addSp">
-        <pc:chgData name="高翔" userId="1a7361d22c554503" providerId="LiveId" clId="{01848C4F-A8C3-4166-A843-C8858282F8FF}" dt="2017-12-09T15:42:15.637" v="0"/>
-        <pc:sldMkLst>
-          <pc:docMk/>
-          <pc:sldMk cId="1119477270" sldId="400"/>
-        </pc:sldMkLst>
-        <pc:inkChg chg="add">
-          <ac:chgData name="高翔" userId="1a7361d22c554503" providerId="LiveId" clId="{01848C4F-A8C3-4166-A843-C8858282F8FF}" dt="2017-12-09T15:42:15.637" v="0"/>
-          <ac:inkMkLst>
-            <pc:docMk/>
-            <pc:sldMk cId="1119477270" sldId="400"/>
-            <ac:inkMk id="3" creationId="{7A03F5E2-83F1-4A9B-9F40-75C807C639BB}"/>
-          </ac:inkMkLst>
-        </pc:inkChg>
-      </pc:sldChg>
-      <pc:sldChg chg="addSp">
-        <pc:chgData name="高翔" userId="1a7361d22c554503" providerId="LiveId" clId="{01848C4F-A8C3-4166-A843-C8858282F8FF}" dt="2017-12-09T15:42:15.637" v="0"/>
-        <pc:sldMkLst>
-          <pc:docMk/>
-          <pc:sldMk cId="502825691" sldId="402"/>
-        </pc:sldMkLst>
-        <pc:inkChg chg="add">
-          <ac:chgData name="高翔" userId="1a7361d22c554503" providerId="LiveId" clId="{01848C4F-A8C3-4166-A843-C8858282F8FF}" dt="2017-12-09T15:42:15.637" v="0"/>
-          <ac:inkMkLst>
-            <pc:docMk/>
-            <pc:sldMk cId="502825691" sldId="402"/>
-            <ac:inkMk id="3" creationId="{EF021E11-9F15-4516-A996-81AABF4B017B}"/>
-          </ac:inkMkLst>
-        </pc:inkChg>
-      </pc:sldChg>
-      <pc:sldChg chg="addSp">
-        <pc:chgData name="高翔" userId="1a7361d22c554503" providerId="LiveId" clId="{01848C4F-A8C3-4166-A843-C8858282F8FF}" dt="2017-12-09T15:42:15.637" v="0"/>
-        <pc:sldMkLst>
-          <pc:docMk/>
-          <pc:sldMk cId="844251156" sldId="404"/>
-        </pc:sldMkLst>
-        <pc:inkChg chg="add">
-          <ac:chgData name="高翔" userId="1a7361d22c554503" providerId="LiveId" clId="{01848C4F-A8C3-4166-A843-C8858282F8FF}" dt="2017-12-09T15:42:15.637" v="0"/>
-          <ac:inkMkLst>
-            <pc:docMk/>
-            <pc:sldMk cId="844251156" sldId="404"/>
-            <ac:inkMk id="3" creationId="{F114C83C-71BA-462C-9A56-EEB312DEE82E}"/>
-          </ac:inkMkLst>
-        </pc:inkChg>
-      </pc:sldChg>
-      <pc:sldChg chg="addSp">
-        <pc:chgData name="高翔" userId="1a7361d22c554503" providerId="LiveId" clId="{01848C4F-A8C3-4166-A843-C8858282F8FF}" dt="2017-12-09T15:42:15.637" v="0"/>
-        <pc:sldMkLst>
-          <pc:docMk/>
-          <pc:sldMk cId="535186056" sldId="405"/>
-        </pc:sldMkLst>
-        <pc:inkChg chg="add">
-          <ac:chgData name="高翔" userId="1a7361d22c554503" providerId="LiveId" clId="{01848C4F-A8C3-4166-A843-C8858282F8FF}" dt="2017-12-09T15:42:15.637" v="0"/>
-          <ac:inkMkLst>
-            <pc:docMk/>
-            <pc:sldMk cId="535186056" sldId="405"/>
-            <ac:inkMk id="4" creationId="{9E6B73F1-2E34-40D2-AC5C-CE6AADFD4C5A}"/>
-          </ac:inkMkLst>
-        </pc:inkChg>
-      </pc:sldChg>
-      <pc:sldChg chg="addSp">
-        <pc:chgData name="高翔" userId="1a7361d22c554503" providerId="LiveId" clId="{01848C4F-A8C3-4166-A843-C8858282F8FF}" dt="2017-12-09T15:42:15.637" v="0"/>
-        <pc:sldMkLst>
-          <pc:docMk/>
-          <pc:sldMk cId="1990197588" sldId="406"/>
-        </pc:sldMkLst>
-        <pc:inkChg chg="add">
-          <ac:chgData name="高翔" userId="1a7361d22c554503" providerId="LiveId" clId="{01848C4F-A8C3-4166-A843-C8858282F8FF}" dt="2017-12-09T15:42:15.637" v="0"/>
-          <ac:inkMkLst>
-            <pc:docMk/>
-            <pc:sldMk cId="1990197588" sldId="406"/>
-            <ac:inkMk id="3" creationId="{E3D75814-FF35-4DD4-8901-A38A4CBF80CB}"/>
-          </ac:inkMkLst>
-        </pc:inkChg>
-      </pc:sldChg>
-      <pc:sldChg chg="addSp">
-        <pc:chgData name="高翔" userId="1a7361d22c554503" providerId="LiveId" clId="{01848C4F-A8C3-4166-A843-C8858282F8FF}" dt="2017-12-09T15:42:15.637" v="0"/>
-        <pc:sldMkLst>
-          <pc:docMk/>
-          <pc:sldMk cId="2041204832" sldId="407"/>
-        </pc:sldMkLst>
-        <pc:inkChg chg="add">
-          <ac:chgData name="高翔" userId="1a7361d22c554503" providerId="LiveId" clId="{01848C4F-A8C3-4166-A843-C8858282F8FF}" dt="2017-12-09T15:42:15.637" v="0"/>
-          <ac:inkMkLst>
-            <pc:docMk/>
-            <pc:sldMk cId="2041204832" sldId="407"/>
-            <ac:inkMk id="3" creationId="{E53AA5FA-4789-4593-B41A-958107CE4A2B}"/>
-          </ac:inkMkLst>
-        </pc:inkChg>
-      </pc:sldChg>
-      <pc:sldChg chg="addSp">
-        <pc:chgData name="高翔" userId="1a7361d22c554503" providerId="LiveId" clId="{01848C4F-A8C3-4166-A843-C8858282F8FF}" dt="2017-12-09T15:42:15.637" v="0"/>
-        <pc:sldMkLst>
-          <pc:docMk/>
-          <pc:sldMk cId="1522808431" sldId="408"/>
-        </pc:sldMkLst>
-        <pc:inkChg chg="add">
-          <ac:chgData name="高翔" userId="1a7361d22c554503" providerId="LiveId" clId="{01848C4F-A8C3-4166-A843-C8858282F8FF}" dt="2017-12-09T15:42:15.637" v="0"/>
-          <ac:inkMkLst>
-            <pc:docMk/>
-            <pc:sldMk cId="1522808431" sldId="408"/>
-            <ac:inkMk id="3" creationId="{7F7655CD-057A-4EB9-A508-C7E185FAC6CB}"/>
-          </ac:inkMkLst>
-        </pc:inkChg>
-      </pc:sldChg>
-      <pc:sldChg chg="addSp">
-        <pc:chgData name="高翔" userId="1a7361d22c554503" providerId="LiveId" clId="{01848C4F-A8C3-4166-A843-C8858282F8FF}" dt="2017-12-09T15:42:15.637" v="0"/>
-        <pc:sldMkLst>
-          <pc:docMk/>
-          <pc:sldMk cId="144576061" sldId="409"/>
-        </pc:sldMkLst>
-        <pc:inkChg chg="add">
-          <ac:chgData name="高翔" userId="1a7361d22c554503" providerId="LiveId" clId="{01848C4F-A8C3-4166-A843-C8858282F8FF}" dt="2017-12-09T15:42:15.637" v="0"/>
-          <ac:inkMkLst>
-            <pc:docMk/>
-            <pc:sldMk cId="144576061" sldId="409"/>
-            <ac:inkMk id="3" creationId="{821DA83D-2F2D-48FA-A1BC-8510CC342CCB}"/>
-          </ac:inkMkLst>
-        </pc:inkChg>
-      </pc:sldChg>
-      <pc:sldChg chg="addSp">
-        <pc:chgData name="高翔" userId="1a7361d22c554503" providerId="LiveId" clId="{01848C4F-A8C3-4166-A843-C8858282F8FF}" dt="2017-12-09T15:42:15.637" v="0"/>
-        <pc:sldMkLst>
-          <pc:docMk/>
-          <pc:sldMk cId="396883055" sldId="410"/>
-        </pc:sldMkLst>
-        <pc:inkChg chg="add">
-          <ac:chgData name="高翔" userId="1a7361d22c554503" providerId="LiveId" clId="{01848C4F-A8C3-4166-A843-C8858282F8FF}" dt="2017-12-09T15:42:15.637" v="0"/>
-          <ac:inkMkLst>
-            <pc:docMk/>
-            <pc:sldMk cId="396883055" sldId="410"/>
-            <ac:inkMk id="3" creationId="{4CE72405-CCDC-40A5-B135-99F961AAFD85}"/>
-          </ac:inkMkLst>
-        </pc:inkChg>
-      </pc:sldChg>
-    </pc:docChg>
-  </pc:docChgLst>
-</pc:chgInfo>
 </file>
 
 <file path=ppt/notesMasters/notesMaster1.xml><?xml version="1.0" encoding="utf-8"?>
@@ -997,8 +235,6 @@
           <a:p>
             <a:fld id="{D2A48B96-639E-45A3-A0BA-2464DFDB1FAA}" type="datetimeFigureOut">
               <a:rPr lang="zh-CN" altLang="en-US" smtClean="0"/>
-              <a:pPr/>
-              <a:t>2018/3/18</a:t>
             </a:fld>
             <a:endParaRPr lang="zh-CN" altLang="en-US"/>
           </a:p>
@@ -1065,6 +301,7 @@
               <a:rPr lang="zh-CN" altLang="en-US"/>
               <a:t>单击此处编辑母版文本样式</a:t>
             </a:r>
+            <a:endParaRPr lang="zh-CN" altLang="en-US"/>
           </a:p>
           <a:p>
             <a:pPr lvl="1"/>
@@ -1072,6 +309,7 @@
               <a:rPr lang="zh-CN" altLang="en-US"/>
               <a:t>第二级</a:t>
             </a:r>
+            <a:endParaRPr lang="zh-CN" altLang="en-US"/>
           </a:p>
           <a:p>
             <a:pPr lvl="2"/>
@@ -1079,6 +317,7 @@
               <a:rPr lang="zh-CN" altLang="en-US"/>
               <a:t>第三级</a:t>
             </a:r>
+            <a:endParaRPr lang="zh-CN" altLang="en-US"/>
           </a:p>
           <a:p>
             <a:pPr lvl="3"/>
@@ -1086,6 +325,7 @@
               <a:rPr lang="zh-CN" altLang="en-US"/>
               <a:t>第四级</a:t>
             </a:r>
+            <a:endParaRPr lang="zh-CN" altLang="en-US"/>
           </a:p>
           <a:p>
             <a:pPr lvl="4"/>
@@ -1093,6 +333,7 @@
               <a:rPr lang="zh-CN" altLang="en-US"/>
               <a:t>第五级</a:t>
             </a:r>
+            <a:endParaRPr lang="zh-CN" altLang="en-US"/>
           </a:p>
         </p:txBody>
       </p:sp>
@@ -1156,19 +397,12 @@
           <a:p>
             <a:fld id="{A6837353-30EB-4A48-80EB-173D804AEFBD}" type="slidenum">
               <a:rPr lang="zh-CN" altLang="en-US" smtClean="0"/>
-              <a:pPr/>
-              <a:t>‹#›</a:t>
             </a:fld>
             <a:endParaRPr lang="zh-CN" altLang="en-US"/>
           </a:p>
         </p:txBody>
       </p:sp>
     </p:spTree>
-    <p:extLst>
-      <p:ext uri="{BB962C8B-B14F-4D97-AF65-F5344CB8AC3E}">
-        <p14:creationId xmlns:p14="http://schemas.microsoft.com/office/powerpoint/2010/main" val="3474996777"/>
-      </p:ext>
-    </p:extLst>
   </p:cSld>
   <p:clrMap bg1="lt1" tx1="dk1" bg2="lt2" tx2="dk2" accent1="accent1" accent2="accent2" accent3="accent3" accent4="accent4" accent5="accent5" accent6="accent6" hlink="hlink" folHlink="folHlink"/>
   <p:notesStyle>
@@ -1336,19 +570,12 @@
           <a:p>
             <a:fld id="{A6837353-30EB-4A48-80EB-173D804AEFBD}" type="slidenum">
               <a:rPr lang="zh-CN" altLang="en-US" smtClean="0"/>
-              <a:pPr/>
-              <a:t>1</a:t>
             </a:fld>
             <a:endParaRPr lang="zh-CN" altLang="en-US"/>
           </a:p>
         </p:txBody>
       </p:sp>
     </p:spTree>
-    <p:extLst>
-      <p:ext uri="{BB962C8B-B14F-4D97-AF65-F5344CB8AC3E}">
-        <p14:creationId xmlns:p14="http://schemas.microsoft.com/office/powerpoint/2010/main" val="233722991"/>
-      </p:ext>
-    </p:extLst>
   </p:cSld>
   <p:clrMapOvr>
     <a:masterClrMapping/>
@@ -1426,19 +653,12 @@
           <a:p>
             <a:fld id="{A6837353-30EB-4A48-80EB-173D804AEFBD}" type="slidenum">
               <a:rPr lang="zh-CN" altLang="en-US" smtClean="0"/>
-              <a:pPr/>
-              <a:t>6</a:t>
             </a:fld>
             <a:endParaRPr lang="zh-CN" altLang="en-US"/>
           </a:p>
         </p:txBody>
       </p:sp>
     </p:spTree>
-    <p:extLst>
-      <p:ext uri="{BB962C8B-B14F-4D97-AF65-F5344CB8AC3E}">
-        <p14:creationId xmlns:p14="http://schemas.microsoft.com/office/powerpoint/2010/main" val="1884192619"/>
-      </p:ext>
-    </p:extLst>
   </p:cSld>
   <p:clrMapOvr>
     <a:masterClrMapping/>
@@ -1516,19 +736,12 @@
           <a:p>
             <a:fld id="{A6837353-30EB-4A48-80EB-173D804AEFBD}" type="slidenum">
               <a:rPr lang="zh-CN" altLang="en-US" smtClean="0"/>
-              <a:pPr/>
-              <a:t>7</a:t>
             </a:fld>
             <a:endParaRPr lang="zh-CN" altLang="en-US"/>
           </a:p>
         </p:txBody>
       </p:sp>
     </p:spTree>
-    <p:extLst>
-      <p:ext uri="{BB962C8B-B14F-4D97-AF65-F5344CB8AC3E}">
-        <p14:creationId xmlns:p14="http://schemas.microsoft.com/office/powerpoint/2010/main" val="1568874560"/>
-      </p:ext>
-    </p:extLst>
   </p:cSld>
   <p:clrMapOvr>
     <a:masterClrMapping/>
@@ -1581,6 +794,7 @@
               <a:rPr lang="zh-CN" altLang="en-US"/>
               <a:t>单击此处编辑母版标题样式</a:t>
             </a:r>
+            <a:endParaRPr lang="zh-CN" altLang="en-US"/>
           </a:p>
         </p:txBody>
       </p:sp>
@@ -1645,6 +859,7 @@
               <a:rPr lang="zh-CN" altLang="en-US"/>
               <a:t>单击此处编辑母版副标题样式</a:t>
             </a:r>
+            <a:endParaRPr lang="zh-CN" altLang="en-US"/>
           </a:p>
         </p:txBody>
       </p:sp>
@@ -1665,8 +880,6 @@
           <a:p>
             <a:fld id="{82F288E0-7875-42C4-84C8-98DBBD3BF4D2}" type="datetimeFigureOut">
               <a:rPr lang="zh-CN" altLang="en-US" smtClean="0"/>
-              <a:pPr/>
-              <a:t>2018/3/18</a:t>
             </a:fld>
             <a:endParaRPr lang="zh-CN" altLang="en-US"/>
           </a:p>
@@ -1708,8 +921,6 @@
           <a:p>
             <a:fld id="{7D9BB5D0-35E4-459D-AEF3-FE4D7C45CC19}" type="slidenum">
               <a:rPr lang="zh-CN" altLang="en-US" smtClean="0"/>
-              <a:pPr/>
-              <a:t>‹#›</a:t>
             </a:fld>
             <a:endParaRPr lang="zh-CN" altLang="en-US"/>
           </a:p>
@@ -1765,6 +976,7 @@
               <a:rPr lang="zh-CN" altLang="en-US"/>
               <a:t>单击此处编辑母版文本样式</a:t>
             </a:r>
+            <a:endParaRPr lang="zh-CN" altLang="en-US"/>
           </a:p>
           <a:p>
             <a:pPr lvl="1"/>
@@ -1772,6 +984,7 @@
               <a:rPr lang="zh-CN" altLang="en-US"/>
               <a:t>第二级</a:t>
             </a:r>
+            <a:endParaRPr lang="zh-CN" altLang="en-US"/>
           </a:p>
           <a:p>
             <a:pPr lvl="2"/>
@@ -1779,6 +992,7 @@
               <a:rPr lang="zh-CN" altLang="en-US"/>
               <a:t>第三级</a:t>
             </a:r>
+            <a:endParaRPr lang="zh-CN" altLang="en-US"/>
           </a:p>
           <a:p>
             <a:pPr lvl="3"/>
@@ -1786,6 +1000,7 @@
               <a:rPr lang="zh-CN" altLang="en-US"/>
               <a:t>第四级</a:t>
             </a:r>
+            <a:endParaRPr lang="zh-CN" altLang="en-US"/>
           </a:p>
           <a:p>
             <a:pPr lvl="4"/>
@@ -1793,6 +1008,7 @@
               <a:rPr lang="zh-CN" altLang="en-US"/>
               <a:t>第五级</a:t>
             </a:r>
+            <a:endParaRPr lang="zh-CN" altLang="en-US"/>
           </a:p>
         </p:txBody>
       </p:sp>
@@ -1813,8 +1029,6 @@
           <a:p>
             <a:fld id="{82F288E0-7875-42C4-84C8-98DBBD3BF4D2}" type="datetimeFigureOut">
               <a:rPr lang="zh-CN" altLang="en-US" smtClean="0"/>
-              <a:pPr/>
-              <a:t>2018/3/18</a:t>
             </a:fld>
             <a:endParaRPr lang="zh-CN" altLang="en-US"/>
           </a:p>
@@ -1856,8 +1070,6 @@
           <a:p>
             <a:fld id="{7D9BB5D0-35E4-459D-AEF3-FE4D7C45CC19}" type="slidenum">
               <a:rPr lang="zh-CN" altLang="en-US" smtClean="0"/>
-              <a:pPr/>
-              <a:t>‹#›</a:t>
             </a:fld>
             <a:endParaRPr lang="zh-CN" altLang="en-US"/>
           </a:p>
@@ -1907,6 +1119,7 @@
               <a:rPr lang="zh-CN" altLang="en-US"/>
               <a:t>单击此处编辑母版标题样式</a:t>
             </a:r>
+            <a:endParaRPr lang="zh-CN" altLang="en-US"/>
           </a:p>
         </p:txBody>
       </p:sp>
@@ -1930,6 +1143,7 @@
               <a:rPr lang="zh-CN" altLang="en-US"/>
               <a:t>单击此处编辑母版文本样式</a:t>
             </a:r>
+            <a:endParaRPr lang="zh-CN" altLang="en-US"/>
           </a:p>
           <a:p>
             <a:pPr lvl="1"/>
@@ -1937,6 +1151,7 @@
               <a:rPr lang="zh-CN" altLang="en-US"/>
               <a:t>第二级</a:t>
             </a:r>
+            <a:endParaRPr lang="zh-CN" altLang="en-US"/>
           </a:p>
           <a:p>
             <a:pPr lvl="2"/>
@@ -1944,6 +1159,7 @@
               <a:rPr lang="zh-CN" altLang="en-US"/>
               <a:t>第三级</a:t>
             </a:r>
+            <a:endParaRPr lang="zh-CN" altLang="en-US"/>
           </a:p>
           <a:p>
             <a:pPr lvl="3"/>
@@ -1951,6 +1167,7 @@
               <a:rPr lang="zh-CN" altLang="en-US"/>
               <a:t>第四级</a:t>
             </a:r>
+            <a:endParaRPr lang="zh-CN" altLang="en-US"/>
           </a:p>
           <a:p>
             <a:pPr lvl="4"/>
@@ -1958,6 +1175,7 @@
               <a:rPr lang="zh-CN" altLang="en-US"/>
               <a:t>第五级</a:t>
             </a:r>
+            <a:endParaRPr lang="zh-CN" altLang="en-US"/>
           </a:p>
         </p:txBody>
       </p:sp>
@@ -1978,8 +1196,6 @@
           <a:p>
             <a:fld id="{82F288E0-7875-42C4-84C8-98DBBD3BF4D2}" type="datetimeFigureOut">
               <a:rPr lang="zh-CN" altLang="en-US" smtClean="0"/>
-              <a:pPr/>
-              <a:t>2018/3/18</a:t>
             </a:fld>
             <a:endParaRPr lang="zh-CN" altLang="en-US"/>
           </a:p>
@@ -2021,8 +1237,6 @@
           <a:p>
             <a:fld id="{7D9BB5D0-35E4-459D-AEF3-FE4D7C45CC19}" type="slidenum">
               <a:rPr lang="zh-CN" altLang="en-US" smtClean="0"/>
-              <a:pPr/>
-              <a:t>‹#›</a:t>
             </a:fld>
             <a:endParaRPr lang="zh-CN" altLang="en-US"/>
           </a:p>
@@ -2081,6 +1295,7 @@
               <a:rPr lang="zh-CN" altLang="en-US"/>
               <a:t>单击此处编辑母版标题样式</a:t>
             </a:r>
+            <a:endParaRPr lang="zh-CN" altLang="en-US"/>
           </a:p>
         </p:txBody>
       </p:sp>
@@ -2200,6 +1415,7 @@
               <a:rPr lang="zh-CN" altLang="en-US"/>
               <a:t>单击此处编辑母版文本样式</a:t>
             </a:r>
+            <a:endParaRPr lang="zh-CN" altLang="en-US"/>
           </a:p>
         </p:txBody>
       </p:sp>
@@ -2220,8 +1436,6 @@
           <a:p>
             <a:fld id="{82F288E0-7875-42C4-84C8-98DBBD3BF4D2}" type="datetimeFigureOut">
               <a:rPr lang="zh-CN" altLang="en-US" smtClean="0"/>
-              <a:pPr/>
-              <a:t>2018/3/18</a:t>
             </a:fld>
             <a:endParaRPr lang="zh-CN" altLang="en-US"/>
           </a:p>
@@ -2263,8 +1477,6 @@
           <a:p>
             <a:fld id="{7D9BB5D0-35E4-459D-AEF3-FE4D7C45CC19}" type="slidenum">
               <a:rPr lang="zh-CN" altLang="en-US" smtClean="0"/>
-              <a:pPr/>
-              <a:t>‹#›</a:t>
             </a:fld>
             <a:endParaRPr lang="zh-CN" altLang="en-US"/>
           </a:p>
@@ -2314,6 +1526,7 @@
               <a:rPr lang="zh-CN" altLang="en-US"/>
               <a:t>单击此处编辑母版标题样式</a:t>
             </a:r>
+            <a:endParaRPr lang="zh-CN" altLang="en-US"/>
           </a:p>
         </p:txBody>
       </p:sp>
@@ -2342,6 +1555,7 @@
               <a:rPr lang="zh-CN" altLang="en-US"/>
               <a:t>单击此处编辑母版文本样式</a:t>
             </a:r>
+            <a:endParaRPr lang="zh-CN" altLang="en-US"/>
           </a:p>
           <a:p>
             <a:pPr lvl="1"/>
@@ -2349,6 +1563,7 @@
               <a:rPr lang="zh-CN" altLang="en-US"/>
               <a:t>第二级</a:t>
             </a:r>
+            <a:endParaRPr lang="zh-CN" altLang="en-US"/>
           </a:p>
           <a:p>
             <a:pPr lvl="2"/>
@@ -2356,6 +1571,7 @@
               <a:rPr lang="zh-CN" altLang="en-US"/>
               <a:t>第三级</a:t>
             </a:r>
+            <a:endParaRPr lang="zh-CN" altLang="en-US"/>
           </a:p>
           <a:p>
             <a:pPr lvl="3"/>
@@ -2363,6 +1579,7 @@
               <a:rPr lang="zh-CN" altLang="en-US"/>
               <a:t>第四级</a:t>
             </a:r>
+            <a:endParaRPr lang="zh-CN" altLang="en-US"/>
           </a:p>
           <a:p>
             <a:pPr lvl="4"/>
@@ -2370,6 +1587,7 @@
               <a:rPr lang="zh-CN" altLang="en-US"/>
               <a:t>第五级</a:t>
             </a:r>
+            <a:endParaRPr lang="zh-CN" altLang="en-US"/>
           </a:p>
         </p:txBody>
       </p:sp>
@@ -2398,6 +1616,7 @@
               <a:rPr lang="zh-CN" altLang="en-US"/>
               <a:t>单击此处编辑母版文本样式</a:t>
             </a:r>
+            <a:endParaRPr lang="zh-CN" altLang="en-US"/>
           </a:p>
           <a:p>
             <a:pPr lvl="1"/>
@@ -2405,6 +1624,7 @@
               <a:rPr lang="zh-CN" altLang="en-US"/>
               <a:t>第二级</a:t>
             </a:r>
+            <a:endParaRPr lang="zh-CN" altLang="en-US"/>
           </a:p>
           <a:p>
             <a:pPr lvl="2"/>
@@ -2412,6 +1632,7 @@
               <a:rPr lang="zh-CN" altLang="en-US"/>
               <a:t>第三级</a:t>
             </a:r>
+            <a:endParaRPr lang="zh-CN" altLang="en-US"/>
           </a:p>
           <a:p>
             <a:pPr lvl="3"/>
@@ -2419,6 +1640,7 @@
               <a:rPr lang="zh-CN" altLang="en-US"/>
               <a:t>第四级</a:t>
             </a:r>
+            <a:endParaRPr lang="zh-CN" altLang="en-US"/>
           </a:p>
           <a:p>
             <a:pPr lvl="4"/>
@@ -2426,6 +1648,7 @@
               <a:rPr lang="zh-CN" altLang="en-US"/>
               <a:t>第五级</a:t>
             </a:r>
+            <a:endParaRPr lang="zh-CN" altLang="en-US"/>
           </a:p>
         </p:txBody>
       </p:sp>
@@ -2446,8 +1669,6 @@
           <a:p>
             <a:fld id="{82F288E0-7875-42C4-84C8-98DBBD3BF4D2}" type="datetimeFigureOut">
               <a:rPr lang="zh-CN" altLang="en-US" smtClean="0"/>
-              <a:pPr/>
-              <a:t>2018/3/18</a:t>
             </a:fld>
             <a:endParaRPr lang="zh-CN" altLang="en-US"/>
           </a:p>
@@ -2489,8 +1710,6 @@
           <a:p>
             <a:fld id="{7D9BB5D0-35E4-459D-AEF3-FE4D7C45CC19}" type="slidenum">
               <a:rPr lang="zh-CN" altLang="en-US" smtClean="0"/>
-              <a:pPr/>
-              <a:t>‹#›</a:t>
             </a:fld>
             <a:endParaRPr lang="zh-CN" altLang="en-US"/>
           </a:p>
@@ -2545,6 +1764,7 @@
               <a:rPr lang="zh-CN" altLang="en-US"/>
               <a:t>单击此处编辑母版标题样式</a:t>
             </a:r>
+            <a:endParaRPr lang="zh-CN" altLang="en-US"/>
           </a:p>
         </p:txBody>
       </p:sp>
@@ -2610,6 +1830,7 @@
               <a:rPr lang="zh-CN" altLang="en-US"/>
               <a:t>单击此处编辑母版文本样式</a:t>
             </a:r>
+            <a:endParaRPr lang="zh-CN" altLang="en-US"/>
           </a:p>
         </p:txBody>
       </p:sp>
@@ -2638,6 +1859,7 @@
               <a:rPr lang="zh-CN" altLang="en-US"/>
               <a:t>单击此处编辑母版文本样式</a:t>
             </a:r>
+            <a:endParaRPr lang="zh-CN" altLang="en-US"/>
           </a:p>
           <a:p>
             <a:pPr lvl="1"/>
@@ -2645,6 +1867,7 @@
               <a:rPr lang="zh-CN" altLang="en-US"/>
               <a:t>第二级</a:t>
             </a:r>
+            <a:endParaRPr lang="zh-CN" altLang="en-US"/>
           </a:p>
           <a:p>
             <a:pPr lvl="2"/>
@@ -2652,6 +1875,7 @@
               <a:rPr lang="zh-CN" altLang="en-US"/>
               <a:t>第三级</a:t>
             </a:r>
+            <a:endParaRPr lang="zh-CN" altLang="en-US"/>
           </a:p>
           <a:p>
             <a:pPr lvl="3"/>
@@ -2659,6 +1883,7 @@
               <a:rPr lang="zh-CN" altLang="en-US"/>
               <a:t>第四级</a:t>
             </a:r>
+            <a:endParaRPr lang="zh-CN" altLang="en-US"/>
           </a:p>
           <a:p>
             <a:pPr lvl="4"/>
@@ -2666,6 +1891,7 @@
               <a:rPr lang="zh-CN" altLang="en-US"/>
               <a:t>第五级</a:t>
             </a:r>
+            <a:endParaRPr lang="zh-CN" altLang="en-US"/>
           </a:p>
         </p:txBody>
       </p:sp>
@@ -2731,6 +1957,7 @@
               <a:rPr lang="zh-CN" altLang="en-US"/>
               <a:t>单击此处编辑母版文本样式</a:t>
             </a:r>
+            <a:endParaRPr lang="zh-CN" altLang="en-US"/>
           </a:p>
         </p:txBody>
       </p:sp>
@@ -2759,6 +1986,7 @@
               <a:rPr lang="zh-CN" altLang="en-US"/>
               <a:t>单击此处编辑母版文本样式</a:t>
             </a:r>
+            <a:endParaRPr lang="zh-CN" altLang="en-US"/>
           </a:p>
           <a:p>
             <a:pPr lvl="1"/>
@@ -2766,6 +1994,7 @@
               <a:rPr lang="zh-CN" altLang="en-US"/>
               <a:t>第二级</a:t>
             </a:r>
+            <a:endParaRPr lang="zh-CN" altLang="en-US"/>
           </a:p>
           <a:p>
             <a:pPr lvl="2"/>
@@ -2773,6 +2002,7 @@
               <a:rPr lang="zh-CN" altLang="en-US"/>
               <a:t>第三级</a:t>
             </a:r>
+            <a:endParaRPr lang="zh-CN" altLang="en-US"/>
           </a:p>
           <a:p>
             <a:pPr lvl="3"/>
@@ -2780,6 +2010,7 @@
               <a:rPr lang="zh-CN" altLang="en-US"/>
               <a:t>第四级</a:t>
             </a:r>
+            <a:endParaRPr lang="zh-CN" altLang="en-US"/>
           </a:p>
           <a:p>
             <a:pPr lvl="4"/>
@@ -2787,6 +2018,7 @@
               <a:rPr lang="zh-CN" altLang="en-US"/>
               <a:t>第五级</a:t>
             </a:r>
+            <a:endParaRPr lang="zh-CN" altLang="en-US"/>
           </a:p>
         </p:txBody>
       </p:sp>
@@ -2807,8 +2039,6 @@
           <a:p>
             <a:fld id="{82F288E0-7875-42C4-84C8-98DBBD3BF4D2}" type="datetimeFigureOut">
               <a:rPr lang="zh-CN" altLang="en-US" smtClean="0"/>
-              <a:pPr/>
-              <a:t>2018/3/18</a:t>
             </a:fld>
             <a:endParaRPr lang="zh-CN" altLang="en-US"/>
           </a:p>
@@ -2850,8 +2080,6 @@
           <a:p>
             <a:fld id="{7D9BB5D0-35E4-459D-AEF3-FE4D7C45CC19}" type="slidenum">
               <a:rPr lang="zh-CN" altLang="en-US" smtClean="0"/>
-              <a:pPr/>
-              <a:t>‹#›</a:t>
             </a:fld>
             <a:endParaRPr lang="zh-CN" altLang="en-US"/>
           </a:p>
@@ -2901,6 +2129,7 @@
               <a:rPr lang="zh-CN" altLang="en-US"/>
               <a:t>单击此处编辑母版标题样式</a:t>
             </a:r>
+            <a:endParaRPr lang="zh-CN" altLang="en-US"/>
           </a:p>
         </p:txBody>
       </p:sp>
@@ -2921,8 +2150,6 @@
           <a:p>
             <a:fld id="{82F288E0-7875-42C4-84C8-98DBBD3BF4D2}" type="datetimeFigureOut">
               <a:rPr lang="zh-CN" altLang="en-US" smtClean="0"/>
-              <a:pPr/>
-              <a:t>2018/3/18</a:t>
             </a:fld>
             <a:endParaRPr lang="zh-CN" altLang="en-US"/>
           </a:p>
@@ -2964,8 +2191,6 @@
           <a:p>
             <a:fld id="{7D9BB5D0-35E4-459D-AEF3-FE4D7C45CC19}" type="slidenum">
               <a:rPr lang="zh-CN" altLang="en-US" smtClean="0"/>
-              <a:pPr/>
-              <a:t>‹#›</a:t>
             </a:fld>
             <a:endParaRPr lang="zh-CN" altLang="en-US"/>
           </a:p>
@@ -3013,8 +2238,6 @@
           <a:p>
             <a:fld id="{82F288E0-7875-42C4-84C8-98DBBD3BF4D2}" type="datetimeFigureOut">
               <a:rPr lang="zh-CN" altLang="en-US" smtClean="0"/>
-              <a:pPr/>
-              <a:t>2018/3/18</a:t>
             </a:fld>
             <a:endParaRPr lang="zh-CN" altLang="en-US"/>
           </a:p>
@@ -3056,8 +2279,6 @@
           <a:p>
             <a:fld id="{7D9BB5D0-35E4-459D-AEF3-FE4D7C45CC19}" type="slidenum">
               <a:rPr lang="zh-CN" altLang="en-US" smtClean="0"/>
-              <a:pPr/>
-              <a:t>‹#›</a:t>
             </a:fld>
             <a:endParaRPr lang="zh-CN" altLang="en-US"/>
           </a:p>
@@ -3116,6 +2337,7 @@
               <a:rPr lang="zh-CN" altLang="en-US"/>
               <a:t>单击此处编辑母版标题样式</a:t>
             </a:r>
+            <a:endParaRPr lang="zh-CN" altLang="en-US"/>
           </a:p>
         </p:txBody>
       </p:sp>
@@ -3242,6 +2464,7 @@
               <a:rPr lang="zh-CN" altLang="en-US"/>
               <a:t>单击此处编辑母版文本样式</a:t>
             </a:r>
+            <a:endParaRPr lang="zh-CN" altLang="en-US"/>
           </a:p>
         </p:txBody>
       </p:sp>
@@ -3262,8 +2485,6 @@
           <a:p>
             <a:fld id="{82F288E0-7875-42C4-84C8-98DBBD3BF4D2}" type="datetimeFigureOut">
               <a:rPr lang="zh-CN" altLang="en-US" smtClean="0"/>
-              <a:pPr/>
-              <a:t>2018/3/18</a:t>
             </a:fld>
             <a:endParaRPr lang="zh-CN" altLang="en-US"/>
           </a:p>
@@ -3305,8 +2526,6 @@
           <a:p>
             <a:fld id="{7D9BB5D0-35E4-459D-AEF3-FE4D7C45CC19}" type="slidenum">
               <a:rPr lang="zh-CN" altLang="en-US" smtClean="0"/>
-              <a:pPr/>
-              <a:t>‹#›</a:t>
             </a:fld>
             <a:endParaRPr lang="zh-CN" altLang="en-US"/>
           </a:p>
@@ -3361,6 +2580,7 @@
               <a:rPr lang="zh-CN" altLang="en-US"/>
               <a:t>单击此处编辑母版标题样式</a:t>
             </a:r>
+            <a:endParaRPr lang="zh-CN" altLang="en-US"/>
           </a:p>
         </p:txBody>
       </p:sp>
@@ -3389,6 +2609,7 @@
               <a:rPr lang="zh-CN" altLang="en-US"/>
               <a:t>单击此处编辑母版文本样式</a:t>
             </a:r>
+            <a:endParaRPr lang="zh-CN" altLang="en-US"/>
           </a:p>
           <a:p>
             <a:pPr lvl="1"/>
@@ -3396,6 +2617,7 @@
               <a:rPr lang="zh-CN" altLang="en-US"/>
               <a:t>第二级</a:t>
             </a:r>
+            <a:endParaRPr lang="zh-CN" altLang="en-US"/>
           </a:p>
           <a:p>
             <a:pPr lvl="2"/>
@@ -3403,6 +2625,7 @@
               <a:rPr lang="zh-CN" altLang="en-US"/>
               <a:t>第三级</a:t>
             </a:r>
+            <a:endParaRPr lang="zh-CN" altLang="en-US"/>
           </a:p>
           <a:p>
             <a:pPr lvl="3"/>
@@ -3410,6 +2633,7 @@
               <a:rPr lang="zh-CN" altLang="en-US"/>
               <a:t>第四级</a:t>
             </a:r>
+            <a:endParaRPr lang="zh-CN" altLang="en-US"/>
           </a:p>
           <a:p>
             <a:pPr lvl="4"/>
@@ -3417,6 +2641,7 @@
               <a:rPr lang="zh-CN" altLang="en-US"/>
               <a:t>第五级</a:t>
             </a:r>
+            <a:endParaRPr lang="zh-CN" altLang="en-US"/>
           </a:p>
         </p:txBody>
       </p:sp>
@@ -3437,8 +2662,6 @@
           <a:p>
             <a:fld id="{82F288E0-7875-42C4-84C8-98DBBD3BF4D2}" type="datetimeFigureOut">
               <a:rPr lang="zh-CN" altLang="en-US" smtClean="0"/>
-              <a:pPr/>
-              <a:t>2018/3/18</a:t>
             </a:fld>
             <a:endParaRPr lang="zh-CN" altLang="en-US"/>
           </a:p>
@@ -3480,8 +2703,6 @@
           <a:p>
             <a:fld id="{7D9BB5D0-35E4-459D-AEF3-FE4D7C45CC19}" type="slidenum">
               <a:rPr lang="zh-CN" altLang="en-US" smtClean="0"/>
-              <a:pPr/>
-              <a:t>‹#›</a:t>
             </a:fld>
             <a:endParaRPr lang="zh-CN" altLang="en-US"/>
           </a:p>
@@ -3546,6 +2767,7 @@
               <a:rPr lang="zh-CN" altLang="en-US"/>
               <a:t>单击此处编辑母版标题样式</a:t>
             </a:r>
+            <a:endParaRPr lang="zh-CN" altLang="en-US"/>
           </a:p>
         </p:txBody>
       </p:sp>
@@ -3579,6 +2801,7 @@
               <a:rPr lang="zh-CN" altLang="en-US"/>
               <a:t>单击此处编辑母版文本样式</a:t>
             </a:r>
+            <a:endParaRPr lang="zh-CN" altLang="en-US"/>
           </a:p>
           <a:p>
             <a:pPr lvl="1"/>
@@ -3586,6 +2809,7 @@
               <a:rPr lang="zh-CN" altLang="en-US"/>
               <a:t>第二级</a:t>
             </a:r>
+            <a:endParaRPr lang="zh-CN" altLang="en-US"/>
           </a:p>
           <a:p>
             <a:pPr lvl="2"/>
@@ -3593,6 +2817,7 @@
               <a:rPr lang="zh-CN" altLang="en-US"/>
               <a:t>第三级</a:t>
             </a:r>
+            <a:endParaRPr lang="zh-CN" altLang="en-US"/>
           </a:p>
           <a:p>
             <a:pPr lvl="3"/>
@@ -3600,6 +2825,7 @@
               <a:rPr lang="zh-CN" altLang="en-US"/>
               <a:t>第四级</a:t>
             </a:r>
+            <a:endParaRPr lang="zh-CN" altLang="en-US"/>
           </a:p>
           <a:p>
             <a:pPr lvl="4"/>
@@ -3607,6 +2833,7 @@
               <a:rPr lang="zh-CN" altLang="en-US"/>
               <a:t>第五级</a:t>
             </a:r>
+            <a:endParaRPr lang="zh-CN" altLang="en-US"/>
           </a:p>
         </p:txBody>
       </p:sp>
@@ -3645,8 +2872,6 @@
           <a:p>
             <a:fld id="{82F288E0-7875-42C4-84C8-98DBBD3BF4D2}" type="datetimeFigureOut">
               <a:rPr lang="zh-CN" altLang="en-US" smtClean="0"/>
-              <a:pPr/>
-              <a:t>2018/3/18</a:t>
             </a:fld>
             <a:endParaRPr lang="zh-CN" altLang="en-US"/>
           </a:p>
@@ -3724,8 +2949,6 @@
           <a:p>
             <a:fld id="{7D9BB5D0-35E4-459D-AEF3-FE4D7C45CC19}" type="slidenum">
               <a:rPr lang="zh-CN" altLang="en-US" smtClean="0"/>
-              <a:pPr/>
-              <a:t>‹#›</a:t>
             </a:fld>
             <a:endParaRPr lang="zh-CN" altLang="en-US"/>
           </a:p>
@@ -3774,7 +2997,7 @@
         <a:spcBef>
           <a:spcPts val="750"/>
         </a:spcBef>
-        <a:buFont typeface="Arial" panose="020B0604020202020204" pitchFamily="34" charset="0"/>
+        <a:buFont typeface="Arial" panose="02080604020202020204" pitchFamily="34" charset="0"/>
         <a:buChar char="•"/>
         <a:defRPr sz="2100" kern="1200">
           <a:solidFill>
@@ -3792,7 +3015,7 @@
         <a:spcBef>
           <a:spcPts val="375"/>
         </a:spcBef>
-        <a:buFont typeface="Arial" panose="020B0604020202020204" pitchFamily="34" charset="0"/>
+        <a:buFont typeface="Arial" panose="02080604020202020204" pitchFamily="34" charset="0"/>
         <a:buChar char="•"/>
         <a:defRPr sz="1800" kern="1200">
           <a:solidFill>
@@ -3810,7 +3033,7 @@
         <a:spcBef>
           <a:spcPts val="375"/>
         </a:spcBef>
-        <a:buFont typeface="Arial" panose="020B0604020202020204" pitchFamily="34" charset="0"/>
+        <a:buFont typeface="Arial" panose="02080604020202020204" pitchFamily="34" charset="0"/>
         <a:buChar char="•"/>
         <a:defRPr sz="1500" kern="1200">
           <a:solidFill>
@@ -3828,7 +3051,7 @@
         <a:spcBef>
           <a:spcPts val="375"/>
         </a:spcBef>
-        <a:buFont typeface="Arial" panose="020B0604020202020204" pitchFamily="34" charset="0"/>
+        <a:buFont typeface="Arial" panose="02080604020202020204" pitchFamily="34" charset="0"/>
         <a:buChar char="•"/>
         <a:defRPr sz="1350" kern="1200">
           <a:solidFill>
@@ -3846,7 +3069,7 @@
         <a:spcBef>
           <a:spcPts val="375"/>
         </a:spcBef>
-        <a:buFont typeface="Arial" panose="020B0604020202020204" pitchFamily="34" charset="0"/>
+        <a:buFont typeface="Arial" panose="02080604020202020204" pitchFamily="34" charset="0"/>
         <a:buChar char="•"/>
         <a:defRPr sz="1350" kern="1200">
           <a:solidFill>
@@ -3864,7 +3087,7 @@
         <a:spcBef>
           <a:spcPts val="375"/>
         </a:spcBef>
-        <a:buFont typeface="Arial" panose="020B0604020202020204" pitchFamily="34" charset="0"/>
+        <a:buFont typeface="Arial" panose="02080604020202020204" pitchFamily="34" charset="0"/>
         <a:buChar char="•"/>
         <a:defRPr sz="1350" kern="1200">
           <a:solidFill>
@@ -3882,7 +3105,7 @@
         <a:spcBef>
           <a:spcPts val="375"/>
         </a:spcBef>
-        <a:buFont typeface="Arial" panose="020B0604020202020204" pitchFamily="34" charset="0"/>
+        <a:buFont typeface="Arial" panose="02080604020202020204" pitchFamily="34" charset="0"/>
         <a:buChar char="•"/>
         <a:defRPr sz="1350" kern="1200">
           <a:solidFill>
@@ -3900,7 +3123,7 @@
         <a:spcBef>
           <a:spcPts val="375"/>
         </a:spcBef>
-        <a:buFont typeface="Arial" panose="020B0604020202020204" pitchFamily="34" charset="0"/>
+        <a:buFont typeface="Arial" panose="02080604020202020204" pitchFamily="34" charset="0"/>
         <a:buChar char="•"/>
         <a:defRPr sz="1350" kern="1200">
           <a:solidFill>
@@ -3918,7 +3141,7 @@
         <a:spcBef>
           <a:spcPts val="375"/>
         </a:spcBef>
-        <a:buFont typeface="Arial" panose="020B0604020202020204" pitchFamily="34" charset="0"/>
+        <a:buFont typeface="Arial" panose="02080604020202020204" pitchFamily="34" charset="0"/>
         <a:buChar char="•"/>
         <a:defRPr sz="1350" kern="1200">
           <a:solidFill>
@@ -4055,7 +3278,7 @@
           <p:nvPr/>
         </p:nvPicPr>
         <p:blipFill>
-          <a:blip r:embed="rId3"/>
+          <a:blip r:embed="rId1"/>
           <a:srcRect/>
           <a:stretch>
             <a:fillRect/>
@@ -4080,7 +3303,7 @@
           <p:nvPr/>
         </p:nvPicPr>
         <p:blipFill>
-          <a:blip r:embed="rId4" cstate="print"/>
+          <a:blip r:embed="rId2" cstate="print"/>
           <a:srcRect/>
           <a:stretch>
             <a:fillRect/>
@@ -4306,6 +3529,16 @@
               </a:rPr>
               <a:t>高翔</a:t>
             </a:r>
+            <a:endParaRPr lang="zh-CN" altLang="en-US" sz="1400" b="1" dirty="0">
+              <a:solidFill>
+                <a:schemeClr val="tx1">
+                  <a:lumMod val="75000"/>
+                  <a:lumOff val="25000"/>
+                </a:schemeClr>
+              </a:solidFill>
+              <a:latin typeface="黑体" panose="02010609060101010101" pitchFamily="49" charset="-122"/>
+              <a:ea typeface="黑体" panose="02010609060101010101" pitchFamily="49" charset="-122"/>
+            </a:endParaRPr>
           </a:p>
         </p:txBody>
       </p:sp>
@@ -4406,7 +3639,7 @@
           <p:nvPr/>
         </p:nvPicPr>
         <p:blipFill>
-          <a:blip r:embed="rId5" cstate="print">
+          <a:blip r:embed="rId3" cstate="print">
             <a:extLst>
               <a:ext uri="{28A0092B-C50C-407E-A947-70E740481C1C}">
                 <a14:useLocalDpi xmlns:a14="http://schemas.microsoft.com/office/drawing/2010/main" val="0"/>
@@ -4433,6 +3666,8 @@
           <a:ln w="88900" cap="sq">
             <a:noFill/>
             <a:miter lim="800000"/>
+            <a:headEnd/>
+            <a:tailEnd/>
           </a:ln>
           <a:effectLst>
             <a:outerShdw blurRad="55000" dist="18000" dir="5400000" algn="tl" rotWithShape="0">
@@ -4501,7 +3736,7 @@
             </a:r>
             <a:r>
               <a:rPr kumimoji="1" lang="en-US" altLang="zh-CN" sz="1200" dirty="0">
-                <a:hlinkClick r:id="rId6"/>
+                <a:hlinkClick r:id="rId4"/>
               </a:rPr>
               <a:t>gao.xiang.thu@gmail.com</a:t>
             </a:r>
@@ -4519,6 +3754,7 @@
               <a:rPr kumimoji="1" lang="zh-CN" altLang="en-US" sz="1200" dirty="0"/>
               <a:t>年春</a:t>
             </a:r>
+            <a:endParaRPr kumimoji="1" lang="zh-CN" altLang="en-US" sz="1200" dirty="0"/>
           </a:p>
         </p:txBody>
       </p:sp>
@@ -4641,7 +3877,7 @@
           <p:nvPr/>
         </p:nvPicPr>
         <p:blipFill>
-          <a:blip r:embed="rId2">
+          <a:blip r:embed="rId1">
             <a:extLst>
               <a:ext uri="{28A0092B-C50C-407E-A947-70E740481C1C}">
                 <a14:useLocalDpi xmlns:a14="http://schemas.microsoft.com/office/drawing/2010/main" val="0"/>
@@ -4800,6 +4036,7 @@
               <a:rPr lang="zh-CN" altLang="en-US" dirty="0"/>
               <a:t>估计的目标</a:t>
             </a:r>
+            <a:endParaRPr lang="zh-CN" altLang="en-US" dirty="0"/>
           </a:p>
         </p:txBody>
       </p:sp>
@@ -4812,7 +4049,7 @@
           <p:nvPr/>
         </p:nvPicPr>
         <p:blipFill>
-          <a:blip r:embed="rId3"/>
+          <a:blip r:embed="rId2"/>
           <a:stretch>
             <a:fillRect/>
           </a:stretch>
@@ -4875,15 +4112,11 @@
               <a:rPr lang="zh-CN" altLang="en-US" dirty="0"/>
               <a:t>相机坐标系下</a:t>
             </a:r>
+            <a:endParaRPr lang="zh-CN" altLang="en-US" dirty="0"/>
           </a:p>
         </p:txBody>
       </p:sp>
     </p:spTree>
-    <p:extLst>
-      <p:ext uri="{BB962C8B-B14F-4D97-AF65-F5344CB8AC3E}">
-        <p14:creationId xmlns:p14="http://schemas.microsoft.com/office/powerpoint/2010/main" val="1371070602"/>
-      </p:ext>
-    </p:extLst>
   </p:cSld>
   <p:clrMapOvr>
     <a:masterClrMapping/>
@@ -5002,7 +4235,7 @@
           <p:nvPr/>
         </p:nvPicPr>
         <p:blipFill>
-          <a:blip r:embed="rId2">
+          <a:blip r:embed="rId1">
             <a:extLst>
               <a:ext uri="{28A0092B-C50C-407E-A947-70E740481C1C}">
                 <a14:useLocalDpi xmlns:a14="http://schemas.microsoft.com/office/drawing/2010/main" val="0"/>
@@ -5112,6 +4345,7 @@
               <a:rPr lang="zh-CN" altLang="en-US" dirty="0"/>
               <a:t>像素</a:t>
             </a:r>
+            <a:endParaRPr lang="zh-CN" altLang="en-US" dirty="0"/>
           </a:p>
         </p:txBody>
       </p:sp>
@@ -5124,7 +4358,7 @@
           <p:nvPr/>
         </p:nvPicPr>
         <p:blipFill>
-          <a:blip r:embed="rId3"/>
+          <a:blip r:embed="rId2"/>
           <a:stretch>
             <a:fillRect/>
           </a:stretch>
@@ -5169,15 +4403,11 @@
               <a:rPr kumimoji="1" lang="zh-CN" altLang="en-US"/>
               <a:t>模型更加简单</a:t>
             </a:r>
+            <a:endParaRPr kumimoji="1" lang="zh-CN" altLang="en-US"/>
           </a:p>
         </p:txBody>
       </p:sp>
     </p:spTree>
-    <p:extLst>
-      <p:ext uri="{BB962C8B-B14F-4D97-AF65-F5344CB8AC3E}">
-        <p14:creationId xmlns:p14="http://schemas.microsoft.com/office/powerpoint/2010/main" val="650194942"/>
-      </p:ext>
-    </p:extLst>
   </p:cSld>
   <p:clrMapOvr>
     <a:masterClrMapping/>
@@ -5296,7 +4526,7 @@
           <p:nvPr/>
         </p:nvPicPr>
         <p:blipFill>
-          <a:blip r:embed="rId2">
+          <a:blip r:embed="rId1">
             <a:extLst>
               <a:ext uri="{28A0092B-C50C-407E-A947-70E740481C1C}">
                 <a14:useLocalDpi xmlns:a14="http://schemas.microsoft.com/office/drawing/2010/main" val="0"/>
@@ -5390,12 +4620,84 @@
               <a:rPr lang="zh-CN" altLang="en-US" dirty="0"/>
               <a:t>针孔前的镜头会引入畸变</a:t>
             </a:r>
+            <a:endParaRPr lang="zh-CN" altLang="en-US" dirty="0"/>
           </a:p>
         </p:txBody>
       </p:sp>
       <p:pic>
         <p:nvPicPr>
           <p:cNvPr id="8" name="Picture 2" descr="http://img01.hc360.com/security/201510/201510191618336674.jpg"/>
+          <p:cNvPicPr>
+            <a:picLocks noChangeAspect="1" noChangeArrowheads="1"/>
+          </p:cNvPicPr>
+          <p:nvPr/>
+        </p:nvPicPr>
+        <p:blipFill>
+          <a:blip r:embed="rId2">
+            <a:extLst>
+              <a:ext uri="{28A0092B-C50C-407E-A947-70E740481C1C}">
+                <a14:useLocalDpi xmlns:a14="http://schemas.microsoft.com/office/drawing/2010/main" val="0"/>
+              </a:ext>
+            </a:extLst>
+          </a:blip>
+          <a:srcRect/>
+          <a:stretch>
+            <a:fillRect/>
+          </a:stretch>
+        </p:blipFill>
+        <p:spPr bwMode="auto">
+          <a:xfrm>
+            <a:off x="489606" y="2247040"/>
+            <a:ext cx="3495596" cy="1978508"/>
+          </a:xfrm>
+          <a:prstGeom prst="rect">
+            <a:avLst/>
+          </a:prstGeom>
+          <a:noFill/>
+          <a:extLst>
+            <a:ext uri="{909E8E84-426E-40DD-AFC4-6F175D3DCCD1}">
+              <a14:hiddenFill xmlns:a14="http://schemas.microsoft.com/office/drawing/2010/main">
+                <a:solidFill>
+                  <a:srgbClr val="FFFFFF"/>
+                </a:solidFill>
+              </a14:hiddenFill>
+            </a:ext>
+          </a:extLst>
+        </p:spPr>
+      </p:pic>
+      <p:sp>
+        <p:nvSpPr>
+          <p:cNvPr id="9" name="文本框 8"/>
+          <p:cNvSpPr txBox="1"/>
+          <p:nvPr/>
+        </p:nvSpPr>
+        <p:spPr>
+          <a:xfrm>
+            <a:off x="1397474" y="4416697"/>
+            <a:ext cx="1569660" cy="369332"/>
+          </a:xfrm>
+          <a:prstGeom prst="rect">
+            <a:avLst/>
+          </a:prstGeom>
+          <a:noFill/>
+        </p:spPr>
+        <p:txBody>
+          <a:bodyPr wrap="none" rtlCol="0">
+            <a:spAutoFit/>
+          </a:bodyPr>
+          <a:lstStyle/>
+          <a:p>
+            <a:r>
+              <a:rPr lang="zh-CN" altLang="en-US" dirty="0"/>
+              <a:t>广角镜头畸变</a:t>
+            </a:r>
+            <a:endParaRPr lang="zh-CN" altLang="en-US" dirty="0"/>
+          </a:p>
+        </p:txBody>
+      </p:sp>
+      <p:pic>
+        <p:nvPicPr>
+          <p:cNvPr id="10" name="Picture 4" descr="http://image60.360doc.com/DownloadImg/2013/04/2211/31813107_1.jpg"/>
           <p:cNvPicPr>
             <a:picLocks noChangeAspect="1" noChangeArrowheads="1"/>
           </p:cNvPicPr>
@@ -5416,8 +4718,8 @@
         </p:blipFill>
         <p:spPr bwMode="auto">
           <a:xfrm>
-            <a:off x="489606" y="2247040"/>
-            <a:ext cx="3495596" cy="1978508"/>
+            <a:off x="4164031" y="1493166"/>
+            <a:ext cx="4762500" cy="3162301"/>
           </a:xfrm>
           <a:prstGeom prst="rect">
             <a:avLst/>
@@ -5436,13 +4738,13 @@
       </p:pic>
       <p:sp>
         <p:nvSpPr>
-          <p:cNvPr id="9" name="文本框 8"/>
+          <p:cNvPr id="11" name="文本框 10"/>
           <p:cNvSpPr txBox="1"/>
           <p:nvPr/>
         </p:nvSpPr>
         <p:spPr>
           <a:xfrm>
-            <a:off x="1397474" y="4416697"/>
+            <a:off x="5938237" y="4759113"/>
             <a:ext cx="1569660" cy="369332"/>
           </a:xfrm>
           <a:prstGeom prst="rect">
@@ -5458,87 +4760,13 @@
           <a:p>
             <a:r>
               <a:rPr lang="zh-CN" altLang="en-US" dirty="0"/>
-              <a:t>广角镜头畸变</a:t>
-            </a:r>
+              <a:t>鱼眼镜头畸变</a:t>
+            </a:r>
+            <a:endParaRPr lang="zh-CN" altLang="en-US" dirty="0"/>
           </a:p>
         </p:txBody>
       </p:sp>
-      <p:pic>
-        <p:nvPicPr>
-          <p:cNvPr id="10" name="Picture 4" descr="http://image60.360doc.com/DownloadImg/2013/04/2211/31813107_1.jpg"/>
-          <p:cNvPicPr>
-            <a:picLocks noChangeAspect="1" noChangeArrowheads="1"/>
-          </p:cNvPicPr>
-          <p:nvPr/>
-        </p:nvPicPr>
-        <p:blipFill>
-          <a:blip r:embed="rId4">
-            <a:extLst>
-              <a:ext uri="{28A0092B-C50C-407E-A947-70E740481C1C}">
-                <a14:useLocalDpi xmlns:a14="http://schemas.microsoft.com/office/drawing/2010/main" val="0"/>
-              </a:ext>
-            </a:extLst>
-          </a:blip>
-          <a:srcRect/>
-          <a:stretch>
-            <a:fillRect/>
-          </a:stretch>
-        </p:blipFill>
-        <p:spPr bwMode="auto">
-          <a:xfrm>
-            <a:off x="4164031" y="1493166"/>
-            <a:ext cx="4762500" cy="3162301"/>
-          </a:xfrm>
-          <a:prstGeom prst="rect">
-            <a:avLst/>
-          </a:prstGeom>
-          <a:noFill/>
-          <a:extLst>
-            <a:ext uri="{909E8E84-426E-40DD-AFC4-6F175D3DCCD1}">
-              <a14:hiddenFill xmlns:a14="http://schemas.microsoft.com/office/drawing/2010/main">
-                <a:solidFill>
-                  <a:srgbClr val="FFFFFF"/>
-                </a:solidFill>
-              </a14:hiddenFill>
-            </a:ext>
-          </a:extLst>
-        </p:spPr>
-      </p:pic>
-      <p:sp>
-        <p:nvSpPr>
-          <p:cNvPr id="11" name="文本框 10"/>
-          <p:cNvSpPr txBox="1"/>
-          <p:nvPr/>
-        </p:nvSpPr>
-        <p:spPr>
-          <a:xfrm>
-            <a:off x="5938237" y="4759113"/>
-            <a:ext cx="1569660" cy="369332"/>
-          </a:xfrm>
-          <a:prstGeom prst="rect">
-            <a:avLst/>
-          </a:prstGeom>
-          <a:noFill/>
-        </p:spPr>
-        <p:txBody>
-          <a:bodyPr wrap="none" rtlCol="0">
-            <a:spAutoFit/>
-          </a:bodyPr>
-          <a:lstStyle/>
-          <a:p>
-            <a:r>
-              <a:rPr lang="zh-CN" altLang="en-US" dirty="0"/>
-              <a:t>鱼眼镜头畸变</a:t>
-            </a:r>
-          </a:p>
-        </p:txBody>
-      </p:sp>
     </p:spTree>
-    <p:extLst>
-      <p:ext uri="{BB962C8B-B14F-4D97-AF65-F5344CB8AC3E}">
-        <p14:creationId xmlns:p14="http://schemas.microsoft.com/office/powerpoint/2010/main" val="763786477"/>
-      </p:ext>
-    </p:extLst>
   </p:cSld>
   <p:clrMapOvr>
     <a:masterClrMapping/>
@@ -5657,7 +4885,7 @@
           <p:nvPr/>
         </p:nvPicPr>
         <p:blipFill>
-          <a:blip r:embed="rId2">
+          <a:blip r:embed="rId1">
             <a:extLst>
               <a:ext uri="{28A0092B-C50C-407E-A947-70E740481C1C}">
                 <a14:useLocalDpi xmlns:a14="http://schemas.microsoft.com/office/drawing/2010/main" val="0"/>
@@ -5743,12 +4971,37 @@
               <a:rPr lang="zh-CN" altLang="en-US" dirty="0"/>
               <a:t>主要的畸变类型：径向畸变和切向畸变</a:t>
             </a:r>
+            <a:endParaRPr lang="zh-CN" altLang="en-US" dirty="0"/>
           </a:p>
         </p:txBody>
       </p:sp>
       <p:pic>
         <p:nvPicPr>
           <p:cNvPr id="8" name="图片 7"/>
+          <p:cNvPicPr>
+            <a:picLocks noChangeAspect="1"/>
+          </p:cNvPicPr>
+          <p:nvPr/>
+        </p:nvPicPr>
+        <p:blipFill>
+          <a:blip r:embed="rId2"/>
+          <a:stretch>
+            <a:fillRect/>
+          </a:stretch>
+        </p:blipFill>
+        <p:spPr>
+          <a:xfrm>
+            <a:off x="342122" y="2143891"/>
+            <a:ext cx="4546997" cy="1713458"/>
+          </a:xfrm>
+          <a:prstGeom prst="rect">
+            <a:avLst/>
+          </a:prstGeom>
+        </p:spPr>
+      </p:pic>
+      <p:pic>
+        <p:nvPicPr>
+          <p:cNvPr id="9" name="图片 8"/>
           <p:cNvPicPr>
             <a:picLocks noChangeAspect="1"/>
           </p:cNvPicPr>
@@ -5762,44 +5015,15 @@
         </p:blipFill>
         <p:spPr>
           <a:xfrm>
-            <a:off x="342122" y="2143891"/>
-            <a:ext cx="4546997" cy="1713458"/>
+            <a:off x="5507144" y="1928920"/>
+            <a:ext cx="3223365" cy="1928429"/>
           </a:xfrm>
           <a:prstGeom prst="rect">
             <a:avLst/>
           </a:prstGeom>
         </p:spPr>
       </p:pic>
-      <p:pic>
-        <p:nvPicPr>
-          <p:cNvPr id="9" name="图片 8"/>
-          <p:cNvPicPr>
-            <a:picLocks noChangeAspect="1"/>
-          </p:cNvPicPr>
-          <p:nvPr/>
-        </p:nvPicPr>
-        <p:blipFill>
-          <a:blip r:embed="rId4"/>
-          <a:stretch>
-            <a:fillRect/>
-          </a:stretch>
-        </p:blipFill>
-        <p:spPr>
-          <a:xfrm>
-            <a:off x="5507144" y="1928920"/>
-            <a:ext cx="3223365" cy="1928429"/>
-          </a:xfrm>
-          <a:prstGeom prst="rect">
-            <a:avLst/>
-          </a:prstGeom>
-        </p:spPr>
-      </p:pic>
     </p:spTree>
-    <p:extLst>
-      <p:ext uri="{BB962C8B-B14F-4D97-AF65-F5344CB8AC3E}">
-        <p14:creationId xmlns:p14="http://schemas.microsoft.com/office/powerpoint/2010/main" val="89752652"/>
-      </p:ext>
-    </p:extLst>
   </p:cSld>
   <p:clrMapOvr>
     <a:masterClrMapping/>
@@ -5918,7 +5142,7 @@
           <p:nvPr/>
         </p:nvPicPr>
         <p:blipFill>
-          <a:blip r:embed="rId2">
+          <a:blip r:embed="rId1">
             <a:extLst>
               <a:ext uri="{28A0092B-C50C-407E-A947-70E740481C1C}">
                 <a14:useLocalDpi xmlns:a14="http://schemas.microsoft.com/office/drawing/2010/main" val="0"/>
@@ -6012,6 +5236,7 @@
               <a:rPr lang="zh-CN" altLang="en-US" dirty="0"/>
               <a:t>畸变可以用归一化坐标的变换来描述</a:t>
             </a:r>
+            <a:endParaRPr lang="zh-CN" altLang="en-US" dirty="0"/>
           </a:p>
         </p:txBody>
       </p:sp>
@@ -6041,6 +5266,7 @@
               <a:rPr lang="zh-CN" altLang="en-US" dirty="0"/>
               <a:t>径向畸变：多项式描述</a:t>
             </a:r>
+            <a:endParaRPr lang="zh-CN" altLang="en-US" dirty="0"/>
           </a:p>
         </p:txBody>
       </p:sp>
@@ -6070,6 +5296,7 @@
               <a:rPr lang="zh-CN" altLang="en-US" dirty="0"/>
               <a:t>切向畸变：多项式描述</a:t>
             </a:r>
+            <a:endParaRPr lang="zh-CN" altLang="en-US" dirty="0"/>
           </a:p>
         </p:txBody>
       </p:sp>
@@ -6107,12 +5334,37 @@
               <a:rPr lang="zh-CN" altLang="en-US" dirty="0"/>
               <a:t>实际当中可灵活保留各项系数</a:t>
             </a:r>
+            <a:endParaRPr lang="zh-CN" altLang="en-US" dirty="0"/>
           </a:p>
         </p:txBody>
       </p:sp>
       <p:pic>
         <p:nvPicPr>
           <p:cNvPr id="5" name="图片 4"/>
+          <p:cNvPicPr>
+            <a:picLocks noChangeAspect="1"/>
+          </p:cNvPicPr>
+          <p:nvPr/>
+        </p:nvPicPr>
+        <p:blipFill>
+          <a:blip r:embed="rId2"/>
+          <a:stretch>
+            <a:fillRect/>
+          </a:stretch>
+        </p:blipFill>
+        <p:spPr>
+          <a:xfrm>
+            <a:off x="591047" y="2167707"/>
+            <a:ext cx="3781850" cy="1094120"/>
+          </a:xfrm>
+          <a:prstGeom prst="rect">
+            <a:avLst/>
+          </a:prstGeom>
+        </p:spPr>
+      </p:pic>
+      <p:pic>
+        <p:nvPicPr>
+          <p:cNvPr id="6" name="图片 5"/>
           <p:cNvPicPr>
             <a:picLocks noChangeAspect="1"/>
           </p:cNvPicPr>
@@ -6126,8 +5378,8 @@
         </p:blipFill>
         <p:spPr>
           <a:xfrm>
-            <a:off x="591047" y="2167707"/>
-            <a:ext cx="3781850" cy="1094120"/>
+            <a:off x="4769767" y="2184316"/>
+            <a:ext cx="3801955" cy="1059939"/>
           </a:xfrm>
           <a:prstGeom prst="rect">
             <a:avLst/>
@@ -6136,7 +5388,7 @@
       </p:pic>
       <p:pic>
         <p:nvPicPr>
-          <p:cNvPr id="6" name="图片 5"/>
+          <p:cNvPr id="7" name="图片 6"/>
           <p:cNvPicPr>
             <a:picLocks noChangeAspect="1"/>
           </p:cNvPicPr>
@@ -6150,44 +5402,15 @@
         </p:blipFill>
         <p:spPr>
           <a:xfrm>
-            <a:off x="4769767" y="2184316"/>
-            <a:ext cx="3801955" cy="1059939"/>
+            <a:off x="3628599" y="4193813"/>
+            <a:ext cx="4304324" cy="748578"/>
           </a:xfrm>
           <a:prstGeom prst="rect">
             <a:avLst/>
           </a:prstGeom>
         </p:spPr>
       </p:pic>
-      <p:pic>
-        <p:nvPicPr>
-          <p:cNvPr id="7" name="图片 6"/>
-          <p:cNvPicPr>
-            <a:picLocks noChangeAspect="1"/>
-          </p:cNvPicPr>
-          <p:nvPr/>
-        </p:nvPicPr>
-        <p:blipFill>
-          <a:blip r:embed="rId5"/>
-          <a:stretch>
-            <a:fillRect/>
-          </a:stretch>
-        </p:blipFill>
-        <p:spPr>
-          <a:xfrm>
-            <a:off x="3628599" y="4193813"/>
-            <a:ext cx="4304324" cy="748578"/>
-          </a:xfrm>
-          <a:prstGeom prst="rect">
-            <a:avLst/>
-          </a:prstGeom>
-        </p:spPr>
-      </p:pic>
     </p:spTree>
-    <p:extLst>
-      <p:ext uri="{BB962C8B-B14F-4D97-AF65-F5344CB8AC3E}">
-        <p14:creationId xmlns:p14="http://schemas.microsoft.com/office/powerpoint/2010/main" val="890928180"/>
-      </p:ext>
-    </p:extLst>
   </p:cSld>
   <p:clrMapOvr>
     <a:masterClrMapping/>
@@ -6306,7 +5529,7 @@
           <p:nvPr/>
         </p:nvPicPr>
         <p:blipFill>
-          <a:blip r:embed="rId2">
+          <a:blip r:embed="rId1">
             <a:extLst>
               <a:ext uri="{28A0092B-C50C-407E-A947-70E740481C1C}">
                 <a14:useLocalDpi xmlns:a14="http://schemas.microsoft.com/office/drawing/2010/main" val="0"/>
@@ -6392,6 +5615,7 @@
               <a:rPr lang="zh-CN" altLang="en-US" dirty="0"/>
               <a:t>小结</a:t>
             </a:r>
+            <a:endParaRPr lang="zh-CN" altLang="en-US" dirty="0"/>
           </a:p>
         </p:txBody>
       </p:sp>
@@ -6404,7 +5628,7 @@
           <p:nvPr/>
         </p:nvPicPr>
         <p:blipFill>
-          <a:blip r:embed="rId3"/>
+          <a:blip r:embed="rId2"/>
           <a:stretch>
             <a:fillRect/>
           </a:stretch>
@@ -6420,11 +5644,6 @@
         </p:spPr>
       </p:pic>
     </p:spTree>
-    <p:extLst>
-      <p:ext uri="{BB962C8B-B14F-4D97-AF65-F5344CB8AC3E}">
-        <p14:creationId xmlns:p14="http://schemas.microsoft.com/office/powerpoint/2010/main" val="1693659630"/>
-      </p:ext>
-    </p:extLst>
   </p:cSld>
   <p:clrMapOvr>
     <a:masterClrMapping/>
@@ -6543,7 +5762,7 @@
           <p:nvPr/>
         </p:nvPicPr>
         <p:blipFill>
-          <a:blip r:embed="rId2">
+          <a:blip r:embed="rId1">
             <a:extLst>
               <a:ext uri="{28A0092B-C50C-407E-A947-70E740481C1C}">
                 <a14:useLocalDpi xmlns:a14="http://schemas.microsoft.com/office/drawing/2010/main" val="0"/>
@@ -6665,12 +5884,42 @@
               <a:rPr lang="zh-CN" altLang="en-US" dirty="0"/>
               <a:t>整理得</a:t>
             </a:r>
+            <a:endParaRPr lang="zh-CN" altLang="en-US" dirty="0"/>
           </a:p>
         </p:txBody>
       </p:sp>
       <p:pic>
         <p:nvPicPr>
           <p:cNvPr id="8" name="图片 7"/>
+          <p:cNvPicPr>
+            <a:picLocks noChangeAspect="1"/>
+          </p:cNvPicPr>
+          <p:nvPr/>
+        </p:nvPicPr>
+        <p:blipFill>
+          <a:blip r:embed="rId2"/>
+          <a:stretch>
+            <a:fillRect/>
+          </a:stretch>
+        </p:blipFill>
+        <p:spPr>
+          <a:xfrm>
+            <a:off x="3878826" y="1345133"/>
+            <a:ext cx="4897290" cy="1905733"/>
+          </a:xfrm>
+          <a:prstGeom prst="rect">
+            <a:avLst/>
+          </a:prstGeom>
+          <a:ln>
+            <a:solidFill>
+              <a:schemeClr val="accent1"/>
+            </a:solidFill>
+          </a:ln>
+        </p:spPr>
+      </p:pic>
+      <p:pic>
+        <p:nvPicPr>
+          <p:cNvPr id="9" name="图片 8"/>
           <p:cNvPicPr>
             <a:picLocks noChangeAspect="1"/>
           </p:cNvPicPr>
@@ -6684,22 +5933,17 @@
         </p:blipFill>
         <p:spPr>
           <a:xfrm>
-            <a:off x="3878826" y="1345133"/>
-            <a:ext cx="4897290" cy="1905733"/>
+            <a:off x="1055704" y="2376011"/>
+            <a:ext cx="2695238" cy="780952"/>
           </a:xfrm>
           <a:prstGeom prst="rect">
             <a:avLst/>
           </a:prstGeom>
-          <a:ln>
-            <a:solidFill>
-              <a:schemeClr val="accent1"/>
-            </a:solidFill>
-          </a:ln>
         </p:spPr>
       </p:pic>
       <p:pic>
         <p:nvPicPr>
-          <p:cNvPr id="9" name="图片 8"/>
+          <p:cNvPr id="10" name="图片 9"/>
           <p:cNvPicPr>
             <a:picLocks noChangeAspect="1"/>
           </p:cNvPicPr>
@@ -6713,30 +5957,6 @@
         </p:blipFill>
         <p:spPr>
           <a:xfrm>
-            <a:off x="1055704" y="2376011"/>
-            <a:ext cx="2695238" cy="780952"/>
-          </a:xfrm>
-          <a:prstGeom prst="rect">
-            <a:avLst/>
-          </a:prstGeom>
-        </p:spPr>
-      </p:pic>
-      <p:pic>
-        <p:nvPicPr>
-          <p:cNvPr id="10" name="图片 9"/>
-          <p:cNvPicPr>
-            <a:picLocks noChangeAspect="1"/>
-          </p:cNvPicPr>
-          <p:nvPr/>
-        </p:nvPicPr>
-        <p:blipFill>
-          <a:blip r:embed="rId5"/>
-          <a:stretch>
-            <a:fillRect/>
-          </a:stretch>
-        </p:blipFill>
-        <p:spPr>
-          <a:xfrm>
             <a:off x="1055704" y="3446492"/>
             <a:ext cx="2609524" cy="695238"/>
           </a:xfrm>
@@ -6814,6 +6034,7 @@
               <a:rPr lang="en-US" altLang="zh-CN" sz="1400" dirty="0"/>
               <a:t>fb</a:t>
             </a:r>
+            <a:endParaRPr lang="en-US" altLang="zh-CN" sz="1400" dirty="0"/>
           </a:p>
           <a:p>
             <a:r>
@@ -6828,15 +6049,11 @@
               <a:rPr lang="zh-CN" altLang="en-US" sz="1400" dirty="0"/>
               <a:t>不容易计算</a:t>
             </a:r>
+            <a:endParaRPr lang="zh-CN" altLang="en-US" sz="1400" dirty="0"/>
           </a:p>
         </p:txBody>
       </p:sp>
     </p:spTree>
-    <p:extLst>
-      <p:ext uri="{BB962C8B-B14F-4D97-AF65-F5344CB8AC3E}">
-        <p14:creationId xmlns:p14="http://schemas.microsoft.com/office/powerpoint/2010/main" val="1128507543"/>
-      </p:ext>
-    </p:extLst>
   </p:cSld>
   <p:clrMapOvr>
     <a:masterClrMapping/>
@@ -6955,7 +6172,7 @@
           <p:nvPr/>
         </p:nvPicPr>
         <p:blipFill>
-          <a:blip r:embed="rId2">
+          <a:blip r:embed="rId1">
             <a:extLst>
               <a:ext uri="{28A0092B-C50C-407E-A947-70E740481C1C}">
                 <a14:useLocalDpi xmlns:a14="http://schemas.microsoft.com/office/drawing/2010/main" val="0"/>
@@ -7073,6 +6290,7 @@
               <a:rPr lang="zh-CN" altLang="en-US" dirty="0"/>
               <a:t>图对应的深度图</a:t>
             </a:r>
+            <a:endParaRPr lang="zh-CN" altLang="en-US" dirty="0"/>
           </a:p>
         </p:txBody>
       </p:sp>
@@ -7085,7 +6303,7 @@
           <p:nvPr/>
         </p:nvPicPr>
         <p:blipFill>
-          <a:blip r:embed="rId3"/>
+          <a:blip r:embed="rId2"/>
           <a:stretch>
             <a:fillRect/>
           </a:stretch>
@@ -7106,11 +6324,6 @@
         </p:spPr>
       </p:pic>
     </p:spTree>
-    <p:extLst>
-      <p:ext uri="{BB962C8B-B14F-4D97-AF65-F5344CB8AC3E}">
-        <p14:creationId xmlns:p14="http://schemas.microsoft.com/office/powerpoint/2010/main" val="464391866"/>
-      </p:ext>
-    </p:extLst>
   </p:cSld>
   <p:clrMapOvr>
     <a:masterClrMapping/>
@@ -7229,7 +6442,7 @@
           <p:nvPr/>
         </p:nvPicPr>
         <p:blipFill>
-          <a:blip r:embed="rId2">
+          <a:blip r:embed="rId1">
             <a:extLst>
               <a:ext uri="{28A0092B-C50C-407E-A947-70E740481C1C}">
                 <a14:useLocalDpi xmlns:a14="http://schemas.microsoft.com/office/drawing/2010/main" val="0"/>
@@ -7338,6 +6551,7 @@
               <a:rPr lang="zh-CN" altLang="en-US" dirty="0"/>
               <a:t>之间的整数（彩色图像还有通道）</a:t>
             </a:r>
+            <a:endParaRPr lang="zh-CN" altLang="en-US" dirty="0"/>
           </a:p>
         </p:txBody>
       </p:sp>
@@ -7350,7 +6564,7 @@
           <p:nvPr/>
         </p:nvPicPr>
         <p:blipFill>
-          <a:blip r:embed="rId3"/>
+          <a:blip r:embed="rId2"/>
           <a:stretch>
             <a:fillRect/>
           </a:stretch>
@@ -7371,11 +6585,6 @@
         </p:spPr>
       </p:pic>
     </p:spTree>
-    <p:extLst>
-      <p:ext uri="{BB962C8B-B14F-4D97-AF65-F5344CB8AC3E}">
-        <p14:creationId xmlns:p14="http://schemas.microsoft.com/office/powerpoint/2010/main" val="548870404"/>
-      </p:ext>
-    </p:extLst>
   </p:cSld>
   <p:clrMapOvr>
     <a:masterClrMapping/>
@@ -7456,6 +6665,9 @@
               </a:rPr>
               <a:t>图像拼接</a:t>
             </a:r>
+            <a:endParaRPr kumimoji="1" lang="zh-CN" altLang="en-US" dirty="0">
+              <a:latin typeface="+mj-ea"/>
+            </a:endParaRPr>
           </a:p>
         </p:txBody>
       </p:sp>
@@ -7529,11 +6741,6 @@
         </p:txBody>
       </p:sp>
     </p:spTree>
-    <p:extLst>
-      <p:ext uri="{BB962C8B-B14F-4D97-AF65-F5344CB8AC3E}">
-        <p14:creationId xmlns:p14="http://schemas.microsoft.com/office/powerpoint/2010/main" val="1597550514"/>
-      </p:ext>
-    </p:extLst>
   </p:cSld>
   <p:clrMapOvr>
     <a:masterClrMapping/>
@@ -7652,7 +6859,7 @@
           <p:nvPr/>
         </p:nvPicPr>
         <p:blipFill>
-          <a:blip r:embed="rId2">
+          <a:blip r:embed="rId1">
             <a:extLst>
               <a:ext uri="{28A0092B-C50C-407E-A947-70E740481C1C}">
                 <a14:useLocalDpi xmlns:a14="http://schemas.microsoft.com/office/drawing/2010/main" val="0"/>
@@ -7747,7 +6954,7 @@
               <a:spcBef>
                 <a:spcPts val="750"/>
               </a:spcBef>
-              <a:buFont typeface="Arial" panose="020B0604020202020204" pitchFamily="34" charset="0"/>
+              <a:buFont typeface="Arial" panose="02080604020202020204" pitchFamily="34" charset="0"/>
               <a:buChar char="•"/>
               <a:defRPr sz="2100" kern="1200">
                 <a:solidFill>
@@ -7765,7 +6972,7 @@
               <a:spcBef>
                 <a:spcPts val="375"/>
               </a:spcBef>
-              <a:buFont typeface="Arial" panose="020B0604020202020204" pitchFamily="34" charset="0"/>
+              <a:buFont typeface="Arial" panose="02080604020202020204" pitchFamily="34" charset="0"/>
               <a:buChar char="•"/>
               <a:defRPr sz="1800" kern="1200">
                 <a:solidFill>
@@ -7783,7 +6990,7 @@
               <a:spcBef>
                 <a:spcPts val="375"/>
               </a:spcBef>
-              <a:buFont typeface="Arial" panose="020B0604020202020204" pitchFamily="34" charset="0"/>
+              <a:buFont typeface="Arial" panose="02080604020202020204" pitchFamily="34" charset="0"/>
               <a:buChar char="•"/>
               <a:defRPr sz="1500" kern="1200">
                 <a:solidFill>
@@ -7801,7 +7008,7 @@
               <a:spcBef>
                 <a:spcPts val="375"/>
               </a:spcBef>
-              <a:buFont typeface="Arial" panose="020B0604020202020204" pitchFamily="34" charset="0"/>
+              <a:buFont typeface="Arial" panose="02080604020202020204" pitchFamily="34" charset="0"/>
               <a:buChar char="•"/>
               <a:defRPr sz="1350" kern="1200">
                 <a:solidFill>
@@ -7819,7 +7026,7 @@
               <a:spcBef>
                 <a:spcPts val="375"/>
               </a:spcBef>
-              <a:buFont typeface="Arial" panose="020B0604020202020204" pitchFamily="34" charset="0"/>
+              <a:buFont typeface="Arial" panose="02080604020202020204" pitchFamily="34" charset="0"/>
               <a:buChar char="•"/>
               <a:defRPr sz="1350" kern="1200">
                 <a:solidFill>
@@ -7837,7 +7044,7 @@
               <a:spcBef>
                 <a:spcPts val="375"/>
               </a:spcBef>
-              <a:buFont typeface="Arial" panose="020B0604020202020204" pitchFamily="34" charset="0"/>
+              <a:buFont typeface="Arial" panose="02080604020202020204" pitchFamily="34" charset="0"/>
               <a:buChar char="•"/>
               <a:defRPr sz="1350" kern="1200">
                 <a:solidFill>
@@ -7855,7 +7062,7 @@
               <a:spcBef>
                 <a:spcPts val="375"/>
               </a:spcBef>
-              <a:buFont typeface="Arial" panose="020B0604020202020204" pitchFamily="34" charset="0"/>
+              <a:buFont typeface="Arial" panose="02080604020202020204" pitchFamily="34" charset="0"/>
               <a:buChar char="•"/>
               <a:defRPr sz="1350" kern="1200">
                 <a:solidFill>
@@ -7873,7 +7080,7 @@
               <a:spcBef>
                 <a:spcPts val="375"/>
               </a:spcBef>
-              <a:buFont typeface="Arial" panose="020B0604020202020204" pitchFamily="34" charset="0"/>
+              <a:buFont typeface="Arial" panose="02080604020202020204" pitchFamily="34" charset="0"/>
               <a:buChar char="•"/>
               <a:defRPr sz="1350" kern="1200">
                 <a:solidFill>
@@ -7891,7 +7098,7 @@
               <a:spcBef>
                 <a:spcPts val="375"/>
               </a:spcBef>
-              <a:buFont typeface="Arial" panose="020B0604020202020204" pitchFamily="34" charset="0"/>
+              <a:buFont typeface="Arial" panose="02080604020202020204" pitchFamily="34" charset="0"/>
               <a:buChar char="•"/>
               <a:defRPr sz="1350" kern="1200">
                 <a:solidFill>
@@ -7920,7 +7127,6 @@
               <a:buSzTx/>
               <a:buFont typeface="+mj-lt"/>
               <a:buAutoNum type="arabicPeriod"/>
-              <a:tabLst/>
               <a:defRPr/>
             </a:pPr>
             <a:r>
@@ -7952,7 +7158,6 @@
               <a:buSzTx/>
               <a:buFont typeface="+mj-lt"/>
               <a:buAutoNum type="arabicPeriod"/>
-              <a:tabLst/>
               <a:defRPr/>
             </a:pPr>
             <a:r>
@@ -8005,7 +7210,6 @@
               <a:buSzTx/>
               <a:buFont typeface="+mj-lt"/>
               <a:buAutoNum type="arabicPeriod"/>
-              <a:tabLst/>
               <a:defRPr/>
             </a:pPr>
             <a:r>
@@ -8037,7 +7241,6 @@
               <a:buSzTx/>
               <a:buFont typeface="+mj-lt"/>
               <a:buAutoNum type="arabicPeriod"/>
-              <a:tabLst/>
               <a:defRPr/>
             </a:pPr>
             <a:r>
@@ -8069,7 +7272,6 @@
               <a:buSzTx/>
               <a:buFont typeface="+mj-lt"/>
               <a:buAutoNum type="arabicPeriod"/>
-              <a:tabLst/>
               <a:defRPr/>
             </a:pPr>
             <a:r>
@@ -8100,6 +7302,10 @@
               </a:rPr>
               <a:t>g2o</a:t>
             </a:r>
+            <a:endParaRPr lang="en-US" altLang="zh-CN" sz="2800" dirty="0">
+              <a:latin typeface="黑体" panose="02010609060101010101" pitchFamily="49" charset="-122"/>
+              <a:ea typeface="黑体" panose="02010609060101010101" pitchFamily="49" charset="-122"/>
+            </a:endParaRPr>
           </a:p>
         </p:txBody>
       </p:sp>
@@ -8166,6 +7372,9 @@
               </a:rPr>
               <a:t> 批量状态估计问题</a:t>
             </a:r>
+            <a:endParaRPr kumimoji="1" lang="zh-CN" altLang="en-US" dirty="0">
+              <a:latin typeface="+mj-ea"/>
+            </a:endParaRPr>
           </a:p>
         </p:txBody>
       </p:sp>
@@ -8239,11 +7448,6 @@
         </p:txBody>
       </p:sp>
     </p:spTree>
-    <p:extLst>
-      <p:ext uri="{BB962C8B-B14F-4D97-AF65-F5344CB8AC3E}">
-        <p14:creationId xmlns:p14="http://schemas.microsoft.com/office/powerpoint/2010/main" val="1675204867"/>
-      </p:ext>
-    </p:extLst>
   </p:cSld>
   <p:clrMapOvr>
     <a:masterClrMapping/>
@@ -8362,7 +7566,7 @@
           <p:nvPr/>
         </p:nvPicPr>
         <p:blipFill>
-          <a:blip r:embed="rId2">
+          <a:blip r:embed="rId1">
             <a:extLst>
               <a:ext uri="{28A0092B-C50C-407E-A947-70E740481C1C}">
                 <a14:useLocalDpi xmlns:a14="http://schemas.microsoft.com/office/drawing/2010/main" val="0"/>
@@ -8463,7 +7667,7 @@
           <p:nvPr/>
         </p:nvPicPr>
         <p:blipFill>
-          <a:blip r:embed="rId3"/>
+          <a:blip r:embed="rId2"/>
           <a:stretch>
             <a:fillRect/>
           </a:stretch>
@@ -8527,6 +7731,7 @@
               <a:rPr kumimoji="1" lang="zh-CN" altLang="en-US" dirty="0"/>
               <a:t>为相机观测模型</a:t>
             </a:r>
+            <a:endParaRPr kumimoji="1" lang="zh-CN" altLang="en-US" dirty="0"/>
           </a:p>
         </p:txBody>
       </p:sp>
@@ -8563,15 +7768,11 @@
               <a:rPr kumimoji="1" lang="zh-CN" altLang="en-US" dirty="0"/>
               <a:t>如何估计状态变量？</a:t>
             </a:r>
+            <a:endParaRPr kumimoji="1" lang="zh-CN" altLang="en-US" dirty="0"/>
           </a:p>
         </p:txBody>
       </p:sp>
     </p:spTree>
-    <p:extLst>
-      <p:ext uri="{BB962C8B-B14F-4D97-AF65-F5344CB8AC3E}">
-        <p14:creationId xmlns:p14="http://schemas.microsoft.com/office/powerpoint/2010/main" val="1626941490"/>
-      </p:ext>
-    </p:extLst>
   </p:cSld>
   <p:clrMapOvr>
     <a:masterClrMapping/>
@@ -8605,7 +7806,7 @@
           <p:nvPr/>
         </p:nvPicPr>
         <p:blipFill>
-          <a:blip r:embed="rId2"/>
+          <a:blip r:embed="rId1"/>
           <a:stretch>
             <a:fillRect/>
           </a:stretch>
@@ -8629,7 +7830,7 @@
           <p:nvPr/>
         </p:nvPicPr>
         <p:blipFill>
-          <a:blip r:embed="rId3"/>
+          <a:blip r:embed="rId2"/>
           <a:stretch>
             <a:fillRect/>
           </a:stretch>
@@ -8738,7 +7939,7 @@
           <p:nvPr/>
         </p:nvPicPr>
         <p:blipFill>
-          <a:blip r:embed="rId4">
+          <a:blip r:embed="rId3">
             <a:extLst>
               <a:ext uri="{28A0092B-C50C-407E-A947-70E740481C1C}">
                 <a14:useLocalDpi xmlns:a14="http://schemas.microsoft.com/office/drawing/2010/main" val="0"/>
@@ -8892,12 +8093,42 @@
               <a:rPr lang="zh-CN" altLang="en-US" dirty="0"/>
               <a:t>贝叶斯法则：</a:t>
             </a:r>
+            <a:endParaRPr lang="zh-CN" altLang="en-US" dirty="0"/>
           </a:p>
         </p:txBody>
       </p:sp>
       <p:pic>
         <p:nvPicPr>
           <p:cNvPr id="9" name="图片 8"/>
+          <p:cNvPicPr>
+            <a:picLocks noChangeAspect="1"/>
+          </p:cNvPicPr>
+          <p:nvPr/>
+        </p:nvPicPr>
+        <p:blipFill>
+          <a:blip r:embed="rId4"/>
+          <a:stretch>
+            <a:fillRect/>
+          </a:stretch>
+        </p:blipFill>
+        <p:spPr>
+          <a:xfrm>
+            <a:off x="5592147" y="1337511"/>
+            <a:ext cx="2542111" cy="920994"/>
+          </a:xfrm>
+          <a:prstGeom prst="rect">
+            <a:avLst/>
+          </a:prstGeom>
+          <a:ln>
+            <a:solidFill>
+              <a:schemeClr val="accent1"/>
+            </a:solidFill>
+          </a:ln>
+        </p:spPr>
+      </p:pic>
+      <p:pic>
+        <p:nvPicPr>
+          <p:cNvPr id="12" name="图片 11"/>
           <p:cNvPicPr>
             <a:picLocks noChangeAspect="1"/>
           </p:cNvPicPr>
@@ -8911,49 +8142,15 @@
         </p:blipFill>
         <p:spPr>
           <a:xfrm>
-            <a:off x="5592147" y="1337511"/>
-            <a:ext cx="2542111" cy="920994"/>
+            <a:off x="2226746" y="3741367"/>
+            <a:ext cx="4244708" cy="800169"/>
           </a:xfrm>
           <a:prstGeom prst="rect">
             <a:avLst/>
           </a:prstGeom>
-          <a:ln>
-            <a:solidFill>
-              <a:schemeClr val="accent1"/>
-            </a:solidFill>
-          </a:ln>
-        </p:spPr>
-      </p:pic>
-      <p:pic>
-        <p:nvPicPr>
-          <p:cNvPr id="12" name="图片 11"/>
-          <p:cNvPicPr>
-            <a:picLocks noChangeAspect="1"/>
-          </p:cNvPicPr>
-          <p:nvPr/>
-        </p:nvPicPr>
-        <p:blipFill>
-          <a:blip r:embed="rId6"/>
-          <a:stretch>
-            <a:fillRect/>
-          </a:stretch>
-        </p:blipFill>
-        <p:spPr>
-          <a:xfrm>
-            <a:off x="2226746" y="3741367"/>
-            <a:ext cx="4244708" cy="800169"/>
-          </a:xfrm>
-          <a:prstGeom prst="rect">
-            <a:avLst/>
-          </a:prstGeom>
         </p:spPr>
       </p:pic>
     </p:spTree>
-    <p:extLst>
-      <p:ext uri="{BB962C8B-B14F-4D97-AF65-F5344CB8AC3E}">
-        <p14:creationId xmlns:p14="http://schemas.microsoft.com/office/powerpoint/2010/main" val="1267872065"/>
-      </p:ext>
-    </p:extLst>
   </p:cSld>
   <p:clrMapOvr>
     <a:masterClrMapping/>
@@ -9072,7 +8269,7 @@
           <p:nvPr/>
         </p:nvPicPr>
         <p:blipFill>
-          <a:blip r:embed="rId2">
+          <a:blip r:embed="rId1">
             <a:extLst>
               <a:ext uri="{28A0092B-C50C-407E-A947-70E740481C1C}">
                 <a14:useLocalDpi xmlns:a14="http://schemas.microsoft.com/office/drawing/2010/main" val="0"/>
@@ -9270,6 +8467,7 @@
               <a:rPr lang="zh-CN" altLang="en-US" dirty="0"/>
               <a:t>“在哪种状态下，最容易产生当前的观测”</a:t>
             </a:r>
+            <a:endParaRPr lang="zh-CN" altLang="en-US" dirty="0"/>
           </a:p>
           <a:p>
             <a:endParaRPr lang="zh-CN" altLang="en-US" dirty="0"/>
@@ -9279,6 +8477,35 @@
       <p:pic>
         <p:nvPicPr>
           <p:cNvPr id="14" name="图片 13"/>
+          <p:cNvPicPr>
+            <a:picLocks noChangeAspect="1"/>
+          </p:cNvPicPr>
+          <p:nvPr/>
+        </p:nvPicPr>
+        <p:blipFill>
+          <a:blip r:embed="rId2"/>
+          <a:stretch>
+            <a:fillRect/>
+          </a:stretch>
+        </p:blipFill>
+        <p:spPr>
+          <a:xfrm>
+            <a:off x="5464277" y="885623"/>
+            <a:ext cx="3439288" cy="648339"/>
+          </a:xfrm>
+          <a:prstGeom prst="rect">
+            <a:avLst/>
+          </a:prstGeom>
+          <a:ln>
+            <a:solidFill>
+              <a:schemeClr val="accent1"/>
+            </a:solidFill>
+          </a:ln>
+        </p:spPr>
+      </p:pic>
+      <p:pic>
+        <p:nvPicPr>
+          <p:cNvPr id="15" name="图片 14"/>
           <p:cNvPicPr>
             <a:picLocks noChangeAspect="1"/>
           </p:cNvPicPr>
@@ -9292,22 +8519,17 @@
         </p:blipFill>
         <p:spPr>
           <a:xfrm>
-            <a:off x="5464277" y="885623"/>
-            <a:ext cx="3439288" cy="648339"/>
+            <a:off x="1860297" y="1853193"/>
+            <a:ext cx="5174428" cy="571550"/>
           </a:xfrm>
           <a:prstGeom prst="rect">
             <a:avLst/>
           </a:prstGeom>
-          <a:ln>
-            <a:solidFill>
-              <a:schemeClr val="accent1"/>
-            </a:solidFill>
-          </a:ln>
         </p:spPr>
       </p:pic>
       <p:pic>
         <p:nvPicPr>
-          <p:cNvPr id="15" name="图片 14"/>
+          <p:cNvPr id="16" name="图片 15"/>
           <p:cNvPicPr>
             <a:picLocks noChangeAspect="1"/>
           </p:cNvPicPr>
@@ -9321,44 +8543,15 @@
         </p:blipFill>
         <p:spPr>
           <a:xfrm>
-            <a:off x="1860297" y="1853193"/>
-            <a:ext cx="5174428" cy="571550"/>
+            <a:off x="2802367" y="2811665"/>
+            <a:ext cx="3877235" cy="566098"/>
           </a:xfrm>
           <a:prstGeom prst="rect">
             <a:avLst/>
           </a:prstGeom>
         </p:spPr>
       </p:pic>
-      <p:pic>
-        <p:nvPicPr>
-          <p:cNvPr id="16" name="图片 15"/>
-          <p:cNvPicPr>
-            <a:picLocks noChangeAspect="1"/>
-          </p:cNvPicPr>
-          <p:nvPr/>
-        </p:nvPicPr>
-        <p:blipFill>
-          <a:blip r:embed="rId5"/>
-          <a:stretch>
-            <a:fillRect/>
-          </a:stretch>
-        </p:blipFill>
-        <p:spPr>
-          <a:xfrm>
-            <a:off x="2802367" y="2811665"/>
-            <a:ext cx="3877235" cy="566098"/>
-          </a:xfrm>
-          <a:prstGeom prst="rect">
-            <a:avLst/>
-          </a:prstGeom>
-        </p:spPr>
-      </p:pic>
     </p:spTree>
-    <p:extLst>
-      <p:ext uri="{BB962C8B-B14F-4D97-AF65-F5344CB8AC3E}">
-        <p14:creationId xmlns:p14="http://schemas.microsoft.com/office/powerpoint/2010/main" val="612480302"/>
-      </p:ext>
-    </p:extLst>
   </p:cSld>
   <p:clrMapOvr>
     <a:masterClrMapping/>
@@ -9477,7 +8670,7 @@
           <p:nvPr/>
         </p:nvPicPr>
         <p:blipFill>
-          <a:blip r:embed="rId2">
+          <a:blip r:embed="rId1">
             <a:extLst>
               <a:ext uri="{28A0092B-C50C-407E-A947-70E740481C1C}">
                 <a14:useLocalDpi xmlns:a14="http://schemas.microsoft.com/office/drawing/2010/main" val="0"/>
@@ -9611,6 +8804,7 @@
               <a:rPr lang="zh-CN" altLang="en-US" dirty="0"/>
               <a:t>的最大似然估计，怎么求？</a:t>
             </a:r>
+            <a:endParaRPr lang="zh-CN" altLang="en-US" dirty="0"/>
           </a:p>
           <a:p>
             <a:endParaRPr lang="zh-CN" altLang="en-US" dirty="0"/>
@@ -9620,6 +8814,30 @@
       <p:pic>
         <p:nvPicPr>
           <p:cNvPr id="8" name="图片 7"/>
+          <p:cNvPicPr>
+            <a:picLocks noChangeAspect="1"/>
+          </p:cNvPicPr>
+          <p:nvPr/>
+        </p:nvPicPr>
+        <p:blipFill>
+          <a:blip r:embed="rId2"/>
+          <a:stretch>
+            <a:fillRect/>
+          </a:stretch>
+        </p:blipFill>
+        <p:spPr>
+          <a:xfrm>
+            <a:off x="3249414" y="1524085"/>
+            <a:ext cx="2499577" cy="480102"/>
+          </a:xfrm>
+          <a:prstGeom prst="rect">
+            <a:avLst/>
+          </a:prstGeom>
+        </p:spPr>
+      </p:pic>
+      <p:pic>
+        <p:nvPicPr>
+          <p:cNvPr id="9" name="图片 8"/>
           <p:cNvPicPr>
             <a:picLocks noChangeAspect="1"/>
           </p:cNvPicPr>
@@ -9633,8 +8851,8 @@
         </p:blipFill>
         <p:spPr>
           <a:xfrm>
-            <a:off x="3249414" y="1524085"/>
-            <a:ext cx="2499577" cy="480102"/>
+            <a:off x="3785490" y="1960407"/>
+            <a:ext cx="1638442" cy="411516"/>
           </a:xfrm>
           <a:prstGeom prst="rect">
             <a:avLst/>
@@ -9643,7 +8861,7 @@
       </p:pic>
       <p:pic>
         <p:nvPicPr>
-          <p:cNvPr id="9" name="图片 8"/>
+          <p:cNvPr id="10" name="图片 9"/>
           <p:cNvPicPr>
             <a:picLocks noChangeAspect="1"/>
           </p:cNvPicPr>
@@ -9657,44 +8875,15 @@
         </p:blipFill>
         <p:spPr>
           <a:xfrm>
-            <a:off x="3785490" y="1960407"/>
-            <a:ext cx="1638442" cy="411516"/>
+            <a:off x="2643205" y="2489778"/>
+            <a:ext cx="3627434" cy="510584"/>
           </a:xfrm>
           <a:prstGeom prst="rect">
             <a:avLst/>
           </a:prstGeom>
         </p:spPr>
       </p:pic>
-      <p:pic>
-        <p:nvPicPr>
-          <p:cNvPr id="10" name="图片 9"/>
-          <p:cNvPicPr>
-            <a:picLocks noChangeAspect="1"/>
-          </p:cNvPicPr>
-          <p:nvPr/>
-        </p:nvPicPr>
-        <p:blipFill>
-          <a:blip r:embed="rId5"/>
-          <a:stretch>
-            <a:fillRect/>
-          </a:stretch>
-        </p:blipFill>
-        <p:spPr>
-          <a:xfrm>
-            <a:off x="2643205" y="2489778"/>
-            <a:ext cx="3627434" cy="510584"/>
-          </a:xfrm>
-          <a:prstGeom prst="rect">
-            <a:avLst/>
-          </a:prstGeom>
-        </p:spPr>
-      </p:pic>
     </p:spTree>
-    <p:extLst>
-      <p:ext uri="{BB962C8B-B14F-4D97-AF65-F5344CB8AC3E}">
-        <p14:creationId xmlns:p14="http://schemas.microsoft.com/office/powerpoint/2010/main" val="959374035"/>
-      </p:ext>
-    </p:extLst>
   </p:cSld>
   <p:clrMapOvr>
     <a:masterClrMapping/>
@@ -9813,7 +9002,7 @@
           <p:nvPr/>
         </p:nvPicPr>
         <p:blipFill>
-          <a:blip r:embed="rId2">
+          <a:blip r:embed="rId1">
             <a:extLst>
               <a:ext uri="{28A0092B-C50C-407E-A947-70E740481C1C}">
                 <a14:useLocalDpi xmlns:a14="http://schemas.microsoft.com/office/drawing/2010/main" val="0"/>
@@ -9980,7 +9169,7 @@
           <p:nvPr/>
         </p:nvPicPr>
         <p:blipFill>
-          <a:blip r:embed="rId3"/>
+          <a:blip r:embed="rId2"/>
           <a:stretch>
             <a:fillRect/>
           </a:stretch>
@@ -10009,7 +9198,7 @@
           <p:nvPr/>
         </p:nvPicPr>
         <p:blipFill>
-          <a:blip r:embed="rId4"/>
+          <a:blip r:embed="rId3"/>
           <a:stretch>
             <a:fillRect/>
           </a:stretch>
@@ -10033,7 +9222,7 @@
           <p:nvPr/>
         </p:nvPicPr>
         <p:blipFill>
-          <a:blip r:embed="rId5"/>
+          <a:blip r:embed="rId4"/>
           <a:stretch>
             <a:fillRect/>
           </a:stretch>
@@ -10130,6 +9319,7 @@
               <a:rPr lang="zh-CN" altLang="en-US" sz="1400" dirty="0"/>
               <a:t>时，只和它有关</a:t>
             </a:r>
+            <a:endParaRPr lang="zh-CN" altLang="en-US" sz="1400" dirty="0"/>
           </a:p>
         </p:txBody>
       </p:sp>
@@ -10142,7 +9332,7 @@
           <p:nvPr/>
         </p:nvPicPr>
         <p:blipFill>
-          <a:blip r:embed="rId6"/>
+          <a:blip r:embed="rId5"/>
           <a:stretch>
             <a:fillRect/>
           </a:stretch>
@@ -10183,6 +9373,7 @@
               <a:rPr lang="zh-CN" altLang="en-US" dirty="0"/>
               <a:t>这货就是所谓的最小二乘</a:t>
             </a:r>
+            <a:endParaRPr lang="zh-CN" altLang="en-US" dirty="0"/>
           </a:p>
         </p:txBody>
       </p:sp>
@@ -10212,15 +9403,11 @@
               <a:rPr kumimoji="1" lang="zh-CN" altLang="en-US"/>
               <a:t>马氏距离</a:t>
             </a:r>
+            <a:endParaRPr kumimoji="1" lang="zh-CN" altLang="en-US"/>
           </a:p>
         </p:txBody>
       </p:sp>
     </p:spTree>
-    <p:extLst>
-      <p:ext uri="{BB962C8B-B14F-4D97-AF65-F5344CB8AC3E}">
-        <p14:creationId xmlns:p14="http://schemas.microsoft.com/office/powerpoint/2010/main" val="1779121854"/>
-      </p:ext>
-    </p:extLst>
   </p:cSld>
   <p:clrMapOvr>
     <a:masterClrMapping/>
@@ -10339,7 +9526,7 @@
           <p:nvPr/>
         </p:nvPicPr>
         <p:blipFill>
-          <a:blip r:embed="rId2">
+          <a:blip r:embed="rId1">
             <a:extLst>
               <a:ext uri="{28A0092B-C50C-407E-A947-70E740481C1C}">
                 <a14:useLocalDpi xmlns:a14="http://schemas.microsoft.com/office/drawing/2010/main" val="0"/>
@@ -10471,7 +9658,7 @@
           <p:nvPr/>
         </p:nvPicPr>
         <p:blipFill>
-          <a:blip r:embed="rId3"/>
+          <a:blip r:embed="rId2"/>
           <a:stretch>
             <a:fillRect/>
           </a:stretch>
@@ -10500,7 +9687,7 @@
           <p:nvPr/>
         </p:nvPicPr>
         <p:blipFill>
-          <a:blip r:embed="rId4"/>
+          <a:blip r:embed="rId3"/>
           <a:stretch>
             <a:fillRect/>
           </a:stretch>
@@ -10546,6 +9733,7 @@
               <a:rPr lang="zh-CN" altLang="en-US" dirty="0"/>
               <a:t>定义误差：</a:t>
             </a:r>
+            <a:endParaRPr lang="zh-CN" altLang="en-US" dirty="0"/>
           </a:p>
         </p:txBody>
       </p:sp>
@@ -10558,7 +9746,7 @@
           <p:nvPr/>
         </p:nvPicPr>
         <p:blipFill>
-          <a:blip r:embed="rId5"/>
+          <a:blip r:embed="rId4"/>
           <a:stretch>
             <a:fillRect/>
           </a:stretch>
@@ -10579,11 +9767,6 @@
         </p:spPr>
       </p:pic>
     </p:spTree>
-    <p:extLst>
-      <p:ext uri="{BB962C8B-B14F-4D97-AF65-F5344CB8AC3E}">
-        <p14:creationId xmlns:p14="http://schemas.microsoft.com/office/powerpoint/2010/main" val="376231975"/>
-      </p:ext>
-    </p:extLst>
   </p:cSld>
   <p:clrMapOvr>
     <a:masterClrMapping/>
@@ -10702,7 +9885,7 @@
           <p:nvPr/>
         </p:nvPicPr>
         <p:blipFill>
-          <a:blip r:embed="rId2">
+          <a:blip r:embed="rId1">
             <a:extLst>
               <a:ext uri="{28A0092B-C50C-407E-A947-70E740481C1C}">
                 <a14:useLocalDpi xmlns:a14="http://schemas.microsoft.com/office/drawing/2010/main" val="0"/>
@@ -10874,18 +10057,14 @@
               <a:rPr lang="zh-CN" altLang="en-US" dirty="0"/>
               <a:t>下面先来介绍通用的非线性最小二乘问题。</a:t>
             </a:r>
-          </a:p>
-          <a:p>
             <a:endParaRPr lang="zh-CN" altLang="en-US" dirty="0"/>
           </a:p>
+          <a:p>
+            <a:endParaRPr lang="zh-CN" altLang="en-US" dirty="0"/>
+          </a:p>
         </p:txBody>
       </p:sp>
     </p:spTree>
-    <p:extLst>
-      <p:ext uri="{BB962C8B-B14F-4D97-AF65-F5344CB8AC3E}">
-        <p14:creationId xmlns:p14="http://schemas.microsoft.com/office/powerpoint/2010/main" val="1799771172"/>
-      </p:ext>
-    </p:extLst>
   </p:cSld>
   <p:clrMapOvr>
     <a:masterClrMapping/>
@@ -10948,6 +10127,9 @@
               </a:rPr>
               <a:t> 非线性最小二乘</a:t>
             </a:r>
+            <a:endParaRPr kumimoji="1" lang="zh-CN" altLang="en-US" dirty="0">
+              <a:latin typeface="+mj-ea"/>
+            </a:endParaRPr>
           </a:p>
         </p:txBody>
       </p:sp>
@@ -11021,11 +10203,6 @@
         </p:txBody>
       </p:sp>
     </p:spTree>
-    <p:extLst>
-      <p:ext uri="{BB962C8B-B14F-4D97-AF65-F5344CB8AC3E}">
-        <p14:creationId xmlns:p14="http://schemas.microsoft.com/office/powerpoint/2010/main" val="1691137732"/>
-      </p:ext>
-    </p:extLst>
   </p:cSld>
   <p:clrMapOvr>
     <a:masterClrMapping/>
@@ -11059,7 +10236,7 @@
           <p:nvPr/>
         </p:nvPicPr>
         <p:blipFill>
-          <a:blip r:embed="rId2"/>
+          <a:blip r:embed="rId1"/>
           <a:stretch>
             <a:fillRect/>
           </a:stretch>
@@ -11083,7 +10260,7 @@
           <p:nvPr/>
         </p:nvPicPr>
         <p:blipFill>
-          <a:blip r:embed="rId3"/>
+          <a:blip r:embed="rId2"/>
           <a:stretch>
             <a:fillRect/>
           </a:stretch>
@@ -11192,7 +10369,7 @@
           <p:nvPr/>
         </p:nvPicPr>
         <p:blipFill>
-          <a:blip r:embed="rId4">
+          <a:blip r:embed="rId3">
             <a:extLst>
               <a:ext uri="{28A0092B-C50C-407E-A947-70E740481C1C}">
                 <a14:useLocalDpi xmlns:a14="http://schemas.microsoft.com/office/drawing/2010/main" val="0"/>
@@ -11368,6 +10545,7 @@
               <a:rPr lang="zh-CN" altLang="en-US" dirty="0"/>
               <a:t>求解</a:t>
             </a:r>
+            <a:endParaRPr lang="zh-CN" altLang="en-US" dirty="0"/>
           </a:p>
           <a:p>
             <a:endParaRPr lang="zh-CN" altLang="en-US" dirty="0"/>
@@ -11408,6 +10586,7 @@
               <a:rPr lang="zh-CN" altLang="en-US" dirty="0"/>
               <a:t>为任意函数</a:t>
             </a:r>
+            <a:endParaRPr lang="zh-CN" altLang="en-US" dirty="0"/>
           </a:p>
         </p:txBody>
       </p:sp>
@@ -11420,7 +10599,7 @@
           <p:nvPr/>
         </p:nvPicPr>
         <p:blipFill>
-          <a:blip r:embed="rId5"/>
+          <a:blip r:embed="rId4"/>
           <a:stretch>
             <a:fillRect/>
           </a:stretch>
@@ -11444,7 +10623,7 @@
           <p:nvPr/>
         </p:nvPicPr>
         <p:blipFill>
-          <a:blip r:embed="rId6" cstate="print">
+          <a:blip r:embed="rId5" cstate="print">
             <a:extLst>
               <a:ext uri="{28A0092B-C50C-407E-A947-70E740481C1C}">
                 <a14:useLocalDpi xmlns:a14="http://schemas.microsoft.com/office/drawing/2010/main" val="0"/>
@@ -11466,11 +10645,6 @@
         </p:spPr>
       </p:pic>
     </p:spTree>
-    <p:extLst>
-      <p:ext uri="{BB962C8B-B14F-4D97-AF65-F5344CB8AC3E}">
-        <p14:creationId xmlns:p14="http://schemas.microsoft.com/office/powerpoint/2010/main" val="130214600"/>
-      </p:ext>
-    </p:extLst>
   </p:cSld>
   <p:clrMapOvr>
     <a:masterClrMapping/>
@@ -11589,7 +10763,7 @@
           <p:nvPr/>
         </p:nvPicPr>
         <p:blipFill>
-          <a:blip r:embed="rId2">
+          <a:blip r:embed="rId1">
             <a:extLst>
               <a:ext uri="{28A0092B-C50C-407E-A947-70E740481C1C}">
                 <a14:useLocalDpi xmlns:a14="http://schemas.microsoft.com/office/drawing/2010/main" val="0"/>
@@ -11674,7 +10848,7 @@
               <a:spcBef>
                 <a:spcPts val="750"/>
               </a:spcBef>
-              <a:buFont typeface="Arial" panose="020B0604020202020204" pitchFamily="34" charset="0"/>
+              <a:buFont typeface="Arial" panose="02080604020202020204" pitchFamily="34" charset="0"/>
               <a:buChar char="•"/>
               <a:defRPr sz="2100" kern="1200">
                 <a:solidFill>
@@ -11692,7 +10866,7 @@
               <a:spcBef>
                 <a:spcPts val="375"/>
               </a:spcBef>
-              <a:buFont typeface="Arial" panose="020B0604020202020204" pitchFamily="34" charset="0"/>
+              <a:buFont typeface="Arial" panose="02080604020202020204" pitchFamily="34" charset="0"/>
               <a:buChar char="•"/>
               <a:defRPr sz="1800" kern="1200">
                 <a:solidFill>
@@ -11710,7 +10884,7 @@
               <a:spcBef>
                 <a:spcPts val="375"/>
               </a:spcBef>
-              <a:buFont typeface="Arial" panose="020B0604020202020204" pitchFamily="34" charset="0"/>
+              <a:buFont typeface="Arial" panose="02080604020202020204" pitchFamily="34" charset="0"/>
               <a:buChar char="•"/>
               <a:defRPr sz="1500" kern="1200">
                 <a:solidFill>
@@ -11728,7 +10902,7 @@
               <a:spcBef>
                 <a:spcPts val="375"/>
               </a:spcBef>
-              <a:buFont typeface="Arial" panose="020B0604020202020204" pitchFamily="34" charset="0"/>
+              <a:buFont typeface="Arial" panose="02080604020202020204" pitchFamily="34" charset="0"/>
               <a:buChar char="•"/>
               <a:defRPr sz="1350" kern="1200">
                 <a:solidFill>
@@ -11746,7 +10920,7 @@
               <a:spcBef>
                 <a:spcPts val="375"/>
               </a:spcBef>
-              <a:buFont typeface="Arial" panose="020B0604020202020204" pitchFamily="34" charset="0"/>
+              <a:buFont typeface="Arial" panose="02080604020202020204" pitchFamily="34" charset="0"/>
               <a:buChar char="•"/>
               <a:defRPr sz="1350" kern="1200">
                 <a:solidFill>
@@ -11764,7 +10938,7 @@
               <a:spcBef>
                 <a:spcPts val="375"/>
               </a:spcBef>
-              <a:buFont typeface="Arial" panose="020B0604020202020204" pitchFamily="34" charset="0"/>
+              <a:buFont typeface="Arial" panose="02080604020202020204" pitchFamily="34" charset="0"/>
               <a:buChar char="•"/>
               <a:defRPr sz="1350" kern="1200">
                 <a:solidFill>
@@ -11782,7 +10956,7 @@
               <a:spcBef>
                 <a:spcPts val="375"/>
               </a:spcBef>
-              <a:buFont typeface="Arial" panose="020B0604020202020204" pitchFamily="34" charset="0"/>
+              <a:buFont typeface="Arial" panose="02080604020202020204" pitchFamily="34" charset="0"/>
               <a:buChar char="•"/>
               <a:defRPr sz="1350" kern="1200">
                 <a:solidFill>
@@ -11800,7 +10974,7 @@
               <a:spcBef>
                 <a:spcPts val="375"/>
               </a:spcBef>
-              <a:buFont typeface="Arial" panose="020B0604020202020204" pitchFamily="34" charset="0"/>
+              <a:buFont typeface="Arial" panose="02080604020202020204" pitchFamily="34" charset="0"/>
               <a:buChar char="•"/>
               <a:defRPr sz="1350" kern="1200">
                 <a:solidFill>
@@ -11818,7 +10992,7 @@
               <a:spcBef>
                 <a:spcPts val="375"/>
               </a:spcBef>
-              <a:buFont typeface="Arial" panose="020B0604020202020204" pitchFamily="34" charset="0"/>
+              <a:buFont typeface="Arial" panose="02080604020202020204" pitchFamily="34" charset="0"/>
               <a:buChar char="•"/>
               <a:defRPr sz="1350" kern="1200">
                 <a:solidFill>
@@ -11847,7 +11021,6 @@
               <a:buSzTx/>
               <a:buFont typeface="+mj-lt"/>
               <a:buAutoNum type="arabicPeriod"/>
-              <a:tabLst/>
               <a:defRPr/>
             </a:pPr>
             <a:r>
@@ -11886,7 +11059,6 @@
               <a:buSzTx/>
               <a:buFont typeface="+mj-lt"/>
               <a:buAutoNum type="arabicPeriod"/>
-              <a:tabLst/>
               <a:defRPr/>
             </a:pPr>
             <a:endParaRPr lang="en-US" altLang="zh-CN" sz="2800" dirty="0">
@@ -11911,7 +11083,6 @@
               <a:buSzTx/>
               <a:buFont typeface="+mj-lt"/>
               <a:buAutoNum type="arabicPeriod"/>
-              <a:tabLst/>
               <a:defRPr/>
             </a:pPr>
             <a:r>
@@ -11929,11 +11100,6 @@
         </p:txBody>
       </p:sp>
     </p:spTree>
-    <p:extLst>
-      <p:ext uri="{BB962C8B-B14F-4D97-AF65-F5344CB8AC3E}">
-        <p14:creationId xmlns:p14="http://schemas.microsoft.com/office/powerpoint/2010/main" val="1124594276"/>
-      </p:ext>
-    </p:extLst>
   </p:cSld>
   <p:clrMapOvr>
     <a:masterClrMapping/>
@@ -12052,7 +11218,7 @@
           <p:nvPr/>
         </p:nvPicPr>
         <p:blipFill>
-          <a:blip r:embed="rId2">
+          <a:blip r:embed="rId1">
             <a:extLst>
               <a:ext uri="{28A0092B-C50C-407E-A947-70E740481C1C}">
                 <a14:useLocalDpi xmlns:a14="http://schemas.microsoft.com/office/drawing/2010/main" val="0"/>
@@ -12117,9 +11283,7 @@
       <p:sp>
         <p:nvSpPr>
           <p:cNvPr id="13" name="内容占位符 2"/>
-          <p:cNvSpPr txBox="1">
-            <a:spLocks/>
-          </p:cNvSpPr>
+          <p:cNvSpPr txBox="1"/>
           <p:nvPr/>
         </p:nvSpPr>
         <p:spPr>
@@ -12143,7 +11307,7 @@
               <a:spcBef>
                 <a:spcPts val="750"/>
               </a:spcBef>
-              <a:buFont typeface="Arial" panose="020B0604020202020204" pitchFamily="34" charset="0"/>
+              <a:buFont typeface="Arial" panose="02080604020202020204" pitchFamily="34" charset="0"/>
               <a:buChar char="•"/>
               <a:defRPr sz="2100" kern="1200">
                 <a:solidFill>
@@ -12161,7 +11325,7 @@
               <a:spcBef>
                 <a:spcPts val="375"/>
               </a:spcBef>
-              <a:buFont typeface="Arial" panose="020B0604020202020204" pitchFamily="34" charset="0"/>
+              <a:buFont typeface="Arial" panose="02080604020202020204" pitchFamily="34" charset="0"/>
               <a:buChar char="•"/>
               <a:defRPr sz="1800" kern="1200">
                 <a:solidFill>
@@ -12179,7 +11343,7 @@
               <a:spcBef>
                 <a:spcPts val="375"/>
               </a:spcBef>
-              <a:buFont typeface="Arial" panose="020B0604020202020204" pitchFamily="34" charset="0"/>
+              <a:buFont typeface="Arial" panose="02080604020202020204" pitchFamily="34" charset="0"/>
               <a:buChar char="•"/>
               <a:defRPr sz="1500" kern="1200">
                 <a:solidFill>
@@ -12197,7 +11361,7 @@
               <a:spcBef>
                 <a:spcPts val="375"/>
               </a:spcBef>
-              <a:buFont typeface="Arial" panose="020B0604020202020204" pitchFamily="34" charset="0"/>
+              <a:buFont typeface="Arial" panose="02080604020202020204" pitchFamily="34" charset="0"/>
               <a:buChar char="•"/>
               <a:defRPr sz="1350" kern="1200">
                 <a:solidFill>
@@ -12215,7 +11379,7 @@
               <a:spcBef>
                 <a:spcPts val="375"/>
               </a:spcBef>
-              <a:buFont typeface="Arial" panose="020B0604020202020204" pitchFamily="34" charset="0"/>
+              <a:buFont typeface="Arial" panose="02080604020202020204" pitchFamily="34" charset="0"/>
               <a:buChar char="•"/>
               <a:defRPr sz="1350" kern="1200">
                 <a:solidFill>
@@ -12233,7 +11397,7 @@
               <a:spcBef>
                 <a:spcPts val="375"/>
               </a:spcBef>
-              <a:buFont typeface="Arial" panose="020B0604020202020204" pitchFamily="34" charset="0"/>
+              <a:buFont typeface="Arial" panose="02080604020202020204" pitchFamily="34" charset="0"/>
               <a:buChar char="•"/>
               <a:defRPr sz="1350" kern="1200">
                 <a:solidFill>
@@ -12251,7 +11415,7 @@
               <a:spcBef>
                 <a:spcPts val="375"/>
               </a:spcBef>
-              <a:buFont typeface="Arial" panose="020B0604020202020204" pitchFamily="34" charset="0"/>
+              <a:buFont typeface="Arial" panose="02080604020202020204" pitchFamily="34" charset="0"/>
               <a:buChar char="•"/>
               <a:defRPr sz="1350" kern="1200">
                 <a:solidFill>
@@ -12269,7 +11433,7 @@
               <a:spcBef>
                 <a:spcPts val="375"/>
               </a:spcBef>
-              <a:buFont typeface="Arial" panose="020B0604020202020204" pitchFamily="34" charset="0"/>
+              <a:buFont typeface="Arial" panose="02080604020202020204" pitchFamily="34" charset="0"/>
               <a:buChar char="•"/>
               <a:defRPr sz="1350" kern="1200">
                 <a:solidFill>
@@ -12287,7 +11451,7 @@
               <a:spcBef>
                 <a:spcPts val="375"/>
               </a:spcBef>
-              <a:buFont typeface="Arial" panose="020B0604020202020204" pitchFamily="34" charset="0"/>
+              <a:buFont typeface="Arial" panose="02080604020202020204" pitchFamily="34" charset="0"/>
               <a:buChar char="•"/>
               <a:defRPr sz="1350" kern="1200">
                 <a:solidFill>
@@ -12317,7 +11481,7 @@
           <p:nvPr/>
         </p:nvPicPr>
         <p:blipFill>
-          <a:blip r:embed="rId3"/>
+          <a:blip r:embed="rId2"/>
           <a:stretch>
             <a:fillRect/>
           </a:stretch>
@@ -12391,15 +11555,11 @@
               <a:rPr lang="zh-CN" altLang="en-US" dirty="0"/>
               <a:t>问题：如何确定这个增量？</a:t>
             </a:r>
+            <a:endParaRPr lang="zh-CN" altLang="en-US" dirty="0"/>
           </a:p>
         </p:txBody>
       </p:sp>
     </p:spTree>
-    <p:extLst>
-      <p:ext uri="{BB962C8B-B14F-4D97-AF65-F5344CB8AC3E}">
-        <p14:creationId xmlns:p14="http://schemas.microsoft.com/office/powerpoint/2010/main" val="663936717"/>
-      </p:ext>
-    </p:extLst>
   </p:cSld>
   <p:clrMapOvr>
     <a:masterClrMapping/>
@@ -12518,7 +11678,7 @@
           <p:nvPr/>
         </p:nvPicPr>
         <p:blipFill>
-          <a:blip r:embed="rId2">
+          <a:blip r:embed="rId1">
             <a:extLst>
               <a:ext uri="{28A0092B-C50C-407E-A947-70E740481C1C}">
                 <a14:useLocalDpi xmlns:a14="http://schemas.microsoft.com/office/drawing/2010/main" val="0"/>
@@ -12642,6 +11802,7 @@
               <a:rPr lang="zh-CN" altLang="en-US" dirty="0"/>
               <a:t>）</a:t>
             </a:r>
+            <a:endParaRPr lang="zh-CN" altLang="en-US" dirty="0"/>
           </a:p>
         </p:txBody>
       </p:sp>
@@ -12654,7 +11815,7 @@
           <p:nvPr/>
         </p:nvPicPr>
         <p:blipFill>
-          <a:blip r:embed="rId3"/>
+          <a:blip r:embed="rId2"/>
           <a:stretch>
             <a:fillRect/>
           </a:stretch>
@@ -12669,8 +11830,8 @@
           </a:prstGeom>
         </p:spPr>
       </p:pic>
-      <mc:AlternateContent xmlns:mc="http://schemas.openxmlformats.org/markup-compatibility/2006" xmlns:a14="http://schemas.microsoft.com/office/drawing/2010/main">
-        <mc:Choice Requires="a14">
+      <mc:AlternateContent xmlns:mc="http://schemas.openxmlformats.org/markup-compatibility/2006">
+        <mc:Choice xmlns:a14="http://schemas.microsoft.com/office/drawing/2010/main" Requires="a14">
           <p:sp>
             <p:nvSpPr>
               <p:cNvPr id="9" name="矩形 8"/>
@@ -12692,7 +11853,6 @@
               </a:bodyPr>
               <a:lstStyle/>
               <a:p>
-                <a:pPr/>
                 <a14:m>
                   <m:oMathPara xmlns:m="http://schemas.openxmlformats.org/officeDocument/2006/math">
                     <m:oMathParaPr>
@@ -12827,7 +11987,7 @@
             </p:txBody>
           </p:sp>
         </mc:Choice>
-        <mc:Fallback xmlns="">
+        <mc:Fallback>
           <p:sp>
             <p:nvSpPr>
               <p:cNvPr id="9" name="矩形 8"/>
@@ -12844,10 +12004,10 @@
               <a:prstGeom prst="rect">
                 <a:avLst/>
               </a:prstGeom>
-              <a:blipFill rotWithShape="0">
-                <a:blip r:embed="rId4"/>
+              <a:blipFill rotWithShape="1">
+                <a:blip r:embed="rId3"/>
                 <a:stretch>
-                  <a:fillRect b="-1316"/>
+                  <a:fillRect l="-24" t="-72" r="-7987" b="51"/>
                 </a:stretch>
               </a:blipFill>
             </p:spPr>
@@ -12856,7 +12016,7 @@
               <a:lstStyle/>
               <a:p>
                 <a:r>
-                  <a:rPr lang="zh-CN" altLang="en-US">
+                  <a:rPr lang="en-US" altLang="en-US">
                     <a:noFill/>
                   </a:rPr>
                   <a:t> </a:t>
@@ -12875,7 +12035,7 @@
           <p:nvPr/>
         </p:nvPicPr>
         <p:blipFill>
-          <a:blip r:embed="rId5"/>
+          <a:blip r:embed="rId4"/>
           <a:stretch>
             <a:fillRect/>
           </a:stretch>
@@ -12916,6 +12076,7 @@
               <a:rPr lang="zh-CN" altLang="en-US" dirty="0"/>
               <a:t>增量的方向：</a:t>
             </a:r>
+            <a:endParaRPr lang="zh-CN" altLang="en-US" dirty="0"/>
           </a:p>
         </p:txBody>
       </p:sp>
@@ -12945,15 +12106,11 @@
               <a:rPr lang="zh-CN" altLang="en-US" dirty="0"/>
               <a:t>（通常还需要计算步长）</a:t>
             </a:r>
+            <a:endParaRPr lang="zh-CN" altLang="en-US" dirty="0"/>
           </a:p>
         </p:txBody>
       </p:sp>
     </p:spTree>
-    <p:extLst>
-      <p:ext uri="{BB962C8B-B14F-4D97-AF65-F5344CB8AC3E}">
-        <p14:creationId xmlns:p14="http://schemas.microsoft.com/office/powerpoint/2010/main" val="90131792"/>
-      </p:ext>
-    </p:extLst>
   </p:cSld>
   <p:clrMapOvr>
     <a:masterClrMapping/>
@@ -12987,7 +12144,7 @@
           <p:nvPr/>
         </p:nvPicPr>
         <p:blipFill>
-          <a:blip r:embed="rId2"/>
+          <a:blip r:embed="rId1"/>
           <a:stretch>
             <a:fillRect/>
           </a:stretch>
@@ -13096,7 +12253,7 @@
           <p:nvPr/>
         </p:nvPicPr>
         <p:blipFill>
-          <a:blip r:embed="rId3">
+          <a:blip r:embed="rId2">
             <a:extLst>
               <a:ext uri="{28A0092B-C50C-407E-A947-70E740481C1C}">
                 <a14:useLocalDpi xmlns:a14="http://schemas.microsoft.com/office/drawing/2010/main" val="0"/>
@@ -13161,9 +12318,7 @@
       <p:sp>
         <p:nvSpPr>
           <p:cNvPr id="8" name="内容占位符 2"/>
-          <p:cNvSpPr txBox="1">
-            <a:spLocks/>
-          </p:cNvSpPr>
+          <p:cNvSpPr txBox="1"/>
           <p:nvPr/>
         </p:nvSpPr>
         <p:spPr>
@@ -13187,7 +12342,7 @@
               <a:spcBef>
                 <a:spcPts val="750"/>
               </a:spcBef>
-              <a:buFont typeface="Arial" panose="020B0604020202020204" pitchFamily="34" charset="0"/>
+              <a:buFont typeface="Arial" panose="02080604020202020204" pitchFamily="34" charset="0"/>
               <a:buChar char="•"/>
               <a:defRPr sz="2100" kern="1200">
                 <a:solidFill>
@@ -13205,7 +12360,7 @@
               <a:spcBef>
                 <a:spcPts val="375"/>
               </a:spcBef>
-              <a:buFont typeface="Arial" panose="020B0604020202020204" pitchFamily="34" charset="0"/>
+              <a:buFont typeface="Arial" panose="02080604020202020204" pitchFamily="34" charset="0"/>
               <a:buChar char="•"/>
               <a:defRPr sz="1800" kern="1200">
                 <a:solidFill>
@@ -13223,7 +12378,7 @@
               <a:spcBef>
                 <a:spcPts val="375"/>
               </a:spcBef>
-              <a:buFont typeface="Arial" panose="020B0604020202020204" pitchFamily="34" charset="0"/>
+              <a:buFont typeface="Arial" panose="02080604020202020204" pitchFamily="34" charset="0"/>
               <a:buChar char="•"/>
               <a:defRPr sz="1500" kern="1200">
                 <a:solidFill>
@@ -13241,7 +12396,7 @@
               <a:spcBef>
                 <a:spcPts val="375"/>
               </a:spcBef>
-              <a:buFont typeface="Arial" panose="020B0604020202020204" pitchFamily="34" charset="0"/>
+              <a:buFont typeface="Arial" panose="02080604020202020204" pitchFamily="34" charset="0"/>
               <a:buChar char="•"/>
               <a:defRPr sz="1350" kern="1200">
                 <a:solidFill>
@@ -13259,7 +12414,7 @@
               <a:spcBef>
                 <a:spcPts val="375"/>
               </a:spcBef>
-              <a:buFont typeface="Arial" panose="020B0604020202020204" pitchFamily="34" charset="0"/>
+              <a:buFont typeface="Arial" panose="02080604020202020204" pitchFamily="34" charset="0"/>
               <a:buChar char="•"/>
               <a:defRPr sz="1350" kern="1200">
                 <a:solidFill>
@@ -13277,7 +12432,7 @@
               <a:spcBef>
                 <a:spcPts val="375"/>
               </a:spcBef>
-              <a:buFont typeface="Arial" panose="020B0604020202020204" pitchFamily="34" charset="0"/>
+              <a:buFont typeface="Arial" panose="02080604020202020204" pitchFamily="34" charset="0"/>
               <a:buChar char="•"/>
               <a:defRPr sz="1350" kern="1200">
                 <a:solidFill>
@@ -13295,7 +12450,7 @@
               <a:spcBef>
                 <a:spcPts val="375"/>
               </a:spcBef>
-              <a:buFont typeface="Arial" panose="020B0604020202020204" pitchFamily="34" charset="0"/>
+              <a:buFont typeface="Arial" panose="02080604020202020204" pitchFamily="34" charset="0"/>
               <a:buChar char="•"/>
               <a:defRPr sz="1350" kern="1200">
                 <a:solidFill>
@@ -13313,7 +12468,7 @@
               <a:spcBef>
                 <a:spcPts val="375"/>
               </a:spcBef>
-              <a:buFont typeface="Arial" panose="020B0604020202020204" pitchFamily="34" charset="0"/>
+              <a:buFont typeface="Arial" panose="02080604020202020204" pitchFamily="34" charset="0"/>
               <a:buChar char="•"/>
               <a:defRPr sz="1350" kern="1200">
                 <a:solidFill>
@@ -13331,7 +12486,7 @@
               <a:spcBef>
                 <a:spcPts val="375"/>
               </a:spcBef>
-              <a:buFont typeface="Arial" panose="020B0604020202020204" pitchFamily="34" charset="0"/>
+              <a:buFont typeface="Arial" panose="02080604020202020204" pitchFamily="34" charset="0"/>
               <a:buChar char="•"/>
               <a:defRPr sz="1350" kern="1200">
                 <a:solidFill>
@@ -13379,12 +12534,42 @@
               <a:rPr lang="zh-CN" altLang="en-US" dirty="0"/>
               <a:t>该方法又称为牛顿法</a:t>
             </a:r>
+            <a:endParaRPr lang="zh-CN" altLang="en-US" dirty="0"/>
           </a:p>
         </p:txBody>
       </p:sp>
       <p:pic>
         <p:nvPicPr>
           <p:cNvPr id="9" name="图片 8"/>
+          <p:cNvPicPr>
+            <a:picLocks noChangeAspect="1"/>
+          </p:cNvPicPr>
+          <p:nvPr/>
+        </p:nvPicPr>
+        <p:blipFill>
+          <a:blip r:embed="rId3"/>
+          <a:stretch>
+            <a:fillRect/>
+          </a:stretch>
+        </p:blipFill>
+        <p:spPr>
+          <a:xfrm>
+            <a:off x="3320826" y="922311"/>
+            <a:ext cx="5570703" cy="624894"/>
+          </a:xfrm>
+          <a:prstGeom prst="rect">
+            <a:avLst/>
+          </a:prstGeom>
+          <a:ln>
+            <a:solidFill>
+              <a:schemeClr val="accent1"/>
+            </a:solidFill>
+          </a:ln>
+        </p:spPr>
+      </p:pic>
+      <p:pic>
+        <p:nvPicPr>
+          <p:cNvPr id="11" name="图片 10"/>
           <p:cNvPicPr>
             <a:picLocks noChangeAspect="1"/>
           </p:cNvPicPr>
@@ -13398,45 +12583,16 @@
         </p:blipFill>
         <p:spPr>
           <a:xfrm>
-            <a:off x="3320826" y="922311"/>
-            <a:ext cx="5570703" cy="624894"/>
+            <a:off x="5393569" y="2366205"/>
+            <a:ext cx="2088061" cy="518205"/>
           </a:xfrm>
           <a:prstGeom prst="rect">
             <a:avLst/>
           </a:prstGeom>
-          <a:ln>
-            <a:solidFill>
-              <a:schemeClr val="accent1"/>
-            </a:solidFill>
-          </a:ln>
         </p:spPr>
       </p:pic>
-      <p:pic>
-        <p:nvPicPr>
-          <p:cNvPr id="11" name="图片 10"/>
-          <p:cNvPicPr>
-            <a:picLocks noChangeAspect="1"/>
-          </p:cNvPicPr>
-          <p:nvPr/>
-        </p:nvPicPr>
-        <p:blipFill>
-          <a:blip r:embed="rId5"/>
-          <a:stretch>
-            <a:fillRect/>
-          </a:stretch>
-        </p:blipFill>
-        <p:spPr>
-          <a:xfrm>
-            <a:off x="5393569" y="2366205"/>
-            <a:ext cx="2088061" cy="518205"/>
-          </a:xfrm>
-          <a:prstGeom prst="rect">
-            <a:avLst/>
-          </a:prstGeom>
-        </p:spPr>
-      </p:pic>
-      <mc:AlternateContent xmlns:mc="http://schemas.openxmlformats.org/markup-compatibility/2006" xmlns:a14="http://schemas.microsoft.com/office/drawing/2010/main">
-        <mc:Choice Requires="a14">
+      <mc:AlternateContent xmlns:mc="http://schemas.openxmlformats.org/markup-compatibility/2006">
+        <mc:Choice xmlns:a14="http://schemas.microsoft.com/office/drawing/2010/main" Requires="a14">
           <p:sp>
             <p:nvSpPr>
               <p:cNvPr id="12" name="矩形 11"/>
@@ -13458,7 +12614,6 @@
               </a:bodyPr>
               <a:lstStyle/>
               <a:p>
-                <a:pPr/>
                 <a14:m>
                   <m:oMathPara xmlns:m="http://schemas.openxmlformats.org/officeDocument/2006/math">
                     <m:oMathParaPr>
@@ -13485,7 +12640,7 @@
             </p:txBody>
           </p:sp>
         </mc:Choice>
-        <mc:Fallback xmlns="">
+        <mc:Fallback>
           <p:sp>
             <p:nvSpPr>
               <p:cNvPr id="12" name="矩形 11"/>
@@ -13502,10 +12657,10 @@
               <a:prstGeom prst="rect">
                 <a:avLst/>
               </a:prstGeom>
-              <a:blipFill rotWithShape="0">
-                <a:blip r:embed="rId6"/>
+              <a:blipFill rotWithShape="1">
+                <a:blip r:embed="rId5"/>
                 <a:stretch>
-                  <a:fillRect/>
+                  <a:fillRect l="-81" t="-53" r="109" b="160"/>
                 </a:stretch>
               </a:blipFill>
             </p:spPr>
@@ -13514,7 +12669,7 @@
               <a:lstStyle/>
               <a:p>
                 <a:r>
-                  <a:rPr lang="zh-CN" altLang="en-US">
+                  <a:rPr lang="en-US" altLang="en-US">
                     <a:noFill/>
                   </a:rPr>
                   <a:t> </a:t>
@@ -13525,11 +12680,6 @@
         </mc:Fallback>
       </mc:AlternateContent>
     </p:spTree>
-    <p:extLst>
-      <p:ext uri="{BB962C8B-B14F-4D97-AF65-F5344CB8AC3E}">
-        <p14:creationId xmlns:p14="http://schemas.microsoft.com/office/powerpoint/2010/main" val="1467557747"/>
-      </p:ext>
-    </p:extLst>
   </p:cSld>
   <p:clrMapOvr>
     <a:masterClrMapping/>
@@ -13648,7 +12798,7 @@
           <p:nvPr/>
         </p:nvPicPr>
         <p:blipFill>
-          <a:blip r:embed="rId2">
+          <a:blip r:embed="rId1">
             <a:extLst>
               <a:ext uri="{28A0092B-C50C-407E-A947-70E740481C1C}">
                 <a14:useLocalDpi xmlns:a14="http://schemas.microsoft.com/office/drawing/2010/main" val="0"/>
@@ -13789,6 +12939,7 @@
               <a:rPr lang="en-US" altLang="zh-CN" dirty="0"/>
               <a:t>Gauss-Newton</a:t>
             </a:r>
+            <a:endParaRPr lang="en-US" altLang="zh-CN" dirty="0"/>
           </a:p>
           <a:p>
             <a:pPr lvl="1"/>
@@ -13812,7 +12963,7 @@
           <p:nvPr/>
         </p:nvPicPr>
         <p:blipFill>
-          <a:blip r:embed="rId3">
+          <a:blip r:embed="rId2">
             <a:extLst>
               <a:ext uri="{28A0092B-C50C-407E-A947-70E740481C1C}">
                 <a14:useLocalDpi xmlns:a14="http://schemas.microsoft.com/office/drawing/2010/main" val="0"/>
@@ -13845,11 +12996,6 @@
         </p:spPr>
       </p:pic>
     </p:spTree>
-    <p:extLst>
-      <p:ext uri="{BB962C8B-B14F-4D97-AF65-F5344CB8AC3E}">
-        <p14:creationId xmlns:p14="http://schemas.microsoft.com/office/powerpoint/2010/main" val="1030542817"/>
-      </p:ext>
-    </p:extLst>
   </p:cSld>
   <p:clrMapOvr>
     <a:masterClrMapping/>
@@ -13968,7 +13114,7 @@
           <p:nvPr/>
         </p:nvPicPr>
         <p:blipFill>
-          <a:blip r:embed="rId2">
+          <a:blip r:embed="rId1">
             <a:extLst>
               <a:ext uri="{28A0092B-C50C-407E-A947-70E740481C1C}">
                 <a14:useLocalDpi xmlns:a14="http://schemas.microsoft.com/office/drawing/2010/main" val="0"/>
@@ -14033,9 +13179,7 @@
       <p:sp>
         <p:nvSpPr>
           <p:cNvPr id="8" name="内容占位符 2"/>
-          <p:cNvSpPr txBox="1">
-            <a:spLocks/>
-          </p:cNvSpPr>
+          <p:cNvSpPr txBox="1"/>
           <p:nvPr/>
         </p:nvSpPr>
         <p:spPr>
@@ -14059,7 +13203,7 @@
               <a:spcBef>
                 <a:spcPts val="750"/>
               </a:spcBef>
-              <a:buFont typeface="Arial" panose="020B0604020202020204" pitchFamily="34" charset="0"/>
+              <a:buFont typeface="Arial" panose="02080604020202020204" pitchFamily="34" charset="0"/>
               <a:buChar char="•"/>
               <a:defRPr sz="2100" kern="1200">
                 <a:solidFill>
@@ -14077,7 +13221,7 @@
               <a:spcBef>
                 <a:spcPts val="375"/>
               </a:spcBef>
-              <a:buFont typeface="Arial" panose="020B0604020202020204" pitchFamily="34" charset="0"/>
+              <a:buFont typeface="Arial" panose="02080604020202020204" pitchFamily="34" charset="0"/>
               <a:buChar char="•"/>
               <a:defRPr sz="1800" kern="1200">
                 <a:solidFill>
@@ -14095,7 +13239,7 @@
               <a:spcBef>
                 <a:spcPts val="375"/>
               </a:spcBef>
-              <a:buFont typeface="Arial" panose="020B0604020202020204" pitchFamily="34" charset="0"/>
+              <a:buFont typeface="Arial" panose="02080604020202020204" pitchFamily="34" charset="0"/>
               <a:buChar char="•"/>
               <a:defRPr sz="1500" kern="1200">
                 <a:solidFill>
@@ -14113,7 +13257,7 @@
               <a:spcBef>
                 <a:spcPts val="375"/>
               </a:spcBef>
-              <a:buFont typeface="Arial" panose="020B0604020202020204" pitchFamily="34" charset="0"/>
+              <a:buFont typeface="Arial" panose="02080604020202020204" pitchFamily="34" charset="0"/>
               <a:buChar char="•"/>
               <a:defRPr sz="1350" kern="1200">
                 <a:solidFill>
@@ -14131,7 +13275,7 @@
               <a:spcBef>
                 <a:spcPts val="375"/>
               </a:spcBef>
-              <a:buFont typeface="Arial" panose="020B0604020202020204" pitchFamily="34" charset="0"/>
+              <a:buFont typeface="Arial" panose="02080604020202020204" pitchFamily="34" charset="0"/>
               <a:buChar char="•"/>
               <a:defRPr sz="1350" kern="1200">
                 <a:solidFill>
@@ -14149,7 +13293,7 @@
               <a:spcBef>
                 <a:spcPts val="375"/>
               </a:spcBef>
-              <a:buFont typeface="Arial" panose="020B0604020202020204" pitchFamily="34" charset="0"/>
+              <a:buFont typeface="Arial" panose="02080604020202020204" pitchFamily="34" charset="0"/>
               <a:buChar char="•"/>
               <a:defRPr sz="1350" kern="1200">
                 <a:solidFill>
@@ -14167,7 +13311,7 @@
               <a:spcBef>
                 <a:spcPts val="375"/>
               </a:spcBef>
-              <a:buFont typeface="Arial" panose="020B0604020202020204" pitchFamily="34" charset="0"/>
+              <a:buFont typeface="Arial" panose="02080604020202020204" pitchFamily="34" charset="0"/>
               <a:buChar char="•"/>
               <a:defRPr sz="1350" kern="1200">
                 <a:solidFill>
@@ -14185,7 +13329,7 @@
               <a:spcBef>
                 <a:spcPts val="375"/>
               </a:spcBef>
-              <a:buFont typeface="Arial" panose="020B0604020202020204" pitchFamily="34" charset="0"/>
+              <a:buFont typeface="Arial" panose="02080604020202020204" pitchFamily="34" charset="0"/>
               <a:buChar char="•"/>
               <a:defRPr sz="1350" kern="1200">
                 <a:solidFill>
@@ -14203,7 +13347,7 @@
               <a:spcBef>
                 <a:spcPts val="375"/>
               </a:spcBef>
-              <a:buFont typeface="Arial" panose="020B0604020202020204" pitchFamily="34" charset="0"/>
+              <a:buFont typeface="Arial" panose="02080604020202020204" pitchFamily="34" charset="0"/>
               <a:buChar char="•"/>
               <a:defRPr sz="1350" kern="1200">
                 <a:solidFill>
@@ -14220,6 +13364,7 @@
               <a:rPr lang="en-US" altLang="zh-CN" dirty="0"/>
               <a:t>Gauss-Newton</a:t>
             </a:r>
+            <a:endParaRPr lang="en-US" altLang="zh-CN" dirty="0"/>
           </a:p>
           <a:p>
             <a:pPr lvl="1"/>
@@ -14267,12 +13412,37 @@
               <a:rPr lang="zh-CN" altLang="en-US" dirty="0"/>
               <a:t>令关于      导数为零：</a:t>
             </a:r>
+            <a:endParaRPr lang="zh-CN" altLang="en-US" dirty="0"/>
           </a:p>
         </p:txBody>
       </p:sp>
       <p:pic>
         <p:nvPicPr>
           <p:cNvPr id="9" name="图片 8"/>
+          <p:cNvPicPr>
+            <a:picLocks noChangeAspect="1"/>
+          </p:cNvPicPr>
+          <p:nvPr/>
+        </p:nvPicPr>
+        <p:blipFill>
+          <a:blip r:embed="rId2"/>
+          <a:stretch>
+            <a:fillRect/>
+          </a:stretch>
+        </p:blipFill>
+        <p:spPr>
+          <a:xfrm>
+            <a:off x="2691958" y="1337511"/>
+            <a:ext cx="3604572" cy="609653"/>
+          </a:xfrm>
+          <a:prstGeom prst="rect">
+            <a:avLst/>
+          </a:prstGeom>
+        </p:spPr>
+      </p:pic>
+      <p:pic>
+        <p:nvPicPr>
+          <p:cNvPr id="10" name="图片 9"/>
           <p:cNvPicPr>
             <a:picLocks noChangeAspect="1"/>
           </p:cNvPicPr>
@@ -14286,8 +13456,8 @@
         </p:blipFill>
         <p:spPr>
           <a:xfrm>
-            <a:off x="2691958" y="1337511"/>
-            <a:ext cx="3604572" cy="609653"/>
+            <a:off x="997889" y="2174303"/>
+            <a:ext cx="7141157" cy="1099697"/>
           </a:xfrm>
           <a:prstGeom prst="rect">
             <a:avLst/>
@@ -14296,7 +13466,7 @@
       </p:pic>
       <p:pic>
         <p:nvPicPr>
-          <p:cNvPr id="10" name="图片 9"/>
+          <p:cNvPr id="11" name="图片 10"/>
           <p:cNvPicPr>
             <a:picLocks noChangeAspect="1"/>
           </p:cNvPicPr>
@@ -14310,8 +13480,8 @@
         </p:blipFill>
         <p:spPr>
           <a:xfrm>
-            <a:off x="997889" y="2174303"/>
-            <a:ext cx="7141157" cy="1099697"/>
+            <a:off x="1379153" y="3697334"/>
+            <a:ext cx="3764606" cy="518205"/>
           </a:xfrm>
           <a:prstGeom prst="rect">
             <a:avLst/>
@@ -14320,7 +13490,7 @@
       </p:pic>
       <p:pic>
         <p:nvPicPr>
-          <p:cNvPr id="11" name="图片 10"/>
+          <p:cNvPr id="12" name="图片 11"/>
           <p:cNvPicPr>
             <a:picLocks noChangeAspect="1"/>
           </p:cNvPicPr>
@@ -14334,30 +13504,6 @@
         </p:blipFill>
         <p:spPr>
           <a:xfrm>
-            <a:off x="1379153" y="3697334"/>
-            <a:ext cx="3764606" cy="518205"/>
-          </a:xfrm>
-          <a:prstGeom prst="rect">
-            <a:avLst/>
-          </a:prstGeom>
-        </p:spPr>
-      </p:pic>
-      <p:pic>
-        <p:nvPicPr>
-          <p:cNvPr id="12" name="图片 11"/>
-          <p:cNvPicPr>
-            <a:picLocks noChangeAspect="1"/>
-          </p:cNvPicPr>
-          <p:nvPr/>
-        </p:nvPicPr>
-        <p:blipFill>
-          <a:blip r:embed="rId6"/>
-          <a:stretch>
-            <a:fillRect/>
-          </a:stretch>
-        </p:blipFill>
-        <p:spPr>
-          <a:xfrm>
             <a:off x="1379153" y="4354091"/>
             <a:ext cx="3299746" cy="495343"/>
           </a:xfrm>
@@ -14375,7 +13521,7 @@
           <p:nvPr/>
         </p:nvPicPr>
         <p:blipFill>
-          <a:blip r:embed="rId7"/>
+          <a:blip r:embed="rId6"/>
           <a:stretch>
             <a:fillRect/>
           </a:stretch>
@@ -14428,8 +13574,8 @@
           </a:p>
         </p:txBody>
       </p:sp>
-      <mc:AlternateContent xmlns:mc="http://schemas.openxmlformats.org/markup-compatibility/2006" xmlns:a14="http://schemas.microsoft.com/office/drawing/2010/main">
-        <mc:Choice Requires="a14">
+      <mc:AlternateContent xmlns:mc="http://schemas.openxmlformats.org/markup-compatibility/2006">
+        <mc:Choice xmlns:a14="http://schemas.microsoft.com/office/drawing/2010/main" Requires="a14">
           <p:sp>
             <p:nvSpPr>
               <p:cNvPr id="15" name="矩形 14"/>
@@ -14451,7 +13597,6 @@
               </a:bodyPr>
               <a:lstStyle/>
               <a:p>
-                <a:pPr/>
                 <a14:m>
                   <m:oMathPara xmlns:m="http://schemas.openxmlformats.org/officeDocument/2006/math">
                     <m:oMathParaPr>
@@ -14478,7 +13623,7 @@
             </p:txBody>
           </p:sp>
         </mc:Choice>
-        <mc:Fallback xmlns="">
+        <mc:Fallback>
           <p:sp>
             <p:nvSpPr>
               <p:cNvPr id="15" name="矩形 14"/>
@@ -14495,10 +13640,10 @@
               <a:prstGeom prst="rect">
                 <a:avLst/>
               </a:prstGeom>
-              <a:blipFill rotWithShape="0">
-                <a:blip r:embed="rId8"/>
+              <a:blipFill rotWithShape="1">
+                <a:blip r:embed="rId7"/>
                 <a:stretch>
-                  <a:fillRect/>
+                  <a:fillRect l="-15" t="-73" r="43" b="9"/>
                 </a:stretch>
               </a:blipFill>
             </p:spPr>
@@ -14507,7 +13652,7 @@
               <a:lstStyle/>
               <a:p>
                 <a:r>
-                  <a:rPr lang="zh-CN" altLang="en-US">
+                  <a:rPr lang="en-US" altLang="en-US">
                     <a:noFill/>
                   </a:rPr>
                   <a:t> </a:t>
@@ -14518,11 +13663,6 @@
         </mc:Fallback>
       </mc:AlternateContent>
     </p:spTree>
-    <p:extLst>
-      <p:ext uri="{BB962C8B-B14F-4D97-AF65-F5344CB8AC3E}">
-        <p14:creationId xmlns:p14="http://schemas.microsoft.com/office/powerpoint/2010/main" val="1391665307"/>
-      </p:ext>
-    </p:extLst>
   </p:cSld>
   <p:clrMapOvr>
     <a:masterClrMapping/>
@@ -14641,7 +13781,7 @@
           <p:nvPr/>
         </p:nvPicPr>
         <p:blipFill>
-          <a:blip r:embed="rId2">
+          <a:blip r:embed="rId1">
             <a:extLst>
               <a:ext uri="{28A0092B-C50C-407E-A947-70E740481C1C}">
                 <a14:useLocalDpi xmlns:a14="http://schemas.microsoft.com/office/drawing/2010/main" val="0"/>
@@ -14743,12 +13883,14 @@
               <a:rPr lang="en-US" altLang="zh-CN" dirty="0"/>
               <a:t>H</a:t>
             </a:r>
+            <a:endParaRPr lang="en-US" altLang="zh-CN" dirty="0"/>
           </a:p>
           <a:p>
             <a:r>
               <a:rPr lang="zh-CN" altLang="en-US" dirty="0"/>
               <a:t>步骤：</a:t>
             </a:r>
+            <a:endParaRPr lang="zh-CN" altLang="en-US" dirty="0"/>
           </a:p>
         </p:txBody>
       </p:sp>
@@ -14761,7 +13903,7 @@
           <p:nvPr/>
         </p:nvPicPr>
         <p:blipFill>
-          <a:blip r:embed="rId3"/>
+          <a:blip r:embed="rId2"/>
           <a:stretch>
             <a:fillRect/>
           </a:stretch>
@@ -14790,7 +13932,7 @@
           <p:nvPr/>
         </p:nvPicPr>
         <p:blipFill>
-          <a:blip r:embed="rId4"/>
+          <a:blip r:embed="rId3"/>
           <a:stretch>
             <a:fillRect/>
           </a:stretch>
@@ -14862,7 +14004,7 @@
           <p:nvPr/>
         </p:nvPicPr>
         <p:blipFill>
-          <a:blip r:embed="rId5"/>
+          <a:blip r:embed="rId4"/>
           <a:stretch>
             <a:fillRect/>
           </a:stretch>
@@ -14886,7 +14028,7 @@
           <p:nvPr/>
         </p:nvPicPr>
         <p:blipFill>
-          <a:blip r:embed="rId6"/>
+          <a:blip r:embed="rId5"/>
           <a:stretch>
             <a:fillRect/>
           </a:stretch>
@@ -14902,11 +14044,6 @@
         </p:spPr>
       </p:pic>
     </p:spTree>
-    <p:extLst>
-      <p:ext uri="{BB962C8B-B14F-4D97-AF65-F5344CB8AC3E}">
-        <p14:creationId xmlns:p14="http://schemas.microsoft.com/office/powerpoint/2010/main" val="1919153086"/>
-      </p:ext>
-    </p:extLst>
   </p:cSld>
   <p:clrMapOvr>
     <a:masterClrMapping/>
@@ -15025,7 +14162,7 @@
           <p:nvPr/>
         </p:nvPicPr>
         <p:blipFill>
-          <a:blip r:embed="rId2">
+          <a:blip r:embed="rId1">
             <a:extLst>
               <a:ext uri="{28A0092B-C50C-407E-A947-70E740481C1C}">
                 <a14:useLocalDpi xmlns:a14="http://schemas.microsoft.com/office/drawing/2010/main" val="0"/>
@@ -15214,11 +14351,12 @@
               <a:rPr lang="zh-CN" altLang="en-US" dirty="0"/>
               <a:t>若太大，则增加近似范围</a:t>
             </a:r>
+            <a:endParaRPr lang="zh-CN" altLang="en-US" dirty="0"/>
           </a:p>
         </p:txBody>
       </p:sp>
-      <mc:AlternateContent xmlns:mc="http://schemas.openxmlformats.org/markup-compatibility/2006" xmlns:a14="http://schemas.microsoft.com/office/drawing/2010/main">
-        <mc:Choice Requires="a14">
+      <mc:AlternateContent xmlns:mc="http://schemas.openxmlformats.org/markup-compatibility/2006">
+        <mc:Choice xmlns:a14="http://schemas.microsoft.com/office/drawing/2010/main" Requires="a14">
           <p:sp>
             <p:nvSpPr>
               <p:cNvPr id="8" name="矩形 7"/>
@@ -15240,7 +14378,6 @@
               </a:bodyPr>
               <a:lstStyle/>
               <a:p>
-                <a:pPr/>
                 <a14:m>
                   <m:oMathPara xmlns:m="http://schemas.openxmlformats.org/officeDocument/2006/math">
                     <m:oMathParaPr>
@@ -15305,7 +14442,13 @@
                             <a:rPr lang="zh-CN" altLang="en-US" i="0">
                               <a:latin typeface="Cambria Math" panose="02040503050406030204" pitchFamily="18" charset="0"/>
                             </a:rPr>
-                            <m:t>−1</m:t>
+                            <m:t>−</m:t>
+                          </m:r>
+                          <m:r>
+                            <a:rPr lang="zh-CN" altLang="en-US" i="0">
+                              <a:latin typeface="Cambria Math" panose="02040503050406030204" pitchFamily="18" charset="0"/>
+                            </a:rPr>
+                            <m:t>1</m:t>
                           </m:r>
                         </m:sup>
                       </m:sSup>
@@ -15323,7 +14466,7 @@
             </p:txBody>
           </p:sp>
         </mc:Choice>
-        <mc:Fallback xmlns="">
+        <mc:Fallback>
           <p:sp>
             <p:nvSpPr>
               <p:cNvPr id="8" name="矩形 7"/>
@@ -15340,10 +14483,10 @@
               <a:prstGeom prst="rect">
                 <a:avLst/>
               </a:prstGeom>
-              <a:blipFill rotWithShape="0">
-                <a:blip r:embed="rId3"/>
+              <a:blipFill rotWithShape="1">
+                <a:blip r:embed="rId2"/>
                 <a:stretch>
-                  <a:fillRect b="-6557"/>
+                  <a:fillRect l="-18" t="-81" r="-8933" b="17"/>
                 </a:stretch>
               </a:blipFill>
             </p:spPr>
@@ -15352,7 +14495,7 @@
               <a:lstStyle/>
               <a:p>
                 <a:r>
-                  <a:rPr lang="zh-CN" altLang="en-US">
+                  <a:rPr lang="en-US" altLang="en-US">
                     <a:noFill/>
                   </a:rPr>
                   <a:t> </a:t>
@@ -15371,7 +14514,7 @@
           <p:nvPr/>
         </p:nvPicPr>
         <p:blipFill>
-          <a:blip r:embed="rId4"/>
+          <a:blip r:embed="rId3"/>
           <a:stretch>
             <a:fillRect/>
           </a:stretch>
@@ -15420,15 +14563,11 @@
               <a:rPr lang="zh-CN" altLang="en-US" dirty="0"/>
               <a:t>近似下降</a:t>
             </a:r>
+            <a:endParaRPr lang="zh-CN" altLang="en-US" dirty="0"/>
           </a:p>
         </p:txBody>
       </p:sp>
     </p:spTree>
-    <p:extLst>
-      <p:ext uri="{BB962C8B-B14F-4D97-AF65-F5344CB8AC3E}">
-        <p14:creationId xmlns:p14="http://schemas.microsoft.com/office/powerpoint/2010/main" val="752917236"/>
-      </p:ext>
-    </p:extLst>
   </p:cSld>
   <p:clrMapOvr>
     <a:masterClrMapping/>
@@ -15547,7 +14686,7 @@
           <p:nvPr/>
         </p:nvPicPr>
         <p:blipFill>
-          <a:blip r:embed="rId2">
+          <a:blip r:embed="rId1">
             <a:extLst>
               <a:ext uri="{28A0092B-C50C-407E-A947-70E740481C1C}">
                 <a14:useLocalDpi xmlns:a14="http://schemas.microsoft.com/office/drawing/2010/main" val="0"/>
@@ -15641,6 +14780,7 @@
               <a:rPr lang="zh-CN" altLang="en-US" dirty="0"/>
               <a:t>：</a:t>
             </a:r>
+            <a:endParaRPr lang="zh-CN" altLang="en-US" dirty="0"/>
           </a:p>
         </p:txBody>
       </p:sp>
@@ -15653,7 +14793,7 @@
           <p:nvPr/>
         </p:nvPicPr>
         <p:blipFill>
-          <a:blip r:embed="rId3"/>
+          <a:blip r:embed="rId2"/>
           <a:stretch>
             <a:fillRect/>
           </a:stretch>
@@ -15669,11 +14809,6 @@
         </p:spPr>
       </p:pic>
     </p:spTree>
-    <p:extLst>
-      <p:ext uri="{BB962C8B-B14F-4D97-AF65-F5344CB8AC3E}">
-        <p14:creationId xmlns:p14="http://schemas.microsoft.com/office/powerpoint/2010/main" val="1490297538"/>
-      </p:ext>
-    </p:extLst>
   </p:cSld>
   <p:clrMapOvr>
     <a:masterClrMapping/>
@@ -15792,7 +14927,7 @@
           <p:nvPr/>
         </p:nvPicPr>
         <p:blipFill>
-          <a:blip r:embed="rId2">
+          <a:blip r:embed="rId1">
             <a:extLst>
               <a:ext uri="{28A0092B-C50C-407E-A947-70E740481C1C}">
                 <a14:useLocalDpi xmlns:a14="http://schemas.microsoft.com/office/drawing/2010/main" val="0"/>
@@ -15937,12 +15072,37 @@
               <a:rPr lang="zh-CN" altLang="en-US" dirty="0"/>
               <a:t>，则：</a:t>
             </a:r>
+            <a:endParaRPr lang="zh-CN" altLang="en-US" dirty="0"/>
           </a:p>
         </p:txBody>
       </p:sp>
       <p:pic>
         <p:nvPicPr>
           <p:cNvPr id="8" name="图片 7"/>
+          <p:cNvPicPr>
+            <a:picLocks noChangeAspect="1"/>
+          </p:cNvPicPr>
+          <p:nvPr/>
+        </p:nvPicPr>
+        <p:blipFill>
+          <a:blip r:embed="rId2"/>
+          <a:stretch>
+            <a:fillRect/>
+          </a:stretch>
+        </p:blipFill>
+        <p:spPr>
+          <a:xfrm>
+            <a:off x="2647553" y="1746468"/>
+            <a:ext cx="4503810" cy="754445"/>
+          </a:xfrm>
+          <a:prstGeom prst="rect">
+            <a:avLst/>
+          </a:prstGeom>
+        </p:spPr>
+      </p:pic>
+      <p:pic>
+        <p:nvPicPr>
+          <p:cNvPr id="9" name="图片 8"/>
           <p:cNvPicPr>
             <a:picLocks noChangeAspect="1"/>
           </p:cNvPicPr>
@@ -15956,8 +15116,8 @@
         </p:blipFill>
         <p:spPr>
           <a:xfrm>
-            <a:off x="2647553" y="1746468"/>
-            <a:ext cx="4503810" cy="754445"/>
+            <a:off x="4296876" y="2500913"/>
+            <a:ext cx="2484335" cy="487722"/>
           </a:xfrm>
           <a:prstGeom prst="rect">
             <a:avLst/>
@@ -15966,7 +15126,7 @@
       </p:pic>
       <p:pic>
         <p:nvPicPr>
-          <p:cNvPr id="9" name="图片 8"/>
+          <p:cNvPr id="10" name="图片 9"/>
           <p:cNvPicPr>
             <a:picLocks noChangeAspect="1"/>
           </p:cNvPicPr>
@@ -15980,44 +15140,15 @@
         </p:blipFill>
         <p:spPr>
           <a:xfrm>
-            <a:off x="4296876" y="2500913"/>
-            <a:ext cx="2484335" cy="487722"/>
+            <a:off x="4588542" y="3283901"/>
+            <a:ext cx="2126164" cy="457240"/>
           </a:xfrm>
           <a:prstGeom prst="rect">
             <a:avLst/>
           </a:prstGeom>
         </p:spPr>
       </p:pic>
-      <p:pic>
-        <p:nvPicPr>
-          <p:cNvPr id="10" name="图片 9"/>
-          <p:cNvPicPr>
-            <a:picLocks noChangeAspect="1"/>
-          </p:cNvPicPr>
-          <p:nvPr/>
-        </p:nvPicPr>
-        <p:blipFill>
-          <a:blip r:embed="rId5"/>
-          <a:stretch>
-            <a:fillRect/>
-          </a:stretch>
-        </p:blipFill>
-        <p:spPr>
-          <a:xfrm>
-            <a:off x="4588542" y="3283901"/>
-            <a:ext cx="2126164" cy="457240"/>
-          </a:xfrm>
-          <a:prstGeom prst="rect">
-            <a:avLst/>
-          </a:prstGeom>
-        </p:spPr>
-      </p:pic>
     </p:spTree>
-    <p:extLst>
-      <p:ext uri="{BB962C8B-B14F-4D97-AF65-F5344CB8AC3E}">
-        <p14:creationId xmlns:p14="http://schemas.microsoft.com/office/powerpoint/2010/main" val="769279067"/>
-      </p:ext>
-    </p:extLst>
   </p:cSld>
   <p:clrMapOvr>
     <a:masterClrMapping/>
@@ -16136,7 +15267,7 @@
           <p:nvPr/>
         </p:nvPicPr>
         <p:blipFill>
-          <a:blip r:embed="rId2">
+          <a:blip r:embed="rId1">
             <a:extLst>
               <a:ext uri="{28A0092B-C50C-407E-A947-70E740481C1C}">
                 <a14:useLocalDpi xmlns:a14="http://schemas.microsoft.com/office/drawing/2010/main" val="0"/>
@@ -16273,7 +15404,7 @@
           <p:nvPr/>
         </p:nvPicPr>
         <p:blipFill>
-          <a:blip r:embed="rId3"/>
+          <a:blip r:embed="rId2"/>
           <a:stretch>
             <a:fillRect/>
           </a:stretch>
@@ -16293,8 +15424,8 @@
           </a:ln>
         </p:spPr>
       </p:pic>
-      <mc:AlternateContent xmlns:mc="http://schemas.openxmlformats.org/markup-compatibility/2006" xmlns:a14="http://schemas.microsoft.com/office/drawing/2010/main">
-        <mc:Choice Requires="a14">
+      <mc:AlternateContent xmlns:mc="http://schemas.openxmlformats.org/markup-compatibility/2006">
+        <mc:Choice xmlns:a14="http://schemas.microsoft.com/office/drawing/2010/main" Requires="a14">
           <p:sp>
             <p:nvSpPr>
               <p:cNvPr id="9" name="矩形 8"/>
@@ -16316,7 +15447,6 @@
               </a:bodyPr>
               <a:lstStyle/>
               <a:p>
-                <a:pPr/>
                 <a14:m>
                   <m:oMathPara xmlns:m="http://schemas.openxmlformats.org/officeDocument/2006/math">
                     <m:oMathParaPr>
@@ -16337,7 +15467,7 @@
             </p:txBody>
           </p:sp>
         </mc:Choice>
-        <mc:Fallback xmlns="">
+        <mc:Fallback>
           <p:sp>
             <p:nvSpPr>
               <p:cNvPr id="9" name="矩形 8"/>
@@ -16354,10 +15484,10 @@
               <a:prstGeom prst="rect">
                 <a:avLst/>
               </a:prstGeom>
-              <a:blipFill rotWithShape="0">
-                <a:blip r:embed="rId4"/>
+              <a:blipFill rotWithShape="1">
+                <a:blip r:embed="rId3"/>
                 <a:stretch>
-                  <a:fillRect/>
+                  <a:fillRect l="-86" r="134" b="107"/>
                 </a:stretch>
               </a:blipFill>
             </p:spPr>
@@ -16366,7 +15496,7 @@
               <a:lstStyle/>
               <a:p>
                 <a:r>
-                  <a:rPr lang="zh-CN" altLang="en-US">
+                  <a:rPr lang="en-US" altLang="en-US">
                     <a:noFill/>
                   </a:rPr>
                   <a:t> </a:t>
@@ -16377,11 +15507,6 @@
         </mc:Fallback>
       </mc:AlternateContent>
     </p:spTree>
-    <p:extLst>
-      <p:ext uri="{BB962C8B-B14F-4D97-AF65-F5344CB8AC3E}">
-        <p14:creationId xmlns:p14="http://schemas.microsoft.com/office/powerpoint/2010/main" val="597922912"/>
-      </p:ext>
-    </p:extLst>
   </p:cSld>
   <p:clrMapOvr>
     <a:masterClrMapping/>
@@ -16444,6 +15569,9 @@
               </a:rPr>
               <a:t> 针孔相机模型</a:t>
             </a:r>
+            <a:endParaRPr kumimoji="1" lang="zh-CN" altLang="en-US" dirty="0">
+              <a:latin typeface="+mj-ea"/>
+            </a:endParaRPr>
           </a:p>
         </p:txBody>
       </p:sp>
@@ -16517,11 +15645,6 @@
         </p:txBody>
       </p:sp>
     </p:spTree>
-    <p:extLst>
-      <p:ext uri="{BB962C8B-B14F-4D97-AF65-F5344CB8AC3E}">
-        <p14:creationId xmlns:p14="http://schemas.microsoft.com/office/powerpoint/2010/main" val="747970623"/>
-      </p:ext>
-    </p:extLst>
   </p:cSld>
   <p:clrMapOvr>
     <a:masterClrMapping/>
@@ -16640,7 +15763,7 @@
           <p:nvPr/>
         </p:nvPicPr>
         <p:blipFill>
-          <a:blip r:embed="rId2">
+          <a:blip r:embed="rId1">
             <a:extLst>
               <a:ext uri="{28A0092B-C50C-407E-A947-70E740481C1C}">
                 <a14:useLocalDpi xmlns:a14="http://schemas.microsoft.com/office/drawing/2010/main" val="0"/>
@@ -16798,15 +15921,11 @@
               <a:rPr lang="zh-CN" altLang="en-US" dirty="0"/>
               <a:t>问题凸时，二阶方法通常一两步就能收敛</a:t>
             </a:r>
+            <a:endParaRPr lang="zh-CN" altLang="en-US" dirty="0"/>
           </a:p>
         </p:txBody>
       </p:sp>
     </p:spTree>
-    <p:extLst>
-      <p:ext uri="{BB962C8B-B14F-4D97-AF65-F5344CB8AC3E}">
-        <p14:creationId xmlns:p14="http://schemas.microsoft.com/office/powerpoint/2010/main" val="851325668"/>
-      </p:ext>
-    </p:extLst>
   </p:cSld>
   <p:clrMapOvr>
     <a:masterClrMapping/>
@@ -16975,11 +16094,6 @@
         </p:txBody>
       </p:sp>
     </p:spTree>
-    <p:extLst>
-      <p:ext uri="{BB962C8B-B14F-4D97-AF65-F5344CB8AC3E}">
-        <p14:creationId xmlns:p14="http://schemas.microsoft.com/office/powerpoint/2010/main" val="1977591837"/>
-      </p:ext>
-    </p:extLst>
   </p:cSld>
   <p:clrMapOvr>
     <a:masterClrMapping/>
@@ -17098,7 +16212,7 @@
           <p:nvPr/>
         </p:nvPicPr>
         <p:blipFill>
-          <a:blip r:embed="rId2">
+          <a:blip r:embed="rId1">
             <a:extLst>
               <a:ext uri="{28A0092B-C50C-407E-A947-70E740481C1C}">
                 <a14:useLocalDpi xmlns:a14="http://schemas.microsoft.com/office/drawing/2010/main" val="0"/>
@@ -17184,6 +16298,7 @@
               <a:rPr lang="en-US" altLang="zh-CN" dirty="0"/>
               <a:t>Google Ceres Solver</a:t>
             </a:r>
+            <a:endParaRPr lang="en-US" altLang="zh-CN" dirty="0"/>
           </a:p>
           <a:p>
             <a:pPr lvl="1"/>
@@ -17302,7 +16417,7 @@
           <p:nvPr/>
         </p:nvPicPr>
         <p:blipFill>
-          <a:blip r:embed="rId3"/>
+          <a:blip r:embed="rId2"/>
           <a:stretch>
             <a:fillRect/>
           </a:stretch>
@@ -17318,11 +16433,6 @@
         </p:spPr>
       </p:pic>
     </p:spTree>
-    <p:extLst>
-      <p:ext uri="{BB962C8B-B14F-4D97-AF65-F5344CB8AC3E}">
-        <p14:creationId xmlns:p14="http://schemas.microsoft.com/office/powerpoint/2010/main" val="753096120"/>
-      </p:ext>
-    </p:extLst>
   </p:cSld>
   <p:clrMapOvr>
     <a:masterClrMapping/>
@@ -17441,7 +16551,7 @@
           <p:nvPr/>
         </p:nvPicPr>
         <p:blipFill>
-          <a:blip r:embed="rId2">
+          <a:blip r:embed="rId1">
             <a:extLst>
               <a:ext uri="{28A0092B-C50C-407E-A947-70E740481C1C}">
                 <a14:useLocalDpi xmlns:a14="http://schemas.microsoft.com/office/drawing/2010/main" val="0"/>
@@ -17545,6 +16655,7 @@
               <a:rPr lang="en-US" altLang="zh-CN" dirty="0"/>
               <a:t>x, y </a:t>
             </a:r>
+            <a:endParaRPr lang="en-US" altLang="zh-CN" dirty="0"/>
           </a:p>
           <a:p>
             <a:r>
@@ -17562,6 +16673,30 @@
       <p:pic>
         <p:nvPicPr>
           <p:cNvPr id="8" name="图片 7"/>
+          <p:cNvPicPr>
+            <a:picLocks noChangeAspect="1"/>
+          </p:cNvPicPr>
+          <p:nvPr/>
+        </p:nvPicPr>
+        <p:blipFill>
+          <a:blip r:embed="rId2"/>
+          <a:stretch>
+            <a:fillRect/>
+          </a:stretch>
+        </p:blipFill>
+        <p:spPr>
+          <a:xfrm>
+            <a:off x="2375076" y="1553989"/>
+            <a:ext cx="2880610" cy="487722"/>
+          </a:xfrm>
+          <a:prstGeom prst="rect">
+            <a:avLst/>
+          </a:prstGeom>
+        </p:spPr>
+      </p:pic>
+      <p:pic>
+        <p:nvPicPr>
+          <p:cNvPr id="9" name="图片 8"/>
           <p:cNvPicPr>
             <a:picLocks noChangeAspect="1"/>
           </p:cNvPicPr>
@@ -17575,44 +16710,15 @@
         </p:blipFill>
         <p:spPr>
           <a:xfrm>
-            <a:off x="2375076" y="1553989"/>
-            <a:ext cx="2880610" cy="487722"/>
+            <a:off x="5143759" y="2127976"/>
+            <a:ext cx="3838677" cy="2876626"/>
           </a:xfrm>
           <a:prstGeom prst="rect">
             <a:avLst/>
           </a:prstGeom>
         </p:spPr>
       </p:pic>
-      <p:pic>
-        <p:nvPicPr>
-          <p:cNvPr id="9" name="图片 8"/>
-          <p:cNvPicPr>
-            <a:picLocks noChangeAspect="1"/>
-          </p:cNvPicPr>
-          <p:nvPr/>
-        </p:nvPicPr>
-        <p:blipFill>
-          <a:blip r:embed="rId4"/>
-          <a:stretch>
-            <a:fillRect/>
-          </a:stretch>
-        </p:blipFill>
-        <p:spPr>
-          <a:xfrm>
-            <a:off x="5143759" y="2127976"/>
-            <a:ext cx="3838677" cy="2876626"/>
-          </a:xfrm>
-          <a:prstGeom prst="rect">
-            <a:avLst/>
-          </a:prstGeom>
-        </p:spPr>
-      </p:pic>
     </p:spTree>
-    <p:extLst>
-      <p:ext uri="{BB962C8B-B14F-4D97-AF65-F5344CB8AC3E}">
-        <p14:creationId xmlns:p14="http://schemas.microsoft.com/office/powerpoint/2010/main" val="1694445762"/>
-      </p:ext>
-    </p:extLst>
   </p:cSld>
   <p:clrMapOvr>
     <a:masterClrMapping/>
@@ -17731,7 +16837,7 @@
           <p:nvPr/>
         </p:nvPicPr>
         <p:blipFill>
-          <a:blip r:embed="rId2">
+          <a:blip r:embed="rId1">
             <a:extLst>
               <a:ext uri="{28A0092B-C50C-407E-A947-70E740481C1C}">
                 <a14:useLocalDpi xmlns:a14="http://schemas.microsoft.com/office/drawing/2010/main" val="0"/>
@@ -17821,12 +16927,37 @@
               <a:rPr lang="zh-CN" altLang="en-US" dirty="0"/>
               <a:t>中以图模型表达上述最小二乘问题</a:t>
             </a:r>
+            <a:endParaRPr lang="zh-CN" altLang="en-US" dirty="0"/>
           </a:p>
         </p:txBody>
       </p:sp>
       <p:pic>
         <p:nvPicPr>
           <p:cNvPr id="11" name="图片 10"/>
+          <p:cNvPicPr>
+            <a:picLocks noChangeAspect="1"/>
+          </p:cNvPicPr>
+          <p:nvPr/>
+        </p:nvPicPr>
+        <p:blipFill>
+          <a:blip r:embed="rId2"/>
+          <a:stretch>
+            <a:fillRect/>
+          </a:stretch>
+        </p:blipFill>
+        <p:spPr>
+          <a:xfrm>
+            <a:off x="428349" y="1923898"/>
+            <a:ext cx="3269132" cy="1836941"/>
+          </a:xfrm>
+          <a:prstGeom prst="rect">
+            <a:avLst/>
+          </a:prstGeom>
+        </p:spPr>
+      </p:pic>
+      <p:pic>
+        <p:nvPicPr>
+          <p:cNvPr id="12" name="图片 11"/>
           <p:cNvPicPr>
             <a:picLocks noChangeAspect="1"/>
           </p:cNvPicPr>
@@ -17840,30 +16971,6 @@
         </p:blipFill>
         <p:spPr>
           <a:xfrm>
-            <a:off x="428349" y="1923898"/>
-            <a:ext cx="3269132" cy="1836941"/>
-          </a:xfrm>
-          <a:prstGeom prst="rect">
-            <a:avLst/>
-          </a:prstGeom>
-        </p:spPr>
-      </p:pic>
-      <p:pic>
-        <p:nvPicPr>
-          <p:cNvPr id="12" name="图片 11"/>
-          <p:cNvPicPr>
-            <a:picLocks noChangeAspect="1"/>
-          </p:cNvPicPr>
-          <p:nvPr/>
-        </p:nvPicPr>
-        <p:blipFill>
-          <a:blip r:embed="rId4"/>
-          <a:stretch>
-            <a:fillRect/>
-          </a:stretch>
-        </p:blipFill>
-        <p:spPr>
-          <a:xfrm>
             <a:off x="4240161" y="1994866"/>
             <a:ext cx="3945194" cy="2138475"/>
           </a:xfrm>
@@ -17898,15 +17005,11 @@
               <a:rPr lang="zh-CN" altLang="en-US" dirty="0"/>
               <a:t>曲线拟合实验</a:t>
             </a:r>
+            <a:endParaRPr lang="zh-CN" altLang="en-US" dirty="0"/>
           </a:p>
         </p:txBody>
       </p:sp>
     </p:spTree>
-    <p:extLst>
-      <p:ext uri="{BB962C8B-B14F-4D97-AF65-F5344CB8AC3E}">
-        <p14:creationId xmlns:p14="http://schemas.microsoft.com/office/powerpoint/2010/main" val="1647237695"/>
-      </p:ext>
-    </p:extLst>
   </p:cSld>
   <p:clrMapOvr>
     <a:masterClrMapping/>
@@ -18025,7 +17128,7 @@
           <p:nvPr/>
         </p:nvPicPr>
         <p:blipFill>
-          <a:blip r:embed="rId2">
+          <a:blip r:embed="rId1">
             <a:extLst>
               <a:ext uri="{28A0092B-C50C-407E-A947-70E740481C1C}">
                 <a14:useLocalDpi xmlns:a14="http://schemas.microsoft.com/office/drawing/2010/main" val="0"/>
@@ -18116,7 +17219,7 @@
               <a:spcBef>
                 <a:spcPts val="750"/>
               </a:spcBef>
-              <a:buFont typeface="Arial" panose="020B0604020202020204" pitchFamily="34" charset="0"/>
+              <a:buFont typeface="Arial" panose="02080604020202020204" pitchFamily="34" charset="0"/>
               <a:buChar char="•"/>
               <a:defRPr sz="2100" kern="1200">
                 <a:solidFill>
@@ -18134,7 +17237,7 @@
               <a:spcBef>
                 <a:spcPts val="375"/>
               </a:spcBef>
-              <a:buFont typeface="Arial" panose="020B0604020202020204" pitchFamily="34" charset="0"/>
+              <a:buFont typeface="Arial" panose="02080604020202020204" pitchFamily="34" charset="0"/>
               <a:buChar char="•"/>
               <a:defRPr sz="1800" kern="1200">
                 <a:solidFill>
@@ -18152,7 +17255,7 @@
               <a:spcBef>
                 <a:spcPts val="375"/>
               </a:spcBef>
-              <a:buFont typeface="Arial" panose="020B0604020202020204" pitchFamily="34" charset="0"/>
+              <a:buFont typeface="Arial" panose="02080604020202020204" pitchFamily="34" charset="0"/>
               <a:buChar char="•"/>
               <a:defRPr sz="1500" kern="1200">
                 <a:solidFill>
@@ -18170,7 +17273,7 @@
               <a:spcBef>
                 <a:spcPts val="375"/>
               </a:spcBef>
-              <a:buFont typeface="Arial" panose="020B0604020202020204" pitchFamily="34" charset="0"/>
+              <a:buFont typeface="Arial" panose="02080604020202020204" pitchFamily="34" charset="0"/>
               <a:buChar char="•"/>
               <a:defRPr sz="1350" kern="1200">
                 <a:solidFill>
@@ -18188,7 +17291,7 @@
               <a:spcBef>
                 <a:spcPts val="375"/>
               </a:spcBef>
-              <a:buFont typeface="Arial" panose="020B0604020202020204" pitchFamily="34" charset="0"/>
+              <a:buFont typeface="Arial" panose="02080604020202020204" pitchFamily="34" charset="0"/>
               <a:buChar char="•"/>
               <a:defRPr sz="1350" kern="1200">
                 <a:solidFill>
@@ -18206,7 +17309,7 @@
               <a:spcBef>
                 <a:spcPts val="375"/>
               </a:spcBef>
-              <a:buFont typeface="Arial" panose="020B0604020202020204" pitchFamily="34" charset="0"/>
+              <a:buFont typeface="Arial" panose="02080604020202020204" pitchFamily="34" charset="0"/>
               <a:buChar char="•"/>
               <a:defRPr sz="1350" kern="1200">
                 <a:solidFill>
@@ -18224,7 +17327,7 @@
               <a:spcBef>
                 <a:spcPts val="375"/>
               </a:spcBef>
-              <a:buFont typeface="Arial" panose="020B0604020202020204" pitchFamily="34" charset="0"/>
+              <a:buFont typeface="Arial" panose="02080604020202020204" pitchFamily="34" charset="0"/>
               <a:buChar char="•"/>
               <a:defRPr sz="1350" kern="1200">
                 <a:solidFill>
@@ -18242,7 +17345,7 @@
               <a:spcBef>
                 <a:spcPts val="375"/>
               </a:spcBef>
-              <a:buFont typeface="Arial" panose="020B0604020202020204" pitchFamily="34" charset="0"/>
+              <a:buFont typeface="Arial" panose="02080604020202020204" pitchFamily="34" charset="0"/>
               <a:buChar char="•"/>
               <a:defRPr sz="1350" kern="1200">
                 <a:solidFill>
@@ -18260,7 +17363,7 @@
               <a:spcBef>
                 <a:spcPts val="375"/>
               </a:spcBef>
-              <a:buFont typeface="Arial" panose="020B0604020202020204" pitchFamily="34" charset="0"/>
+              <a:buFont typeface="Arial" panose="02080604020202020204" pitchFamily="34" charset="0"/>
               <a:buChar char="•"/>
               <a:defRPr sz="1350" kern="1200">
                 <a:solidFill>
@@ -18292,6 +17395,10 @@
               </a:rPr>
               <a:t>现实生活中存在大量的照片</a:t>
             </a:r>
+            <a:endParaRPr lang="zh-CN" altLang="en-US" sz="2000" dirty="0">
+              <a:latin typeface="黑体" panose="02010609060101010101" pitchFamily="49" charset="-122"/>
+              <a:ea typeface="黑体" panose="02010609060101010101" pitchFamily="49" charset="-122"/>
+            </a:endParaRPr>
           </a:p>
           <a:p>
             <a:pPr marL="857250" lvl="1" indent="-514350" defTabSz="914400">
@@ -18313,6 +17420,10 @@
               </a:rPr>
               <a:t>照片记录了真实世界在成像平面上的投影</a:t>
             </a:r>
+            <a:endParaRPr lang="zh-CN" altLang="en-US" sz="2000" dirty="0">
+              <a:latin typeface="黑体" panose="02010609060101010101" pitchFamily="49" charset="-122"/>
+              <a:ea typeface="黑体" panose="02010609060101010101" pitchFamily="49" charset="-122"/>
+            </a:endParaRPr>
           </a:p>
           <a:p>
             <a:pPr marL="857250" lvl="1" indent="-514350" defTabSz="914400">
@@ -18334,6 +17445,10 @@
               </a:rPr>
               <a:t>这个过程丢弃了“距离”维度上的信息</a:t>
             </a:r>
+            <a:endParaRPr lang="zh-CN" altLang="en-US" sz="2000" dirty="0">
+              <a:latin typeface="黑体" panose="02010609060101010101" pitchFamily="49" charset="-122"/>
+              <a:ea typeface="黑体" panose="02010609060101010101" pitchFamily="49" charset="-122"/>
+            </a:endParaRPr>
           </a:p>
           <a:p>
             <a:pPr marL="857250" lvl="1" indent="-514350" defTabSz="914400">
@@ -18355,6 +17470,10 @@
               </a:rPr>
               <a:t>普通相机可以用针孔模型很好地近似</a:t>
             </a:r>
+            <a:endParaRPr lang="zh-CN" altLang="en-US" sz="2000" dirty="0">
+              <a:latin typeface="黑体" panose="02010609060101010101" pitchFamily="49" charset="-122"/>
+              <a:ea typeface="黑体" panose="02010609060101010101" pitchFamily="49" charset="-122"/>
+            </a:endParaRPr>
           </a:p>
           <a:p>
             <a:pPr marL="514350" indent="-514350" defTabSz="914400">
@@ -18385,7 +17504,7 @@
           <p:nvPr/>
         </p:nvPicPr>
         <p:blipFill>
-          <a:blip r:embed="rId3"/>
+          <a:blip r:embed="rId2"/>
           <a:stretch>
             <a:fillRect/>
           </a:stretch>
@@ -18401,11 +17520,6 @@
         </p:spPr>
       </p:pic>
     </p:spTree>
-    <p:extLst>
-      <p:ext uri="{BB962C8B-B14F-4D97-AF65-F5344CB8AC3E}">
-        <p14:creationId xmlns:p14="http://schemas.microsoft.com/office/powerpoint/2010/main" val="1748304363"/>
-      </p:ext>
-    </p:extLst>
   </p:cSld>
   <p:clrMapOvr>
     <a:masterClrMapping/>
@@ -18524,7 +17638,7 @@
           <p:nvPr/>
         </p:nvPicPr>
         <p:blipFill>
-          <a:blip r:embed="rId3">
+          <a:blip r:embed="rId1">
             <a:extLst>
               <a:ext uri="{28A0092B-C50C-407E-A947-70E740481C1C}">
                 <a14:useLocalDpi xmlns:a14="http://schemas.microsoft.com/office/drawing/2010/main" val="0"/>
@@ -18615,7 +17729,7 @@
               <a:spcBef>
                 <a:spcPts val="750"/>
               </a:spcBef>
-              <a:buFont typeface="Arial" panose="020B0604020202020204" pitchFamily="34" charset="0"/>
+              <a:buFont typeface="Arial" panose="02080604020202020204" pitchFamily="34" charset="0"/>
               <a:buChar char="•"/>
               <a:defRPr sz="2100" kern="1200">
                 <a:solidFill>
@@ -18633,7 +17747,7 @@
               <a:spcBef>
                 <a:spcPts val="375"/>
               </a:spcBef>
-              <a:buFont typeface="Arial" panose="020B0604020202020204" pitchFamily="34" charset="0"/>
+              <a:buFont typeface="Arial" panose="02080604020202020204" pitchFamily="34" charset="0"/>
               <a:buChar char="•"/>
               <a:defRPr sz="1800" kern="1200">
                 <a:solidFill>
@@ -18651,7 +17765,7 @@
               <a:spcBef>
                 <a:spcPts val="375"/>
               </a:spcBef>
-              <a:buFont typeface="Arial" panose="020B0604020202020204" pitchFamily="34" charset="0"/>
+              <a:buFont typeface="Arial" panose="02080604020202020204" pitchFamily="34" charset="0"/>
               <a:buChar char="•"/>
               <a:defRPr sz="1500" kern="1200">
                 <a:solidFill>
@@ -18669,7 +17783,7 @@
               <a:spcBef>
                 <a:spcPts val="375"/>
               </a:spcBef>
-              <a:buFont typeface="Arial" panose="020B0604020202020204" pitchFamily="34" charset="0"/>
+              <a:buFont typeface="Arial" panose="02080604020202020204" pitchFamily="34" charset="0"/>
               <a:buChar char="•"/>
               <a:defRPr sz="1350" kern="1200">
                 <a:solidFill>
@@ -18687,7 +17801,7 @@
               <a:spcBef>
                 <a:spcPts val="375"/>
               </a:spcBef>
-              <a:buFont typeface="Arial" panose="020B0604020202020204" pitchFamily="34" charset="0"/>
+              <a:buFont typeface="Arial" panose="02080604020202020204" pitchFamily="34" charset="0"/>
               <a:buChar char="•"/>
               <a:defRPr sz="1350" kern="1200">
                 <a:solidFill>
@@ -18705,7 +17819,7 @@
               <a:spcBef>
                 <a:spcPts val="375"/>
               </a:spcBef>
-              <a:buFont typeface="Arial" panose="020B0604020202020204" pitchFamily="34" charset="0"/>
+              <a:buFont typeface="Arial" panose="02080604020202020204" pitchFamily="34" charset="0"/>
               <a:buChar char="•"/>
               <a:defRPr sz="1350" kern="1200">
                 <a:solidFill>
@@ -18723,7 +17837,7 @@
               <a:spcBef>
                 <a:spcPts val="375"/>
               </a:spcBef>
-              <a:buFont typeface="Arial" panose="020B0604020202020204" pitchFamily="34" charset="0"/>
+              <a:buFont typeface="Arial" panose="02080604020202020204" pitchFamily="34" charset="0"/>
               <a:buChar char="•"/>
               <a:defRPr sz="1350" kern="1200">
                 <a:solidFill>
@@ -18741,7 +17855,7 @@
               <a:spcBef>
                 <a:spcPts val="375"/>
               </a:spcBef>
-              <a:buFont typeface="Arial" panose="020B0604020202020204" pitchFamily="34" charset="0"/>
+              <a:buFont typeface="Arial" panose="02080604020202020204" pitchFamily="34" charset="0"/>
               <a:buChar char="•"/>
               <a:defRPr sz="1350" kern="1200">
                 <a:solidFill>
@@ -18759,7 +17873,7 @@
               <a:spcBef>
                 <a:spcPts val="375"/>
               </a:spcBef>
-              <a:buFont typeface="Arial" panose="020B0604020202020204" pitchFamily="34" charset="0"/>
+              <a:buFont typeface="Arial" panose="02080604020202020204" pitchFamily="34" charset="0"/>
               <a:buChar char="•"/>
               <a:defRPr sz="1350" kern="1200">
                 <a:solidFill>
@@ -18807,7 +17921,7 @@
           <p:nvPr/>
         </p:nvPicPr>
         <p:blipFill>
-          <a:blip r:embed="rId4"/>
+          <a:blip r:embed="rId2"/>
           <a:stretch>
             <a:fillRect/>
           </a:stretch>
@@ -18836,7 +17950,7 @@
           <p:nvPr/>
         </p:nvPicPr>
         <p:blipFill>
-          <a:blip r:embed="rId5"/>
+          <a:blip r:embed="rId3"/>
           <a:stretch>
             <a:fillRect/>
           </a:stretch>
@@ -18877,6 +17991,7 @@
               <a:rPr lang="zh-CN" altLang="en-US" dirty="0"/>
               <a:t>原始形式</a:t>
             </a:r>
+            <a:endParaRPr lang="zh-CN" altLang="en-US" dirty="0"/>
           </a:p>
         </p:txBody>
       </p:sp>
@@ -18889,7 +18004,7 @@
           <p:nvPr/>
         </p:nvPicPr>
         <p:blipFill>
-          <a:blip r:embed="rId6"/>
+          <a:blip r:embed="rId4"/>
           <a:stretch>
             <a:fillRect/>
           </a:stretch>
@@ -18930,6 +18045,7 @@
               <a:rPr lang="zh-CN" altLang="en-US" dirty="0"/>
               <a:t>翻转到前面</a:t>
             </a:r>
+            <a:endParaRPr lang="zh-CN" altLang="en-US" dirty="0"/>
           </a:p>
         </p:txBody>
       </p:sp>
@@ -18942,7 +18058,7 @@
           <p:nvPr/>
         </p:nvPicPr>
         <p:blipFill>
-          <a:blip r:embed="rId7"/>
+          <a:blip r:embed="rId5"/>
           <a:stretch>
             <a:fillRect/>
           </a:stretch>
@@ -18983,15 +18099,11 @@
               <a:rPr lang="zh-CN" altLang="en-US" dirty="0"/>
               <a:t>整理之：</a:t>
             </a:r>
+            <a:endParaRPr lang="zh-CN" altLang="en-US" dirty="0"/>
           </a:p>
         </p:txBody>
       </p:sp>
     </p:spTree>
-    <p:extLst>
-      <p:ext uri="{BB962C8B-B14F-4D97-AF65-F5344CB8AC3E}">
-        <p14:creationId xmlns:p14="http://schemas.microsoft.com/office/powerpoint/2010/main" val="847109163"/>
-      </p:ext>
-    </p:extLst>
   </p:cSld>
   <p:clrMapOvr>
     <a:masterClrMapping/>
@@ -19110,7 +18222,7 @@
           <p:nvPr/>
         </p:nvPicPr>
         <p:blipFill>
-          <a:blip r:embed="rId3">
+          <a:blip r:embed="rId1">
             <a:extLst>
               <a:ext uri="{28A0092B-C50C-407E-A947-70E740481C1C}">
                 <a14:useLocalDpi xmlns:a14="http://schemas.microsoft.com/office/drawing/2010/main" val="0"/>
@@ -19201,7 +18313,7 @@
               <a:spcBef>
                 <a:spcPts val="750"/>
               </a:spcBef>
-              <a:buFont typeface="Arial" panose="020B0604020202020204" pitchFamily="34" charset="0"/>
+              <a:buFont typeface="Arial" panose="02080604020202020204" pitchFamily="34" charset="0"/>
               <a:buChar char="•"/>
               <a:defRPr sz="2100" kern="1200">
                 <a:solidFill>
@@ -19219,7 +18331,7 @@
               <a:spcBef>
                 <a:spcPts val="375"/>
               </a:spcBef>
-              <a:buFont typeface="Arial" panose="020B0604020202020204" pitchFamily="34" charset="0"/>
+              <a:buFont typeface="Arial" panose="02080604020202020204" pitchFamily="34" charset="0"/>
               <a:buChar char="•"/>
               <a:defRPr sz="1800" kern="1200">
                 <a:solidFill>
@@ -19237,7 +18349,7 @@
               <a:spcBef>
                 <a:spcPts val="375"/>
               </a:spcBef>
-              <a:buFont typeface="Arial" panose="020B0604020202020204" pitchFamily="34" charset="0"/>
+              <a:buFont typeface="Arial" panose="02080604020202020204" pitchFamily="34" charset="0"/>
               <a:buChar char="•"/>
               <a:defRPr sz="1500" kern="1200">
                 <a:solidFill>
@@ -19255,7 +18367,7 @@
               <a:spcBef>
                 <a:spcPts val="375"/>
               </a:spcBef>
-              <a:buFont typeface="Arial" panose="020B0604020202020204" pitchFamily="34" charset="0"/>
+              <a:buFont typeface="Arial" panose="02080604020202020204" pitchFamily="34" charset="0"/>
               <a:buChar char="•"/>
               <a:defRPr sz="1350" kern="1200">
                 <a:solidFill>
@@ -19273,7 +18385,7 @@
               <a:spcBef>
                 <a:spcPts val="375"/>
               </a:spcBef>
-              <a:buFont typeface="Arial" panose="020B0604020202020204" pitchFamily="34" charset="0"/>
+              <a:buFont typeface="Arial" panose="02080604020202020204" pitchFamily="34" charset="0"/>
               <a:buChar char="•"/>
               <a:defRPr sz="1350" kern="1200">
                 <a:solidFill>
@@ -19291,7 +18403,7 @@
               <a:spcBef>
                 <a:spcPts val="375"/>
               </a:spcBef>
-              <a:buFont typeface="Arial" panose="020B0604020202020204" pitchFamily="34" charset="0"/>
+              <a:buFont typeface="Arial" panose="02080604020202020204" pitchFamily="34" charset="0"/>
               <a:buChar char="•"/>
               <a:defRPr sz="1350" kern="1200">
                 <a:solidFill>
@@ -19309,7 +18421,7 @@
               <a:spcBef>
                 <a:spcPts val="375"/>
               </a:spcBef>
-              <a:buFont typeface="Arial" panose="020B0604020202020204" pitchFamily="34" charset="0"/>
+              <a:buFont typeface="Arial" panose="02080604020202020204" pitchFamily="34" charset="0"/>
               <a:buChar char="•"/>
               <a:defRPr sz="1350" kern="1200">
                 <a:solidFill>
@@ -19327,7 +18439,7 @@
               <a:spcBef>
                 <a:spcPts val="375"/>
               </a:spcBef>
-              <a:buFont typeface="Arial" panose="020B0604020202020204" pitchFamily="34" charset="0"/>
+              <a:buFont typeface="Arial" panose="02080604020202020204" pitchFamily="34" charset="0"/>
               <a:buChar char="•"/>
               <a:defRPr sz="1350" kern="1200">
                 <a:solidFill>
@@ -19345,7 +18457,7 @@
               <a:spcBef>
                 <a:spcPts val="375"/>
               </a:spcBef>
-              <a:buFont typeface="Arial" panose="020B0604020202020204" pitchFamily="34" charset="0"/>
+              <a:buFont typeface="Arial" panose="02080604020202020204" pitchFamily="34" charset="0"/>
               <a:buChar char="•"/>
               <a:defRPr sz="1350" kern="1200">
                 <a:solidFill>
@@ -19393,7 +18505,7 @@
           <p:nvPr/>
         </p:nvPicPr>
         <p:blipFill>
-          <a:blip r:embed="rId4"/>
+          <a:blip r:embed="rId2"/>
           <a:stretch>
             <a:fillRect/>
           </a:stretch>
@@ -19437,12 +18549,91 @@
               <a:rPr lang="zh-CN" altLang="en-US" dirty="0"/>
               <a:t>成像平面到像素坐标</a:t>
             </a:r>
+            <a:endParaRPr lang="zh-CN" altLang="en-US" dirty="0"/>
           </a:p>
         </p:txBody>
       </p:sp>
       <p:pic>
         <p:nvPicPr>
           <p:cNvPr id="17" name="图片 16"/>
+          <p:cNvPicPr>
+            <a:picLocks noChangeAspect="1"/>
+          </p:cNvPicPr>
+          <p:nvPr/>
+        </p:nvPicPr>
+        <p:blipFill>
+          <a:blip r:embed="rId3"/>
+          <a:stretch>
+            <a:fillRect/>
+          </a:stretch>
+        </p:blipFill>
+        <p:spPr>
+          <a:xfrm>
+            <a:off x="999482" y="2301678"/>
+            <a:ext cx="1727911" cy="860883"/>
+          </a:xfrm>
+          <a:prstGeom prst="rect">
+            <a:avLst/>
+          </a:prstGeom>
+        </p:spPr>
+      </p:pic>
+      <p:pic>
+        <p:nvPicPr>
+          <p:cNvPr id="18" name="图片 17"/>
+          <p:cNvPicPr>
+            <a:picLocks noChangeAspect="1"/>
+          </p:cNvPicPr>
+          <p:nvPr/>
+        </p:nvPicPr>
+        <p:blipFill>
+          <a:blip r:embed="rId4"/>
+          <a:stretch>
+            <a:fillRect/>
+          </a:stretch>
+        </p:blipFill>
+        <p:spPr>
+          <a:xfrm>
+            <a:off x="1049784" y="3464634"/>
+            <a:ext cx="1059903" cy="677547"/>
+          </a:xfrm>
+          <a:prstGeom prst="rect">
+            <a:avLst/>
+          </a:prstGeom>
+        </p:spPr>
+      </p:pic>
+      <p:sp>
+        <p:nvSpPr>
+          <p:cNvPr id="19" name="文本框 18"/>
+          <p:cNvSpPr txBox="1"/>
+          <p:nvPr/>
+        </p:nvSpPr>
+        <p:spPr>
+          <a:xfrm>
+            <a:off x="230166" y="3414263"/>
+            <a:ext cx="604455" cy="646331"/>
+          </a:xfrm>
+          <a:prstGeom prst="rect">
+            <a:avLst/>
+          </a:prstGeom>
+          <a:noFill/>
+        </p:spPr>
+        <p:txBody>
+          <a:bodyPr wrap="square" rtlCol="0">
+            <a:spAutoFit/>
+          </a:bodyPr>
+          <a:lstStyle/>
+          <a:p>
+            <a:r>
+              <a:rPr lang="zh-CN" altLang="en-US" dirty="0"/>
+              <a:t>代入</a:t>
+            </a:r>
+            <a:endParaRPr lang="zh-CN" altLang="en-US" dirty="0"/>
+          </a:p>
+        </p:txBody>
+      </p:sp>
+      <p:pic>
+        <p:nvPicPr>
+          <p:cNvPr id="20" name="图片 19"/>
           <p:cNvPicPr>
             <a:picLocks noChangeAspect="1"/>
           </p:cNvPicPr>
@@ -19456,48 +18647,24 @@
         </p:blipFill>
         <p:spPr>
           <a:xfrm>
-            <a:off x="999482" y="2301678"/>
-            <a:ext cx="1727911" cy="860883"/>
+            <a:off x="950495" y="4173189"/>
+            <a:ext cx="1825884" cy="860883"/>
           </a:xfrm>
           <a:prstGeom prst="rect">
             <a:avLst/>
           </a:prstGeom>
         </p:spPr>
       </p:pic>
-      <p:pic>
-        <p:nvPicPr>
-          <p:cNvPr id="18" name="图片 17"/>
-          <p:cNvPicPr>
-            <a:picLocks noChangeAspect="1"/>
-          </p:cNvPicPr>
-          <p:nvPr/>
-        </p:nvPicPr>
-        <p:blipFill>
-          <a:blip r:embed="rId6"/>
-          <a:stretch>
-            <a:fillRect/>
-          </a:stretch>
-        </p:blipFill>
-        <p:spPr>
-          <a:xfrm>
-            <a:off x="1049784" y="3464634"/>
-            <a:ext cx="1059903" cy="677547"/>
-          </a:xfrm>
-          <a:prstGeom prst="rect">
-            <a:avLst/>
-          </a:prstGeom>
-        </p:spPr>
-      </p:pic>
-      <p:sp>
-        <p:nvSpPr>
-          <p:cNvPr id="19" name="文本框 18"/>
+      <p:sp>
+        <p:nvSpPr>
+          <p:cNvPr id="21" name="文本框 20"/>
           <p:cNvSpPr txBox="1"/>
           <p:nvPr/>
         </p:nvSpPr>
         <p:spPr>
           <a:xfrm>
-            <a:off x="230166" y="3414263"/>
-            <a:ext cx="604455" cy="646331"/>
+            <a:off x="284219" y="4455213"/>
+            <a:ext cx="388578" cy="369332"/>
           </a:xfrm>
           <a:prstGeom prst="rect">
             <a:avLst/>
@@ -19512,70 +18679,13 @@
           <a:p>
             <a:r>
               <a:rPr lang="zh-CN" altLang="en-US" dirty="0"/>
-              <a:t>代入</a:t>
-            </a:r>
+              <a:t>得</a:t>
+            </a:r>
+            <a:endParaRPr lang="zh-CN" altLang="en-US" dirty="0"/>
           </a:p>
         </p:txBody>
       </p:sp>
-      <p:pic>
-        <p:nvPicPr>
-          <p:cNvPr id="20" name="图片 19"/>
-          <p:cNvPicPr>
-            <a:picLocks noChangeAspect="1"/>
-          </p:cNvPicPr>
-          <p:nvPr/>
-        </p:nvPicPr>
-        <p:blipFill>
-          <a:blip r:embed="rId7"/>
-          <a:stretch>
-            <a:fillRect/>
-          </a:stretch>
-        </p:blipFill>
-        <p:spPr>
-          <a:xfrm>
-            <a:off x="950495" y="4173189"/>
-            <a:ext cx="1825884" cy="860883"/>
-          </a:xfrm>
-          <a:prstGeom prst="rect">
-            <a:avLst/>
-          </a:prstGeom>
-        </p:spPr>
-      </p:pic>
-      <p:sp>
-        <p:nvSpPr>
-          <p:cNvPr id="21" name="文本框 20"/>
-          <p:cNvSpPr txBox="1"/>
-          <p:nvPr/>
-        </p:nvSpPr>
-        <p:spPr>
-          <a:xfrm>
-            <a:off x="284219" y="4455213"/>
-            <a:ext cx="388578" cy="369332"/>
-          </a:xfrm>
-          <a:prstGeom prst="rect">
-            <a:avLst/>
-          </a:prstGeom>
-          <a:noFill/>
-        </p:spPr>
-        <p:txBody>
-          <a:bodyPr wrap="square" rtlCol="0">
-            <a:spAutoFit/>
-          </a:bodyPr>
-          <a:lstStyle/>
-          <a:p>
-            <a:r>
-              <a:rPr lang="zh-CN" altLang="en-US" dirty="0"/>
-              <a:t>得</a:t>
-            </a:r>
-          </a:p>
-        </p:txBody>
-      </p:sp>
     </p:spTree>
-    <p:extLst>
-      <p:ext uri="{BB962C8B-B14F-4D97-AF65-F5344CB8AC3E}">
-        <p14:creationId xmlns:p14="http://schemas.microsoft.com/office/powerpoint/2010/main" val="1212788491"/>
-      </p:ext>
-    </p:extLst>
   </p:cSld>
   <p:clrMapOvr>
     <a:masterClrMapping/>
@@ -19694,7 +18804,7 @@
           <p:nvPr/>
         </p:nvPicPr>
         <p:blipFill>
-          <a:blip r:embed="rId2">
+          <a:blip r:embed="rId1">
             <a:extLst>
               <a:ext uri="{28A0092B-C50C-407E-A947-70E740481C1C}">
                 <a14:useLocalDpi xmlns:a14="http://schemas.microsoft.com/office/drawing/2010/main" val="0"/>
@@ -19785,7 +18895,7 @@
               <a:spcBef>
                 <a:spcPts val="750"/>
               </a:spcBef>
-              <a:buFont typeface="Arial" panose="020B0604020202020204" pitchFamily="34" charset="0"/>
+              <a:buFont typeface="Arial" panose="02080604020202020204" pitchFamily="34" charset="0"/>
               <a:buChar char="•"/>
               <a:defRPr sz="2100" kern="1200">
                 <a:solidFill>
@@ -19803,7 +18913,7 @@
               <a:spcBef>
                 <a:spcPts val="375"/>
               </a:spcBef>
-              <a:buFont typeface="Arial" panose="020B0604020202020204" pitchFamily="34" charset="0"/>
+              <a:buFont typeface="Arial" panose="02080604020202020204" pitchFamily="34" charset="0"/>
               <a:buChar char="•"/>
               <a:defRPr sz="1800" kern="1200">
                 <a:solidFill>
@@ -19821,7 +18931,7 @@
               <a:spcBef>
                 <a:spcPts val="375"/>
               </a:spcBef>
-              <a:buFont typeface="Arial" panose="020B0604020202020204" pitchFamily="34" charset="0"/>
+              <a:buFont typeface="Arial" panose="02080604020202020204" pitchFamily="34" charset="0"/>
               <a:buChar char="•"/>
               <a:defRPr sz="1500" kern="1200">
                 <a:solidFill>
@@ -19839,7 +18949,7 @@
               <a:spcBef>
                 <a:spcPts val="375"/>
               </a:spcBef>
-              <a:buFont typeface="Arial" panose="020B0604020202020204" pitchFamily="34" charset="0"/>
+              <a:buFont typeface="Arial" panose="02080604020202020204" pitchFamily="34" charset="0"/>
               <a:buChar char="•"/>
               <a:defRPr sz="1350" kern="1200">
                 <a:solidFill>
@@ -19857,7 +18967,7 @@
               <a:spcBef>
                 <a:spcPts val="375"/>
               </a:spcBef>
-              <a:buFont typeface="Arial" panose="020B0604020202020204" pitchFamily="34" charset="0"/>
+              <a:buFont typeface="Arial" panose="02080604020202020204" pitchFamily="34" charset="0"/>
               <a:buChar char="•"/>
               <a:defRPr sz="1350" kern="1200">
                 <a:solidFill>
@@ -19875,7 +18985,7 @@
               <a:spcBef>
                 <a:spcPts val="375"/>
               </a:spcBef>
-              <a:buFont typeface="Arial" panose="020B0604020202020204" pitchFamily="34" charset="0"/>
+              <a:buFont typeface="Arial" panose="02080604020202020204" pitchFamily="34" charset="0"/>
               <a:buChar char="•"/>
               <a:defRPr sz="1350" kern="1200">
                 <a:solidFill>
@@ -19893,7 +19003,7 @@
               <a:spcBef>
                 <a:spcPts val="375"/>
               </a:spcBef>
-              <a:buFont typeface="Arial" panose="020B0604020202020204" pitchFamily="34" charset="0"/>
+              <a:buFont typeface="Arial" panose="02080604020202020204" pitchFamily="34" charset="0"/>
               <a:buChar char="•"/>
               <a:defRPr sz="1350" kern="1200">
                 <a:solidFill>
@@ -19911,7 +19021,7 @@
               <a:spcBef>
                 <a:spcPts val="375"/>
               </a:spcBef>
-              <a:buFont typeface="Arial" panose="020B0604020202020204" pitchFamily="34" charset="0"/>
+              <a:buFont typeface="Arial" panose="02080604020202020204" pitchFamily="34" charset="0"/>
               <a:buChar char="•"/>
               <a:defRPr sz="1350" kern="1200">
                 <a:solidFill>
@@ -19929,7 +19039,7 @@
               <a:spcBef>
                 <a:spcPts val="375"/>
               </a:spcBef>
-              <a:buFont typeface="Arial" panose="020B0604020202020204" pitchFamily="34" charset="0"/>
+              <a:buFont typeface="Arial" panose="02080604020202020204" pitchFamily="34" charset="0"/>
               <a:buChar char="•"/>
               <a:defRPr sz="1350" kern="1200">
                 <a:solidFill>
@@ -19972,6 +19082,90 @@
           </p:nvPr>
         </p:nvPicPr>
         <p:blipFill>
+          <a:blip r:embed="rId2"/>
+          <a:stretch>
+            <a:fillRect/>
+          </a:stretch>
+        </p:blipFill>
+        <p:spPr>
+          <a:xfrm>
+            <a:off x="1701194" y="1337511"/>
+            <a:ext cx="1952381" cy="1028571"/>
+          </a:xfrm>
+          <a:prstGeom prst="rect">
+            <a:avLst/>
+          </a:prstGeom>
+        </p:spPr>
+      </p:pic>
+      <p:sp>
+        <p:nvSpPr>
+          <p:cNvPr id="11" name="文本框 10"/>
+          <p:cNvSpPr txBox="1"/>
+          <p:nvPr/>
+        </p:nvSpPr>
+        <p:spPr>
+          <a:xfrm>
+            <a:off x="342122" y="2749355"/>
+            <a:ext cx="1120820" cy="369332"/>
+          </a:xfrm>
+          <a:prstGeom prst="rect">
+            <a:avLst/>
+          </a:prstGeom>
+          <a:noFill/>
+        </p:spPr>
+        <p:txBody>
+          <a:bodyPr wrap="none" rtlCol="0">
+            <a:spAutoFit/>
+          </a:bodyPr>
+          <a:lstStyle/>
+          <a:p>
+            <a:r>
+              <a:rPr lang="zh-CN" altLang="en-US" dirty="0"/>
+              <a:t>矩阵形式</a:t>
+            </a:r>
+            <a:endParaRPr lang="zh-CN" altLang="en-US" dirty="0"/>
+          </a:p>
+        </p:txBody>
+      </p:sp>
+      <p:sp>
+        <p:nvSpPr>
+          <p:cNvPr id="12" name="文本框 11"/>
+          <p:cNvSpPr txBox="1"/>
+          <p:nvPr/>
+        </p:nvSpPr>
+        <p:spPr>
+          <a:xfrm>
+            <a:off x="342122" y="1758362"/>
+            <a:ext cx="1140056" cy="369332"/>
+          </a:xfrm>
+          <a:prstGeom prst="rect">
+            <a:avLst/>
+          </a:prstGeom>
+          <a:noFill/>
+        </p:spPr>
+        <p:txBody>
+          <a:bodyPr wrap="none" rtlCol="0">
+            <a:spAutoFit/>
+          </a:bodyPr>
+          <a:lstStyle/>
+          <a:p>
+            <a:r>
+              <a:rPr lang="zh-CN" altLang="en-US" dirty="0"/>
+              <a:t>展开形式</a:t>
+            </a:r>
+            <a:endParaRPr lang="zh-CN" altLang="en-US" dirty="0"/>
+          </a:p>
+        </p:txBody>
+      </p:sp>
+      <p:pic>
+        <p:nvPicPr>
+          <p:cNvPr id="13" name="图片 12"/>
+          <p:cNvPicPr>
+            <a:picLocks noChangeAspect="1"/>
+          </p:cNvPicPr>
+          <p:nvPr/>
+        </p:nvPicPr>
+        <p:blipFill>
           <a:blip r:embed="rId3"/>
           <a:stretch>
             <a:fillRect/>
@@ -19979,8 +19173,8 @@
         </p:blipFill>
         <p:spPr>
           <a:xfrm>
-            <a:off x="1701194" y="1337511"/>
-            <a:ext cx="1952381" cy="1028571"/>
+            <a:off x="1489383" y="2497207"/>
+            <a:ext cx="3178482" cy="1156426"/>
           </a:xfrm>
           <a:prstGeom prst="rect">
             <a:avLst/>
@@ -19989,14 +19183,14 @@
       </p:pic>
       <p:sp>
         <p:nvSpPr>
-          <p:cNvPr id="11" name="文本框 10"/>
+          <p:cNvPr id="14" name="文本框 13"/>
           <p:cNvSpPr txBox="1"/>
           <p:nvPr/>
         </p:nvSpPr>
         <p:spPr>
           <a:xfrm>
-            <a:off x="342122" y="2749355"/>
-            <a:ext cx="1120820" cy="369332"/>
+            <a:off x="748315" y="3844568"/>
+            <a:ext cx="1800493" cy="369332"/>
           </a:xfrm>
           <a:prstGeom prst="rect">
             <a:avLst/>
@@ -20011,21 +19205,22 @@
           <a:p>
             <a:r>
               <a:rPr lang="zh-CN" altLang="en-US" dirty="0"/>
-              <a:t>矩阵形式</a:t>
-            </a:r>
+              <a:t>左侧是齐次坐标</a:t>
+            </a:r>
+            <a:endParaRPr lang="zh-CN" altLang="en-US" dirty="0"/>
           </a:p>
         </p:txBody>
       </p:sp>
       <p:sp>
         <p:nvSpPr>
-          <p:cNvPr id="12" name="文本框 11"/>
+          <p:cNvPr id="15" name="文本框 14"/>
           <p:cNvSpPr txBox="1"/>
           <p:nvPr/>
         </p:nvSpPr>
         <p:spPr>
           <a:xfrm>
-            <a:off x="342122" y="1758362"/>
-            <a:ext cx="1140056" cy="369332"/>
+            <a:off x="3301559" y="3844568"/>
+            <a:ext cx="2031325" cy="369332"/>
           </a:xfrm>
           <a:prstGeom prst="rect">
             <a:avLst/>
@@ -20040,14 +19235,87 @@
           <a:p>
             <a:r>
               <a:rPr lang="zh-CN" altLang="en-US" dirty="0"/>
-              <a:t>展开形式</a:t>
-            </a:r>
+              <a:t>右侧是非齐次坐标</a:t>
+            </a:r>
+            <a:endParaRPr lang="zh-CN" altLang="en-US" dirty="0"/>
+          </a:p>
+        </p:txBody>
+      </p:sp>
+      <p:sp>
+        <p:nvSpPr>
+          <p:cNvPr id="16" name="文本框 15"/>
+          <p:cNvSpPr txBox="1"/>
+          <p:nvPr/>
+        </p:nvSpPr>
+        <p:spPr>
+          <a:xfrm>
+            <a:off x="1836055" y="4266716"/>
+            <a:ext cx="2262158" cy="369332"/>
+          </a:xfrm>
+          <a:prstGeom prst="rect">
+            <a:avLst/>
+          </a:prstGeom>
+          <a:noFill/>
+        </p:spPr>
+        <p:txBody>
+          <a:bodyPr wrap="none" rtlCol="0">
+            <a:spAutoFit/>
+          </a:bodyPr>
+          <a:lstStyle/>
+          <a:p>
+            <a:r>
+              <a:rPr lang="zh-CN" altLang="en-US" dirty="0"/>
+              <a:t>中间矩阵称为</a:t>
+            </a:r>
+            <a:r>
+              <a:rPr lang="zh-CN" altLang="en-US" dirty="0">
+                <a:solidFill>
+                  <a:schemeClr val="accent1"/>
+                </a:solidFill>
+              </a:rPr>
+              <a:t>内参数</a:t>
+            </a:r>
+            <a:endParaRPr lang="zh-CN" altLang="en-US" dirty="0">
+              <a:solidFill>
+                <a:schemeClr val="accent1"/>
+              </a:solidFill>
+            </a:endParaRPr>
+          </a:p>
+        </p:txBody>
+      </p:sp>
+      <p:sp>
+        <p:nvSpPr>
+          <p:cNvPr id="17" name="文本框 16"/>
+          <p:cNvSpPr txBox="1"/>
+          <p:nvPr/>
+        </p:nvSpPr>
+        <p:spPr>
+          <a:xfrm>
+            <a:off x="451061" y="4688864"/>
+            <a:ext cx="3647152" cy="369332"/>
+          </a:xfrm>
+          <a:prstGeom prst="rect">
+            <a:avLst/>
+          </a:prstGeom>
+          <a:noFill/>
+        </p:spPr>
+        <p:txBody>
+          <a:bodyPr wrap="none" rtlCol="0">
+            <a:spAutoFit/>
+          </a:bodyPr>
+          <a:lstStyle/>
+          <a:p>
+            <a:r>
+              <a:rPr lang="zh-CN" altLang="en-US" dirty="0"/>
+              <a:t>内参通常在相机生产之后就已固定</a:t>
+            </a:r>
+            <a:endParaRPr lang="zh-CN" altLang="en-US" dirty="0"/>
           </a:p>
         </p:txBody>
       </p:sp>
       <p:pic>
         <p:nvPicPr>
-          <p:cNvPr id="13" name="图片 12"/>
+          <p:cNvPr id="18" name="图片 17"/>
           <p:cNvPicPr>
             <a:picLocks noChangeAspect="1"/>
           </p:cNvPicPr>
@@ -20061,8 +19329,8 @@
         </p:blipFill>
         <p:spPr>
           <a:xfrm>
-            <a:off x="1489383" y="2497207"/>
-            <a:ext cx="3178482" cy="1156426"/>
+            <a:off x="4888081" y="2473878"/>
+            <a:ext cx="3319396" cy="1078991"/>
           </a:xfrm>
           <a:prstGeom prst="rect">
             <a:avLst/>
@@ -20071,14 +19339,14 @@
       </p:pic>
       <p:sp>
         <p:nvSpPr>
-          <p:cNvPr id="14" name="文本框 13"/>
+          <p:cNvPr id="19" name="文本框 18"/>
           <p:cNvSpPr txBox="1"/>
           <p:nvPr/>
         </p:nvSpPr>
         <p:spPr>
           <a:xfrm>
-            <a:off x="748315" y="3844568"/>
-            <a:ext cx="1800493" cy="369332"/>
+            <a:off x="5752134" y="2072653"/>
+            <a:ext cx="1107996" cy="369332"/>
           </a:xfrm>
           <a:prstGeom prst="rect">
             <a:avLst/>
@@ -20093,165 +19361,13 @@
           <a:p>
             <a:r>
               <a:rPr lang="zh-CN" altLang="en-US" dirty="0"/>
-              <a:t>左侧是齐次坐标</a:t>
-            </a:r>
+              <a:t>传统习惯</a:t>
+            </a:r>
+            <a:endParaRPr lang="zh-CN" altLang="en-US" dirty="0"/>
           </a:p>
         </p:txBody>
       </p:sp>
-      <p:sp>
-        <p:nvSpPr>
-          <p:cNvPr id="15" name="文本框 14"/>
-          <p:cNvSpPr txBox="1"/>
-          <p:nvPr/>
-        </p:nvSpPr>
-        <p:spPr>
-          <a:xfrm>
-            <a:off x="3301559" y="3844568"/>
-            <a:ext cx="2031325" cy="369332"/>
-          </a:xfrm>
-          <a:prstGeom prst="rect">
-            <a:avLst/>
-          </a:prstGeom>
-          <a:noFill/>
-        </p:spPr>
-        <p:txBody>
-          <a:bodyPr wrap="none" rtlCol="0">
-            <a:spAutoFit/>
-          </a:bodyPr>
-          <a:lstStyle/>
-          <a:p>
-            <a:r>
-              <a:rPr lang="zh-CN" altLang="en-US" dirty="0"/>
-              <a:t>右侧是非齐次坐标</a:t>
-            </a:r>
-          </a:p>
-        </p:txBody>
-      </p:sp>
-      <p:sp>
-        <p:nvSpPr>
-          <p:cNvPr id="16" name="文本框 15"/>
-          <p:cNvSpPr txBox="1"/>
-          <p:nvPr/>
-        </p:nvSpPr>
-        <p:spPr>
-          <a:xfrm>
-            <a:off x="1836055" y="4266716"/>
-            <a:ext cx="2262158" cy="369332"/>
-          </a:xfrm>
-          <a:prstGeom prst="rect">
-            <a:avLst/>
-          </a:prstGeom>
-          <a:noFill/>
-        </p:spPr>
-        <p:txBody>
-          <a:bodyPr wrap="none" rtlCol="0">
-            <a:spAutoFit/>
-          </a:bodyPr>
-          <a:lstStyle/>
-          <a:p>
-            <a:r>
-              <a:rPr lang="zh-CN" altLang="en-US" dirty="0"/>
-              <a:t>中间矩阵称为</a:t>
-            </a:r>
-            <a:r>
-              <a:rPr lang="zh-CN" altLang="en-US" dirty="0">
-                <a:solidFill>
-                  <a:schemeClr val="accent1"/>
-                </a:solidFill>
-              </a:rPr>
-              <a:t>内参数</a:t>
-            </a:r>
-          </a:p>
-        </p:txBody>
-      </p:sp>
-      <p:sp>
-        <p:nvSpPr>
-          <p:cNvPr id="17" name="文本框 16"/>
-          <p:cNvSpPr txBox="1"/>
-          <p:nvPr/>
-        </p:nvSpPr>
-        <p:spPr>
-          <a:xfrm>
-            <a:off x="451061" y="4688864"/>
-            <a:ext cx="3647152" cy="369332"/>
-          </a:xfrm>
-          <a:prstGeom prst="rect">
-            <a:avLst/>
-          </a:prstGeom>
-          <a:noFill/>
-        </p:spPr>
-        <p:txBody>
-          <a:bodyPr wrap="none" rtlCol="0">
-            <a:spAutoFit/>
-          </a:bodyPr>
-          <a:lstStyle/>
-          <a:p>
-            <a:r>
-              <a:rPr lang="zh-CN" altLang="en-US" dirty="0"/>
-              <a:t>内参通常在相机生产之后就已固定</a:t>
-            </a:r>
-          </a:p>
-        </p:txBody>
-      </p:sp>
-      <p:pic>
-        <p:nvPicPr>
-          <p:cNvPr id="18" name="图片 17"/>
-          <p:cNvPicPr>
-            <a:picLocks noChangeAspect="1"/>
-          </p:cNvPicPr>
-          <p:nvPr/>
-        </p:nvPicPr>
-        <p:blipFill>
-          <a:blip r:embed="rId5"/>
-          <a:stretch>
-            <a:fillRect/>
-          </a:stretch>
-        </p:blipFill>
-        <p:spPr>
-          <a:xfrm>
-            <a:off x="4888081" y="2473878"/>
-            <a:ext cx="3319396" cy="1078991"/>
-          </a:xfrm>
-          <a:prstGeom prst="rect">
-            <a:avLst/>
-          </a:prstGeom>
-        </p:spPr>
-      </p:pic>
-      <p:sp>
-        <p:nvSpPr>
-          <p:cNvPr id="19" name="文本框 18"/>
-          <p:cNvSpPr txBox="1"/>
-          <p:nvPr/>
-        </p:nvSpPr>
-        <p:spPr>
-          <a:xfrm>
-            <a:off x="5752134" y="2072653"/>
-            <a:ext cx="1107996" cy="369332"/>
-          </a:xfrm>
-          <a:prstGeom prst="rect">
-            <a:avLst/>
-          </a:prstGeom>
-          <a:noFill/>
-        </p:spPr>
-        <p:txBody>
-          <a:bodyPr wrap="none" rtlCol="0">
-            <a:spAutoFit/>
-          </a:bodyPr>
-          <a:lstStyle/>
-          <a:p>
-            <a:r>
-              <a:rPr lang="zh-CN" altLang="en-US" dirty="0"/>
-              <a:t>传统习惯</a:t>
-            </a:r>
-          </a:p>
-        </p:txBody>
-      </p:sp>
     </p:spTree>
-    <p:extLst>
-      <p:ext uri="{BB962C8B-B14F-4D97-AF65-F5344CB8AC3E}">
-        <p14:creationId xmlns:p14="http://schemas.microsoft.com/office/powerpoint/2010/main" val="381033445"/>
-      </p:ext>
-    </p:extLst>
   </p:cSld>
   <p:clrMapOvr>
     <a:masterClrMapping/>
@@ -20370,7 +19486,7 @@
           <p:nvPr/>
         </p:nvPicPr>
         <p:blipFill>
-          <a:blip r:embed="rId2">
+          <a:blip r:embed="rId1">
             <a:extLst>
               <a:ext uri="{28A0092B-C50C-407E-A947-70E740481C1C}">
                 <a14:useLocalDpi xmlns:a14="http://schemas.microsoft.com/office/drawing/2010/main" val="0"/>
@@ -20441,7 +19557,7 @@
           <p:nvPr/>
         </p:nvPicPr>
         <p:blipFill>
-          <a:blip r:embed="rId3"/>
+          <a:blip r:embed="rId2"/>
           <a:stretch>
             <a:fillRect/>
           </a:stretch>
@@ -20465,7 +19581,7 @@
           <p:nvPr/>
         </p:nvPicPr>
         <p:blipFill>
-          <a:blip r:embed="rId4"/>
+          <a:blip r:embed="rId3"/>
           <a:stretch>
             <a:fillRect/>
           </a:stretch>
@@ -20533,15 +19649,11 @@
               <a:rPr lang="zh-CN" altLang="en-US" dirty="0"/>
               <a:t>点仍是同一个</a:t>
             </a:r>
+            <a:endParaRPr lang="zh-CN" altLang="en-US" dirty="0"/>
           </a:p>
         </p:txBody>
       </p:sp>
     </p:spTree>
-    <p:extLst>
-      <p:ext uri="{BB962C8B-B14F-4D97-AF65-F5344CB8AC3E}">
-        <p14:creationId xmlns:p14="http://schemas.microsoft.com/office/powerpoint/2010/main" val="232874761"/>
-      </p:ext>
-    </p:extLst>
   </p:cSld>
   <p:clrMapOvr>
     <a:masterClrMapping/>
@@ -20592,7 +19704,7 @@
     </a:clrScheme>
     <a:fontScheme name="Arial Black-Arial">
       <a:majorFont>
-        <a:latin typeface="Arial Black" panose="020B0A04020102020204"/>
+        <a:latin typeface="Arial Black"/>
         <a:ea typeface=""/>
         <a:cs typeface=""/>
         <a:font script="Jpan" typeface="ＭＳ ゴシック"/>
@@ -20627,7 +19739,7 @@
         <a:font script="Geor" typeface="Sylfaen"/>
       </a:majorFont>
       <a:minorFont>
-        <a:latin typeface="Arial" panose="020B0604020202020204"/>
+        <a:latin typeface="Arial"/>
         <a:ea typeface=""/>
         <a:cs typeface=""/>
         <a:font script="Jpan" typeface="ＭＳ Ｐゴシック"/>
@@ -20831,7 +19943,6 @@
       </a:style>
     </a:spDef>
   </a:objectDefaults>
-  <a:extraClrSchemeLst/>
   <a:extLst>
     <a:ext uri="{05A4C25C-085E-4340-85A3-A5531E510DB2}">
       <thm15:themeFamily xmlns:thm15="http://schemas.microsoft.com/office/thememl/2012/main" name="Office Theme" id="{62F939B6-93AF-4DB8-9C6B-D6C7DFDC589F}" vid="{4A3C46E8-61CC-4603-A589-7422A47A8E4A}"/>
@@ -21091,8 +20202,6 @@
       </a:bgFillStyleLst>
     </a:fmtScheme>
   </a:themeElements>
-  <a:objectDefaults/>
-  <a:extraClrSchemeLst/>
   <a:extLst>
     <a:ext uri="{05A4C25C-085E-4340-85A3-A5531E510DB2}">
       <thm15:themeFamily xmlns:thm15="http://schemas.microsoft.com/office/thememl/2012/main" name="Office Theme" id="{62F939B6-93AF-4DB8-9C6B-D6C7DFDC589F}" vid="{4A3C46E8-61CC-4603-A589-7422A47A8E4A}"/>
